--- a/Presentation1.pptx
+++ b/Presentation1.pptx
@@ -5,10 +5,10 @@
     <p:sldMasterId id="2147483648" r:id="rId1"/>
   </p:sldMasterIdLst>
   <p:notesMasterIdLst>
-    <p:notesMasterId r:id="rId21"/>
+    <p:notesMasterId r:id="rId12"/>
   </p:notesMasterIdLst>
   <p:handoutMasterIdLst>
-    <p:handoutMasterId r:id="rId22"/>
+    <p:handoutMasterId r:id="rId13"/>
   </p:handoutMasterIdLst>
   <p:sldIdLst>
     <p:sldId id="267" r:id="rId2"/>
@@ -16,44 +16,35 @@
     <p:sldId id="278" r:id="rId4"/>
     <p:sldId id="279" r:id="rId5"/>
     <p:sldId id="280" r:id="rId6"/>
-    <p:sldId id="281" r:id="rId7"/>
-    <p:sldId id="277" r:id="rId8"/>
+    <p:sldId id="277" r:id="rId7"/>
+    <p:sldId id="261" r:id="rId8"/>
     <p:sldId id="282" r:id="rId9"/>
     <p:sldId id="283" r:id="rId10"/>
     <p:sldId id="284" r:id="rId11"/>
-    <p:sldId id="268" r:id="rId12"/>
-    <p:sldId id="272" r:id="rId13"/>
-    <p:sldId id="269" r:id="rId14"/>
-    <p:sldId id="275" r:id="rId15"/>
-    <p:sldId id="273" r:id="rId16"/>
-    <p:sldId id="263" r:id="rId17"/>
-    <p:sldId id="264" r:id="rId18"/>
-    <p:sldId id="265" r:id="rId19"/>
-    <p:sldId id="266" r:id="rId20"/>
   </p:sldIdLst>
   <p:sldSz cx="12192000" cy="6858000"/>
   <p:notesSz cx="6858000" cy="9144000"/>
   <p:embeddedFontLst>
     <p:embeddedFont>
       <p:font typeface="MetricHPE" panose="020B0503030202060203" pitchFamily="34" charset="77"/>
-      <p:regular r:id="rId23"/>
-      <p:bold r:id="rId24"/>
-      <p:italic r:id="rId25"/>
-      <p:boldItalic r:id="rId26"/>
+      <p:regular r:id="rId14"/>
+      <p:bold r:id="rId15"/>
+      <p:italic r:id="rId16"/>
+      <p:boldItalic r:id="rId17"/>
     </p:embeddedFont>
     <p:embeddedFont>
       <p:font typeface="MetricHPE Black" panose="020B0803030202060203" pitchFamily="34" charset="77"/>
-      <p:bold r:id="rId27"/>
-      <p:italic r:id="rId28"/>
-      <p:boldItalic r:id="rId29"/>
+      <p:bold r:id="rId18"/>
+      <p:italic r:id="rId19"/>
+      <p:boldItalic r:id="rId20"/>
     </p:embeddedFont>
     <p:embeddedFont>
       <p:font typeface="SFMono-Regular" panose="020B0009000002000000" pitchFamily="49" charset="0"/>
-      <p:regular r:id="rId30"/>
+      <p:regular r:id="rId21"/>
     </p:embeddedFont>
   </p:embeddedFontLst>
   <p:custDataLst>
-    <p:tags r:id="rId31"/>
+    <p:tags r:id="rId22"/>
   </p:custDataLst>
   <p:defaultTextStyle>
     <a:defPPr>
@@ -160,28 +151,11 @@
             <p14:sldId id="278"/>
             <p14:sldId id="279"/>
             <p14:sldId id="280"/>
-            <p14:sldId id="281"/>
             <p14:sldId id="277"/>
+            <p14:sldId id="261"/>
             <p14:sldId id="282"/>
             <p14:sldId id="283"/>
             <p14:sldId id="284"/>
-            <p14:sldId id="268"/>
-          </p14:sldIdLst>
-        </p14:section>
-        <p14:section name="Resources" id="{DC398CB1-460E-46AC-9B81-3D854D885AE1}">
-          <p14:sldIdLst>
-            <p14:sldId id="272"/>
-            <p14:sldId id="269"/>
-            <p14:sldId id="275"/>
-          </p14:sldIdLst>
-        </p14:section>
-        <p14:section name="Legal Guidelines" id="{2DC185DB-DE00-4D13-B073-E8BFB8595DA4}">
-          <p14:sldIdLst>
-            <p14:sldId id="273"/>
-            <p14:sldId id="263"/>
-            <p14:sldId id="264"/>
-            <p14:sldId id="265"/>
-            <p14:sldId id="266"/>
           </p14:sldIdLst>
         </p14:section>
       </p14:sectionLst>
@@ -26444,4729 +26418,6 @@
 </p:sld>
 </file>
 
-<file path=ppt/slides/slide11.xml><?xml version="1.0" encoding="utf-8"?>
-<p:sld xmlns:a="http://schemas.openxmlformats.org/drawingml/2006/main" xmlns:r="http://schemas.openxmlformats.org/officeDocument/2006/relationships" xmlns:p="http://schemas.openxmlformats.org/presentationml/2006/main">
-  <p:cSld>
-    <p:spTree>
-      <p:nvGrpSpPr>
-        <p:cNvPr id="1" name=""/>
-        <p:cNvGrpSpPr/>
-        <p:nvPr/>
-      </p:nvGrpSpPr>
-      <p:grpSpPr>
-        <a:xfrm>
-          <a:off x="0" y="0"/>
-          <a:ext cx="0" cy="0"/>
-          <a:chOff x="0" y="0"/>
-          <a:chExt cx="0" cy="0"/>
-        </a:xfrm>
-      </p:grpSpPr>
-      <p:sp>
-        <p:nvSpPr>
-          <p:cNvPr id="16" name="Text Placeholder 15">
-            <a:extLst>
-              <a:ext uri="{FF2B5EF4-FFF2-40B4-BE49-F238E27FC236}">
-                <a16:creationId xmlns:a16="http://schemas.microsoft.com/office/drawing/2014/main" id="{AE94DB59-2993-41B8-AA2D-A95E6BF6DDA3}"/>
-              </a:ext>
-            </a:extLst>
-          </p:cNvPr>
-          <p:cNvSpPr>
-            <a:spLocks noGrp="1"/>
-          </p:cNvSpPr>
-          <p:nvPr>
-            <p:ph type="body" sz="quarter" idx="13"/>
-          </p:nvPr>
-        </p:nvSpPr>
-        <p:spPr/>
-        <p:txBody>
-          <a:bodyPr/>
-          <a:lstStyle/>
-          <a:p>
-            <a:endParaRPr lang="en-US" dirty="0"/>
-          </a:p>
-        </p:txBody>
-      </p:sp>
-      <p:sp>
-        <p:nvSpPr>
-          <p:cNvPr id="3" name="Title">
-            <a:extLst>
-              <a:ext uri="{FF2B5EF4-FFF2-40B4-BE49-F238E27FC236}">
-                <a16:creationId xmlns:a16="http://schemas.microsoft.com/office/drawing/2014/main" id="{3817C569-99BE-4C61-8DBB-67B2DD76189C}"/>
-              </a:ext>
-            </a:extLst>
-          </p:cNvPr>
-          <p:cNvSpPr>
-            <a:spLocks noGrp="1"/>
-          </p:cNvSpPr>
-          <p:nvPr>
-            <p:ph type="title"/>
-          </p:nvPr>
-        </p:nvSpPr>
-        <p:spPr>
-          <a:xfrm>
-            <a:off x="284749" y="521016"/>
-            <a:ext cx="6195700" cy="2828660"/>
-          </a:xfrm>
-        </p:spPr>
-        <p:txBody>
-          <a:bodyPr/>
-          <a:lstStyle/>
-          <a:p>
-            <a:r>
-              <a:rPr lang="en-US" dirty="0"/>
-              <a:t>Thank you</a:t>
-            </a:r>
-          </a:p>
-        </p:txBody>
-      </p:sp>
-      <p:sp>
-        <p:nvSpPr>
-          <p:cNvPr id="4" name="Footer Placeholder">
-            <a:extLst>
-              <a:ext uri="{FF2B5EF4-FFF2-40B4-BE49-F238E27FC236}">
-                <a16:creationId xmlns:a16="http://schemas.microsoft.com/office/drawing/2014/main" id="{123718AE-1ECF-495D-9D8E-83CBCF47E8AB}"/>
-              </a:ext>
-            </a:extLst>
-          </p:cNvPr>
-          <p:cNvSpPr>
-            <a:spLocks noGrp="1"/>
-          </p:cNvSpPr>
-          <p:nvPr>
-            <p:ph type="ftr" sz="quarter" idx="3"/>
-          </p:nvPr>
-        </p:nvSpPr>
-        <p:spPr>
-          <a:xfrm>
-            <a:off x="4374720" y="5923546"/>
-            <a:ext cx="7481160" cy="411581"/>
-          </a:xfrm>
-        </p:spPr>
-        <p:txBody>
-          <a:bodyPr/>
-          <a:lstStyle/>
-          <a:p>
-            <a:r>
-              <a:rPr lang="en-US" dirty="0"/>
-              <a:t>Confidential | Authorized </a:t>
-            </a:r>
-          </a:p>
-        </p:txBody>
-      </p:sp>
-    </p:spTree>
-    <p:extLst>
-      <p:ext uri="{BB962C8B-B14F-4D97-AF65-F5344CB8AC3E}">
-        <p14:creationId xmlns:p14="http://schemas.microsoft.com/office/powerpoint/2010/main" val="1447782276"/>
-      </p:ext>
-    </p:extLst>
-  </p:cSld>
-  <p:clrMapOvr>
-    <a:masterClrMapping/>
-  </p:clrMapOvr>
-  <mc:AlternateContent xmlns:mc="http://schemas.openxmlformats.org/markup-compatibility/2006" xmlns:p14="http://schemas.microsoft.com/office/powerpoint/2010/main">
-    <mc:Choice Requires="p14">
-      <p:transition spd="med" p14:dur="700">
-        <p:fade/>
-      </p:transition>
-    </mc:Choice>
-    <mc:Fallback xmlns="">
-      <p:transition spd="med">
-        <p:fade/>
-      </p:transition>
-    </mc:Fallback>
-  </mc:AlternateContent>
-</p:sld>
-</file>
-
-<file path=ppt/slides/slide12.xml><?xml version="1.0" encoding="utf-8"?>
-<p:sld xmlns:a="http://schemas.openxmlformats.org/drawingml/2006/main" xmlns:r="http://schemas.openxmlformats.org/officeDocument/2006/relationships" xmlns:p="http://schemas.openxmlformats.org/presentationml/2006/main">
-  <p:cSld>
-    <p:spTree>
-      <p:nvGrpSpPr>
-        <p:cNvPr id="1" name=""/>
-        <p:cNvGrpSpPr/>
-        <p:nvPr/>
-      </p:nvGrpSpPr>
-      <p:grpSpPr>
-        <a:xfrm>
-          <a:off x="0" y="0"/>
-          <a:ext cx="0" cy="0"/>
-          <a:chOff x="0" y="0"/>
-          <a:chExt cx="0" cy="0"/>
-        </a:xfrm>
-      </p:grpSpPr>
-      <p:sp>
-        <p:nvSpPr>
-          <p:cNvPr id="14" name="Text Placeholder">
-            <a:extLst>
-              <a:ext uri="{FF2B5EF4-FFF2-40B4-BE49-F238E27FC236}">
-                <a16:creationId xmlns:a16="http://schemas.microsoft.com/office/drawing/2014/main" id="{43F25EB3-6DEA-4555-B150-8BB6EA044ABC}"/>
-              </a:ext>
-            </a:extLst>
-          </p:cNvPr>
-          <p:cNvSpPr>
-            <a:spLocks noGrp="1"/>
-          </p:cNvSpPr>
-          <p:nvPr>
-            <p:ph type="body" sz="quarter" idx="14"/>
-          </p:nvPr>
-        </p:nvSpPr>
-        <p:spPr/>
-        <p:txBody>
-          <a:bodyPr/>
-          <a:lstStyle/>
-          <a:p>
-            <a:r>
-              <a:rPr lang="en-US" dirty="0"/>
-              <a:t>It’s important for you to download and use only HPE licensed assets. Please review the following slides for more guidance.</a:t>
-            </a:r>
-          </a:p>
-        </p:txBody>
-      </p:sp>
-      <p:sp>
-        <p:nvSpPr>
-          <p:cNvPr id="3" name="Title">
-            <a:extLst>
-              <a:ext uri="{FF2B5EF4-FFF2-40B4-BE49-F238E27FC236}">
-                <a16:creationId xmlns:a16="http://schemas.microsoft.com/office/drawing/2014/main" id="{F6CBDC50-5017-495C-86B1-E0B7207AECF1}"/>
-              </a:ext>
-            </a:extLst>
-          </p:cNvPr>
-          <p:cNvSpPr>
-            <a:spLocks noGrp="1"/>
-          </p:cNvSpPr>
-          <p:nvPr>
-            <p:ph type="title"/>
-          </p:nvPr>
-        </p:nvSpPr>
-        <p:spPr/>
-        <p:txBody>
-          <a:bodyPr/>
-          <a:lstStyle/>
-          <a:p>
-            <a:r>
-              <a:rPr lang="en-US" dirty="0"/>
-              <a:t>Resources</a:t>
-            </a:r>
-          </a:p>
-        </p:txBody>
-      </p:sp>
-      <p:sp>
-        <p:nvSpPr>
-          <p:cNvPr id="5" name="Footer Placeholder">
-            <a:extLst>
-              <a:ext uri="{FF2B5EF4-FFF2-40B4-BE49-F238E27FC236}">
-                <a16:creationId xmlns:a16="http://schemas.microsoft.com/office/drawing/2014/main" id="{87933732-88E0-4FB0-BCA1-157FCB93B34A}"/>
-              </a:ext>
-            </a:extLst>
-          </p:cNvPr>
-          <p:cNvSpPr>
-            <a:spLocks noGrp="1"/>
-          </p:cNvSpPr>
-          <p:nvPr>
-            <p:ph type="ftr" sz="quarter" idx="15"/>
-          </p:nvPr>
-        </p:nvSpPr>
-        <p:spPr>
-          <a:xfrm>
-            <a:off x="3721696" y="6129337"/>
-            <a:ext cx="7481160" cy="411581"/>
-          </a:xfrm>
-        </p:spPr>
-        <p:txBody>
-          <a:bodyPr/>
-          <a:lstStyle/>
-          <a:p>
-            <a:r>
-              <a:rPr lang="en-US" dirty="0"/>
-              <a:t>Confidential | Authorized </a:t>
-            </a:r>
-          </a:p>
-        </p:txBody>
-      </p:sp>
-      <p:sp>
-        <p:nvSpPr>
-          <p:cNvPr id="2" name="Slide Number Placeholder 1">
-            <a:extLst>
-              <a:ext uri="{FF2B5EF4-FFF2-40B4-BE49-F238E27FC236}">
-                <a16:creationId xmlns:a16="http://schemas.microsoft.com/office/drawing/2014/main" id="{6C3EFD76-A0E3-4BCE-B9FF-29EDC780396C}"/>
-              </a:ext>
-            </a:extLst>
-          </p:cNvPr>
-          <p:cNvSpPr>
-            <a:spLocks noGrp="1"/>
-          </p:cNvSpPr>
-          <p:nvPr>
-            <p:ph type="sldNum" sz="quarter" idx="16"/>
-          </p:nvPr>
-        </p:nvSpPr>
-        <p:spPr/>
-        <p:txBody>
-          <a:bodyPr/>
-          <a:lstStyle/>
-          <a:p>
-            <a:pPr defTabSz="1088421"/>
-            <a:fld id="{104FC826-72BB-4AF1-BA01-A94F7396A7DC}" type="slidenum">
-              <a:rPr lang="en-US" smtClean="0"/>
-              <a:pPr defTabSz="1088421"/>
-              <a:t>12</a:t>
-            </a:fld>
-            <a:endParaRPr lang="en-US" dirty="0"/>
-          </a:p>
-        </p:txBody>
-      </p:sp>
-    </p:spTree>
-    <p:extLst>
-      <p:ext uri="{BB962C8B-B14F-4D97-AF65-F5344CB8AC3E}">
-        <p14:creationId xmlns:p14="http://schemas.microsoft.com/office/powerpoint/2010/main" val="2429381663"/>
-      </p:ext>
-    </p:extLst>
-  </p:cSld>
-  <p:clrMapOvr>
-    <a:masterClrMapping/>
-  </p:clrMapOvr>
-  <mc:AlternateContent xmlns:mc="http://schemas.openxmlformats.org/markup-compatibility/2006" xmlns:p14="http://schemas.microsoft.com/office/powerpoint/2010/main">
-    <mc:Choice Requires="p14">
-      <p:transition spd="med" p14:dur="700">
-        <p:fade/>
-      </p:transition>
-    </mc:Choice>
-    <mc:Fallback xmlns="">
-      <p:transition spd="med">
-        <p:fade/>
-      </p:transition>
-    </mc:Fallback>
-  </mc:AlternateContent>
-</p:sld>
-</file>
-
-<file path=ppt/slides/slide13.xml><?xml version="1.0" encoding="utf-8"?>
-<p:sld xmlns:a="http://schemas.openxmlformats.org/drawingml/2006/main" xmlns:r="http://schemas.openxmlformats.org/officeDocument/2006/relationships" xmlns:p="http://schemas.openxmlformats.org/presentationml/2006/main">
-  <p:cSld>
-    <p:spTree>
-      <p:nvGrpSpPr>
-        <p:cNvPr id="1" name=""/>
-        <p:cNvGrpSpPr/>
-        <p:nvPr/>
-      </p:nvGrpSpPr>
-      <p:grpSpPr>
-        <a:xfrm>
-          <a:off x="0" y="0"/>
-          <a:ext cx="0" cy="0"/>
-          <a:chOff x="0" y="0"/>
-          <a:chExt cx="0" cy="0"/>
-        </a:xfrm>
-      </p:grpSpPr>
-      <p:sp>
-        <p:nvSpPr>
-          <p:cNvPr id="5" name="Title">
-            <a:extLst>
-              <a:ext uri="{FF2B5EF4-FFF2-40B4-BE49-F238E27FC236}">
-                <a16:creationId xmlns:a16="http://schemas.microsoft.com/office/drawing/2014/main" id="{30B502B8-BBA0-40F5-B2EC-0288AA2C1B6E}"/>
-              </a:ext>
-            </a:extLst>
-          </p:cNvPr>
-          <p:cNvSpPr>
-            <a:spLocks noGrp="1"/>
-          </p:cNvSpPr>
-          <p:nvPr>
-            <p:ph type="title"/>
-          </p:nvPr>
-        </p:nvSpPr>
-        <p:spPr/>
-        <p:txBody>
-          <a:bodyPr/>
-          <a:lstStyle/>
-          <a:p>
-            <a:r>
-              <a:rPr lang="en-US" dirty="0"/>
-              <a:t>Working with HPE PowerPoint templates</a:t>
-            </a:r>
-          </a:p>
-        </p:txBody>
-      </p:sp>
-      <p:sp>
-        <p:nvSpPr>
-          <p:cNvPr id="12" name="Footer Placeholder">
-            <a:extLst>
-              <a:ext uri="{FF2B5EF4-FFF2-40B4-BE49-F238E27FC236}">
-                <a16:creationId xmlns:a16="http://schemas.microsoft.com/office/drawing/2014/main" id="{E2058746-7305-4011-A618-30CDEBD9652E}"/>
-              </a:ext>
-            </a:extLst>
-          </p:cNvPr>
-          <p:cNvSpPr>
-            <a:spLocks noGrp="1"/>
-          </p:cNvSpPr>
-          <p:nvPr>
-            <p:ph type="ftr" sz="quarter" idx="23"/>
-          </p:nvPr>
-        </p:nvSpPr>
-        <p:spPr/>
-        <p:txBody>
-          <a:bodyPr/>
-          <a:lstStyle/>
-          <a:p>
-            <a:r>
-              <a:rPr lang="en-US" dirty="0"/>
-              <a:t>Confidential | Authorized </a:t>
-            </a:r>
-          </a:p>
-        </p:txBody>
-      </p:sp>
-      <p:sp>
-        <p:nvSpPr>
-          <p:cNvPr id="10" name="Text Placeholder">
-            <a:extLst>
-              <a:ext uri="{FF2B5EF4-FFF2-40B4-BE49-F238E27FC236}">
-                <a16:creationId xmlns:a16="http://schemas.microsoft.com/office/drawing/2014/main" id="{815EED85-982E-4E43-A779-B2324772F173}"/>
-              </a:ext>
-            </a:extLst>
-          </p:cNvPr>
-          <p:cNvSpPr>
-            <a:spLocks noGrp="1"/>
-          </p:cNvSpPr>
-          <p:nvPr>
-            <p:ph type="body" sz="quarter" idx="25"/>
-          </p:nvPr>
-        </p:nvSpPr>
-        <p:spPr/>
-        <p:txBody>
-          <a:bodyPr/>
-          <a:lstStyle/>
-          <a:p>
-            <a:r>
-              <a:rPr lang="en-US" b="1" dirty="0">
-                <a:latin typeface="+mj-lt"/>
-              </a:rPr>
-              <a:t>PowerPoint layouts</a:t>
-            </a:r>
-          </a:p>
-          <a:p>
-            <a:r>
-              <a:rPr lang="en-US" dirty="0"/>
-              <a:t>We have over 45 different layouts available for white and black backgrounds. </a:t>
-            </a:r>
-          </a:p>
-          <a:p>
-            <a:r>
-              <a:rPr lang="en-US" dirty="0"/>
-              <a:t>Switch layouts by clicking </a:t>
-            </a:r>
-            <a:r>
-              <a:rPr lang="en-US" i="1" dirty="0"/>
-              <a:t>Layout</a:t>
-            </a:r>
-            <a:r>
-              <a:rPr lang="en-US" dirty="0"/>
-              <a:t>.</a:t>
-            </a:r>
-          </a:p>
-        </p:txBody>
-      </p:sp>
-      <p:pic>
-        <p:nvPicPr>
-          <p:cNvPr id="26" name="Picture Placeholder" descr="A picture containing diagram&#10;&#10;Description automatically generated">
-            <a:extLst>
-              <a:ext uri="{FF2B5EF4-FFF2-40B4-BE49-F238E27FC236}">
-                <a16:creationId xmlns:a16="http://schemas.microsoft.com/office/drawing/2014/main" id="{D6960EAB-A6F8-4DDA-9258-B9FD1D13FD1A}"/>
-              </a:ext>
-            </a:extLst>
-          </p:cNvPr>
-          <p:cNvPicPr>
-            <a:picLocks noGrp="1" noChangeAspect="1"/>
-          </p:cNvPicPr>
-          <p:nvPr>
-            <p:ph type="pic" sz="quarter" idx="20"/>
-          </p:nvPr>
-        </p:nvPicPr>
-        <p:blipFill>
-          <a:blip r:embed="rId2">
-            <a:extLst>
-              <a:ext uri="{28A0092B-C50C-407E-A947-70E740481C1C}">
-                <a14:useLocalDpi xmlns:a14="http://schemas.microsoft.com/office/drawing/2010/main" val="0"/>
-              </a:ext>
-            </a:extLst>
-          </a:blip>
-          <a:srcRect t="1746" b="1746"/>
-          <a:stretch>
-            <a:fillRect/>
-          </a:stretch>
-        </p:blipFill>
-        <p:spPr/>
-      </p:pic>
-      <p:sp>
-        <p:nvSpPr>
-          <p:cNvPr id="6" name="Text Placeholder">
-            <a:extLst>
-              <a:ext uri="{FF2B5EF4-FFF2-40B4-BE49-F238E27FC236}">
-                <a16:creationId xmlns:a16="http://schemas.microsoft.com/office/drawing/2014/main" id="{ADAF914E-BDB8-46AC-803D-2D864A93D885}"/>
-              </a:ext>
-            </a:extLst>
-          </p:cNvPr>
-          <p:cNvSpPr>
-            <a:spLocks noGrp="1"/>
-          </p:cNvSpPr>
-          <p:nvPr>
-            <p:ph type="body" sz="quarter" idx="14"/>
-          </p:nvPr>
-        </p:nvSpPr>
-        <p:spPr/>
-        <p:txBody>
-          <a:bodyPr/>
-          <a:lstStyle/>
-          <a:p>
-            <a:r>
-              <a:rPr lang="en-US" b="1" dirty="0">
-                <a:latin typeface="+mj-lt"/>
-              </a:rPr>
-              <a:t>Adding new slide</a:t>
-            </a:r>
-          </a:p>
-          <a:p>
-            <a:r>
-              <a:rPr lang="en-US" dirty="0"/>
-              <a:t>Click on </a:t>
-            </a:r>
-            <a:r>
-              <a:rPr lang="en-US" i="1" dirty="0"/>
-              <a:t>New Slide </a:t>
-            </a:r>
-            <a:r>
-              <a:rPr lang="en-US" dirty="0"/>
-              <a:t>and select the layout that best supports your content. </a:t>
-            </a:r>
-          </a:p>
-        </p:txBody>
-      </p:sp>
-      <p:pic>
-        <p:nvPicPr>
-          <p:cNvPr id="24" name="Picture Placeholder" descr="Graphical user interface&#10;&#10;Description automatically generated">
-            <a:extLst>
-              <a:ext uri="{FF2B5EF4-FFF2-40B4-BE49-F238E27FC236}">
-                <a16:creationId xmlns:a16="http://schemas.microsoft.com/office/drawing/2014/main" id="{3F002772-62F2-4CC6-9AA5-8DA5D80E3313}"/>
-              </a:ext>
-            </a:extLst>
-          </p:cNvPr>
-          <p:cNvPicPr>
-            <a:picLocks noGrp="1" noChangeAspect="1"/>
-          </p:cNvPicPr>
-          <p:nvPr>
-            <p:ph type="pic" sz="quarter" idx="18"/>
-          </p:nvPr>
-        </p:nvPicPr>
-        <p:blipFill>
-          <a:blip r:embed="rId3">
-            <a:extLst>
-              <a:ext uri="{28A0092B-C50C-407E-A947-70E740481C1C}">
-                <a14:useLocalDpi xmlns:a14="http://schemas.microsoft.com/office/drawing/2010/main" val="0"/>
-              </a:ext>
-            </a:extLst>
-          </a:blip>
-          <a:srcRect t="1746" b="1746"/>
-          <a:stretch>
-            <a:fillRect/>
-          </a:stretch>
-        </p:blipFill>
-        <p:spPr>
-          <a:xfrm>
-            <a:off x="381000" y="972386"/>
-            <a:ext cx="5562600" cy="3132000"/>
-          </a:xfrm>
-        </p:spPr>
-      </p:pic>
-      <p:sp>
-        <p:nvSpPr>
-          <p:cNvPr id="27" name="Rectangle">
-            <a:extLst>
-              <a:ext uri="{FF2B5EF4-FFF2-40B4-BE49-F238E27FC236}">
-                <a16:creationId xmlns:a16="http://schemas.microsoft.com/office/drawing/2014/main" id="{C5568080-F28B-433D-B1A3-6BA571845E35}"/>
-              </a:ext>
-            </a:extLst>
-          </p:cNvPr>
-          <p:cNvSpPr/>
-          <p:nvPr/>
-        </p:nvSpPr>
-        <p:spPr bwMode="ltGray">
-          <a:xfrm>
-            <a:off x="1909064" y="1320801"/>
-            <a:ext cx="707736" cy="715818"/>
-          </a:xfrm>
-          <a:prstGeom prst="rect">
-            <a:avLst/>
-          </a:prstGeom>
-          <a:noFill/>
-          <a:ln w="57150">
-            <a:solidFill>
-              <a:schemeClr val="accent5"/>
-            </a:solidFill>
-          </a:ln>
-        </p:spPr>
-        <p:style>
-          <a:lnRef idx="2">
-            <a:schemeClr val="accent1">
-              <a:shade val="50000"/>
-            </a:schemeClr>
-          </a:lnRef>
-          <a:fillRef idx="1">
-            <a:schemeClr val="accent1"/>
-          </a:fillRef>
-          <a:effectRef idx="0">
-            <a:schemeClr val="accent1"/>
-          </a:effectRef>
-          <a:fontRef idx="minor">
-            <a:schemeClr val="lt1"/>
-          </a:fontRef>
-        </p:style>
-        <p:txBody>
-          <a:bodyPr tIns="91440" bIns="91440" rtlCol="0" anchor="ctr"/>
-          <a:lstStyle/>
-          <a:p>
-            <a:pPr algn="ctr"/>
-            <a:endParaRPr lang="en-US" dirty="0" err="1">
-              <a:solidFill>
-                <a:schemeClr val="tx1"/>
-              </a:solidFill>
-            </a:endParaRPr>
-          </a:p>
-        </p:txBody>
-      </p:sp>
-      <p:sp>
-        <p:nvSpPr>
-          <p:cNvPr id="28" name="Rectangle">
-            <a:extLst>
-              <a:ext uri="{FF2B5EF4-FFF2-40B4-BE49-F238E27FC236}">
-                <a16:creationId xmlns:a16="http://schemas.microsoft.com/office/drawing/2014/main" id="{FA1DAAFE-2C74-4D8A-9404-96ED2825480C}"/>
-              </a:ext>
-            </a:extLst>
-          </p:cNvPr>
-          <p:cNvSpPr/>
-          <p:nvPr/>
-        </p:nvSpPr>
-        <p:spPr bwMode="ltGray">
-          <a:xfrm>
-            <a:off x="6659418" y="1320801"/>
-            <a:ext cx="811646" cy="344488"/>
-          </a:xfrm>
-          <a:prstGeom prst="rect">
-            <a:avLst/>
-          </a:prstGeom>
-          <a:noFill/>
-          <a:ln w="57150">
-            <a:solidFill>
-              <a:schemeClr val="accent5"/>
-            </a:solidFill>
-          </a:ln>
-        </p:spPr>
-        <p:style>
-          <a:lnRef idx="2">
-            <a:schemeClr val="accent1">
-              <a:shade val="50000"/>
-            </a:schemeClr>
-          </a:lnRef>
-          <a:fillRef idx="1">
-            <a:schemeClr val="accent1"/>
-          </a:fillRef>
-          <a:effectRef idx="0">
-            <a:schemeClr val="accent1"/>
-          </a:effectRef>
-          <a:fontRef idx="minor">
-            <a:schemeClr val="lt1"/>
-          </a:fontRef>
-        </p:style>
-        <p:txBody>
-          <a:bodyPr tIns="91440" bIns="91440" rtlCol="0" anchor="ctr"/>
-          <a:lstStyle/>
-          <a:p>
-            <a:pPr algn="ctr"/>
-            <a:endParaRPr lang="en-US" dirty="0" err="1">
-              <a:solidFill>
-                <a:schemeClr val="tx1"/>
-              </a:solidFill>
-            </a:endParaRPr>
-          </a:p>
-        </p:txBody>
-      </p:sp>
-      <p:cxnSp>
-        <p:nvCxnSpPr>
-          <p:cNvPr id="30" name="Straight Arrow Connector">
-            <a:extLst>
-              <a:ext uri="{FF2B5EF4-FFF2-40B4-BE49-F238E27FC236}">
-                <a16:creationId xmlns:a16="http://schemas.microsoft.com/office/drawing/2014/main" id="{07A78C53-D502-4A6B-9A89-EDA159B545E1}"/>
-              </a:ext>
-            </a:extLst>
-          </p:cNvPr>
-          <p:cNvCxnSpPr/>
-          <p:nvPr/>
-        </p:nvCxnSpPr>
-        <p:spPr>
-          <a:xfrm flipH="1" flipV="1">
-            <a:off x="2757393" y="2213621"/>
-            <a:ext cx="703838" cy="703838"/>
-          </a:xfrm>
-          <a:prstGeom prst="straightConnector1">
-            <a:avLst/>
-          </a:prstGeom>
-          <a:ln w="57150">
-            <a:solidFill>
-              <a:schemeClr val="accent5"/>
-            </a:solidFill>
-            <a:headEnd w="lg" len="med"/>
-            <a:tailEnd type="triangle" w="lg" len="med"/>
-          </a:ln>
-        </p:spPr>
-        <p:style>
-          <a:lnRef idx="1">
-            <a:schemeClr val="accent1"/>
-          </a:lnRef>
-          <a:fillRef idx="0">
-            <a:schemeClr val="accent1"/>
-          </a:fillRef>
-          <a:effectRef idx="0">
-            <a:schemeClr val="accent1"/>
-          </a:effectRef>
-          <a:fontRef idx="minor">
-            <a:schemeClr val="tx1"/>
-          </a:fontRef>
-        </p:style>
-      </p:cxnSp>
-      <p:cxnSp>
-        <p:nvCxnSpPr>
-          <p:cNvPr id="31" name="Straight Arrow Connector">
-            <a:extLst>
-              <a:ext uri="{FF2B5EF4-FFF2-40B4-BE49-F238E27FC236}">
-                <a16:creationId xmlns:a16="http://schemas.microsoft.com/office/drawing/2014/main" id="{6190A4D5-9E65-4F5E-9F5A-C0048EE01CE9}"/>
-              </a:ext>
-            </a:extLst>
-          </p:cNvPr>
-          <p:cNvCxnSpPr/>
-          <p:nvPr/>
-        </p:nvCxnSpPr>
-        <p:spPr>
-          <a:xfrm flipH="1" flipV="1">
-            <a:off x="7255081" y="1858038"/>
-            <a:ext cx="703838" cy="703838"/>
-          </a:xfrm>
-          <a:prstGeom prst="straightConnector1">
-            <a:avLst/>
-          </a:prstGeom>
-          <a:ln w="57150">
-            <a:solidFill>
-              <a:schemeClr val="accent5"/>
-            </a:solidFill>
-            <a:headEnd w="lg" len="med"/>
-            <a:tailEnd type="triangle" w="lg" len="med"/>
-          </a:ln>
-        </p:spPr>
-        <p:style>
-          <a:lnRef idx="1">
-            <a:schemeClr val="accent1"/>
-          </a:lnRef>
-          <a:fillRef idx="0">
-            <a:schemeClr val="accent1"/>
-          </a:fillRef>
-          <a:effectRef idx="0">
-            <a:schemeClr val="accent1"/>
-          </a:effectRef>
-          <a:fontRef idx="minor">
-            <a:schemeClr val="tx1"/>
-          </a:fontRef>
-        </p:style>
-      </p:cxnSp>
-      <p:sp>
-        <p:nvSpPr>
-          <p:cNvPr id="2" name="Slide Number Placeholder 1">
-            <a:extLst>
-              <a:ext uri="{FF2B5EF4-FFF2-40B4-BE49-F238E27FC236}">
-                <a16:creationId xmlns:a16="http://schemas.microsoft.com/office/drawing/2014/main" id="{CE2B0F51-4B02-47C7-9E77-644711B74AC3}"/>
-              </a:ext>
-            </a:extLst>
-          </p:cNvPr>
-          <p:cNvSpPr>
-            <a:spLocks noGrp="1"/>
-          </p:cNvSpPr>
-          <p:nvPr>
-            <p:ph type="sldNum" sz="quarter" idx="24"/>
-          </p:nvPr>
-        </p:nvSpPr>
-        <p:spPr/>
-        <p:txBody>
-          <a:bodyPr/>
-          <a:lstStyle/>
-          <a:p>
-            <a:pPr defTabSz="1088421"/>
-            <a:fld id="{104FC826-72BB-4AF1-BA01-A94F7396A7DC}" type="slidenum">
-              <a:rPr lang="en-US" smtClean="0"/>
-              <a:pPr defTabSz="1088421"/>
-              <a:t>13</a:t>
-            </a:fld>
-            <a:endParaRPr lang="en-US" dirty="0"/>
-          </a:p>
-        </p:txBody>
-      </p:sp>
-    </p:spTree>
-    <p:extLst>
-      <p:ext uri="{BB962C8B-B14F-4D97-AF65-F5344CB8AC3E}">
-        <p14:creationId xmlns:p14="http://schemas.microsoft.com/office/powerpoint/2010/main" val="2012147804"/>
-      </p:ext>
-    </p:extLst>
-  </p:cSld>
-  <p:clrMapOvr>
-    <a:masterClrMapping/>
-  </p:clrMapOvr>
-  <mc:AlternateContent xmlns:mc="http://schemas.openxmlformats.org/markup-compatibility/2006" xmlns:p14="http://schemas.microsoft.com/office/powerpoint/2010/main">
-    <mc:Choice Requires="p14">
-      <p:transition spd="med" p14:dur="700">
-        <p:fade/>
-      </p:transition>
-    </mc:Choice>
-    <mc:Fallback xmlns="">
-      <p:transition spd="med">
-        <p:fade/>
-      </p:transition>
-    </mc:Fallback>
-  </mc:AlternateContent>
-</p:sld>
-</file>
-
-<file path=ppt/slides/slide14.xml><?xml version="1.0" encoding="utf-8"?>
-<p:sld xmlns:a="http://schemas.openxmlformats.org/drawingml/2006/main" xmlns:r="http://schemas.openxmlformats.org/officeDocument/2006/relationships" xmlns:p="http://schemas.openxmlformats.org/presentationml/2006/main">
-  <p:cSld>
-    <p:spTree>
-      <p:nvGrpSpPr>
-        <p:cNvPr id="1" name=""/>
-        <p:cNvGrpSpPr/>
-        <p:nvPr/>
-      </p:nvGrpSpPr>
-      <p:grpSpPr>
-        <a:xfrm>
-          <a:off x="0" y="0"/>
-          <a:ext cx="0" cy="0"/>
-          <a:chOff x="0" y="0"/>
-          <a:chExt cx="0" cy="0"/>
-        </a:xfrm>
-      </p:grpSpPr>
-      <p:sp>
-        <p:nvSpPr>
-          <p:cNvPr id="5" name="Footer Placeholder">
-            <a:extLst>
-              <a:ext uri="{FF2B5EF4-FFF2-40B4-BE49-F238E27FC236}">
-                <a16:creationId xmlns:a16="http://schemas.microsoft.com/office/drawing/2014/main" id="{79ED428A-F6FD-49D1-8B22-20198578D0BB}"/>
-              </a:ext>
-            </a:extLst>
-          </p:cNvPr>
-          <p:cNvSpPr>
-            <a:spLocks noGrp="1"/>
-          </p:cNvSpPr>
-          <p:nvPr>
-            <p:ph type="ftr" sz="quarter" idx="10"/>
-          </p:nvPr>
-        </p:nvSpPr>
-        <p:spPr/>
-        <p:txBody>
-          <a:bodyPr/>
-          <a:lstStyle/>
-          <a:p>
-            <a:r>
-              <a:rPr lang="en-US" dirty="0"/>
-              <a:t>Confidential | Authorized </a:t>
-            </a:r>
-          </a:p>
-        </p:txBody>
-      </p:sp>
-      <p:sp>
-        <p:nvSpPr>
-          <p:cNvPr id="15" name="Text Placeholder">
-            <a:extLst>
-              <a:ext uri="{FF2B5EF4-FFF2-40B4-BE49-F238E27FC236}">
-                <a16:creationId xmlns:a16="http://schemas.microsoft.com/office/drawing/2014/main" id="{4CDE50BB-13D4-487A-B4E9-97DC6C90A0B9}"/>
-              </a:ext>
-            </a:extLst>
-          </p:cNvPr>
-          <p:cNvSpPr txBox="1">
-            <a:spLocks/>
-          </p:cNvSpPr>
-          <p:nvPr/>
-        </p:nvSpPr>
-        <p:spPr>
-          <a:xfrm>
-            <a:off x="278732" y="1187585"/>
-            <a:ext cx="7593060" cy="1231173"/>
-          </a:xfrm>
-          <a:prstGeom prst="rect">
-            <a:avLst/>
-          </a:prstGeom>
-        </p:spPr>
-        <p:txBody>
-          <a:bodyPr>
-            <a:normAutofit/>
-          </a:bodyPr>
-          <a:lstStyle>
-            <a:lvl1pPr marL="182880" indent="-182880" algn="l" defTabSz="914400" rtl="0" eaLnBrk="1" latinLnBrk="0" hangingPunct="1">
-              <a:lnSpc>
-                <a:spcPct val="90000"/>
-              </a:lnSpc>
-              <a:spcBef>
-                <a:spcPts val="400"/>
-              </a:spcBef>
-              <a:buClrTx/>
-              <a:buFont typeface="" panose="020B0303030202060203" pitchFamily="34" charset="0"/>
-              <a:buChar char="•"/>
-              <a:defRPr sz="2200" kern="1200">
-                <a:solidFill>
-                  <a:schemeClr val="tx1"/>
-                </a:solidFill>
-                <a:latin typeface="+mn-lt"/>
-                <a:ea typeface="+mn-ea"/>
-                <a:cs typeface="+mn-cs"/>
-              </a:defRPr>
-            </a:lvl1pPr>
-            <a:lvl2pPr marL="411480" indent="-182880" algn="l" defTabSz="914400" rtl="0" eaLnBrk="1" latinLnBrk="0" hangingPunct="1">
-              <a:lnSpc>
-                <a:spcPct val="90000"/>
-              </a:lnSpc>
-              <a:spcBef>
-                <a:spcPts val="400"/>
-              </a:spcBef>
-              <a:buClrTx/>
-              <a:buSzPct val="90000"/>
-              <a:buFont typeface="" panose="020B0303030202060203" pitchFamily="34" charset="0"/>
-              <a:buChar char="•"/>
-              <a:defRPr sz="2000" kern="1200">
-                <a:solidFill>
-                  <a:schemeClr val="tx1"/>
-                </a:solidFill>
-                <a:latin typeface="+mn-lt"/>
-                <a:ea typeface="+mn-ea"/>
-                <a:cs typeface="+mn-cs"/>
-              </a:defRPr>
-            </a:lvl2pPr>
-            <a:lvl3pPr marL="548640" indent="-137160" algn="l" defTabSz="914400" rtl="0" eaLnBrk="1" latinLnBrk="0" hangingPunct="1">
-              <a:lnSpc>
-                <a:spcPct val="90000"/>
-              </a:lnSpc>
-              <a:spcBef>
-                <a:spcPts val="400"/>
-              </a:spcBef>
-              <a:buClrTx/>
-              <a:buFont typeface="" panose="020B0303030202060203" pitchFamily="34" charset="0"/>
-              <a:buChar char="–"/>
-              <a:defRPr sz="1800" kern="1200">
-                <a:solidFill>
-                  <a:schemeClr val="tx1"/>
-                </a:solidFill>
-                <a:latin typeface="+mn-lt"/>
-                <a:ea typeface="+mn-ea"/>
-                <a:cs typeface="+mn-cs"/>
-              </a:defRPr>
-            </a:lvl3pPr>
-            <a:lvl4pPr marL="731520" indent="-137160" algn="l" defTabSz="914400" rtl="0" eaLnBrk="1" latinLnBrk="0" hangingPunct="1">
-              <a:lnSpc>
-                <a:spcPct val="90000"/>
-              </a:lnSpc>
-              <a:spcBef>
-                <a:spcPts val="400"/>
-              </a:spcBef>
-              <a:buClrTx/>
-              <a:buFont typeface="" panose="020B0303030202060203" pitchFamily="34" charset="0"/>
-              <a:buChar char="–"/>
-              <a:defRPr sz="1600" kern="1200">
-                <a:solidFill>
-                  <a:schemeClr val="tx1"/>
-                </a:solidFill>
-                <a:latin typeface="+mn-lt"/>
-                <a:ea typeface="+mn-ea"/>
-                <a:cs typeface="+mn-cs"/>
-              </a:defRPr>
-            </a:lvl4pPr>
-            <a:lvl5pPr marL="868680" indent="-137160" algn="l" defTabSz="914400" rtl="0" eaLnBrk="1" latinLnBrk="0" hangingPunct="1">
-              <a:lnSpc>
-                <a:spcPct val="90000"/>
-              </a:lnSpc>
-              <a:spcBef>
-                <a:spcPts val="400"/>
-              </a:spcBef>
-              <a:buClrTx/>
-              <a:buFont typeface="" panose="020B0303030202060203" pitchFamily="34" charset="0"/>
-              <a:buChar char="–"/>
-              <a:defRPr sz="1600" kern="1200">
-                <a:solidFill>
-                  <a:schemeClr val="tx1"/>
-                </a:solidFill>
-                <a:latin typeface="+mn-lt"/>
-                <a:ea typeface="+mn-ea"/>
-                <a:cs typeface="+mn-cs"/>
-              </a:defRPr>
-            </a:lvl5pPr>
-            <a:lvl6pPr marL="1051560" indent="-137160" algn="l" defTabSz="914400" rtl="0" eaLnBrk="1" latinLnBrk="0" hangingPunct="1">
-              <a:lnSpc>
-                <a:spcPct val="90000"/>
-              </a:lnSpc>
-              <a:spcBef>
-                <a:spcPts val="600"/>
-              </a:spcBef>
-              <a:buClrTx/>
-              <a:buFont typeface="" panose="020B0303030202060203" pitchFamily="34" charset="0"/>
-              <a:buChar char="–"/>
-              <a:defRPr sz="1200" kern="1200">
-                <a:solidFill>
-                  <a:schemeClr val="tx1"/>
-                </a:solidFill>
-                <a:latin typeface="+mn-lt"/>
-                <a:ea typeface="+mn-ea"/>
-                <a:cs typeface="+mn-cs"/>
-              </a:defRPr>
-            </a:lvl6pPr>
-            <a:lvl7pPr marL="1188720" indent="-137160" algn="l" defTabSz="914400" rtl="0" eaLnBrk="1" latinLnBrk="0" hangingPunct="1">
-              <a:lnSpc>
-                <a:spcPct val="90000"/>
-              </a:lnSpc>
-              <a:spcBef>
-                <a:spcPts val="600"/>
-              </a:spcBef>
-              <a:buClrTx/>
-              <a:buFont typeface="" panose="020B0303030202060203" pitchFamily="34" charset="0"/>
-              <a:buChar char="–"/>
-              <a:defRPr sz="1200" kern="1200">
-                <a:solidFill>
-                  <a:schemeClr val="tx1"/>
-                </a:solidFill>
-                <a:latin typeface="+mn-lt"/>
-                <a:ea typeface="+mn-ea"/>
-                <a:cs typeface="+mn-cs"/>
-              </a:defRPr>
-            </a:lvl7pPr>
-            <a:lvl8pPr marL="1371600" indent="-137160" algn="l" defTabSz="914400" rtl="0" eaLnBrk="1" latinLnBrk="0" hangingPunct="1">
-              <a:lnSpc>
-                <a:spcPct val="90000"/>
-              </a:lnSpc>
-              <a:spcBef>
-                <a:spcPts val="600"/>
-              </a:spcBef>
-              <a:buClrTx/>
-              <a:buFont typeface="" panose="020B0303030202060203" pitchFamily="34" charset="0"/>
-              <a:buChar char="–"/>
-              <a:defRPr sz="1200" kern="1200">
-                <a:solidFill>
-                  <a:schemeClr val="tx1"/>
-                </a:solidFill>
-                <a:latin typeface="+mn-lt"/>
-                <a:ea typeface="+mn-ea"/>
-                <a:cs typeface="+mn-cs"/>
-              </a:defRPr>
-            </a:lvl8pPr>
-            <a:lvl9pPr marL="1554480" indent="-137160" algn="l" defTabSz="914400" rtl="0" eaLnBrk="1" latinLnBrk="0" hangingPunct="1">
-              <a:lnSpc>
-                <a:spcPct val="90000"/>
-              </a:lnSpc>
-              <a:spcBef>
-                <a:spcPts val="600"/>
-              </a:spcBef>
-              <a:buClrTx/>
-              <a:buFont typeface="" panose="020B0303030202060203" pitchFamily="34" charset="0"/>
-              <a:buChar char="–"/>
-              <a:defRPr sz="1200" kern="1200">
-                <a:solidFill>
-                  <a:schemeClr val="tx1"/>
-                </a:solidFill>
-                <a:latin typeface="+mn-lt"/>
-                <a:ea typeface="+mn-ea"/>
-                <a:cs typeface="+mn-cs"/>
-              </a:defRPr>
-            </a:lvl9pPr>
-          </a:lstStyle>
-          <a:p>
-            <a:pPr marL="0" indent="0">
-              <a:buNone/>
-            </a:pPr>
-            <a:r>
-              <a:rPr lang="en-US" dirty="0"/>
-              <a:t>This is your one-stop shop to learn HPE brand. Visit this page if you have questions on naming, color, type, icons and many more.</a:t>
-            </a:r>
-          </a:p>
-        </p:txBody>
-      </p:sp>
-      <p:sp>
-        <p:nvSpPr>
-          <p:cNvPr id="2" name="Title">
-            <a:extLst>
-              <a:ext uri="{FF2B5EF4-FFF2-40B4-BE49-F238E27FC236}">
-                <a16:creationId xmlns:a16="http://schemas.microsoft.com/office/drawing/2014/main" id="{C32B1F1B-7A27-42DC-8E37-D08642D1C1AC}"/>
-              </a:ext>
-            </a:extLst>
-          </p:cNvPr>
-          <p:cNvSpPr>
-            <a:spLocks noGrp="1"/>
-          </p:cNvSpPr>
-          <p:nvPr>
-            <p:ph type="title"/>
-          </p:nvPr>
-        </p:nvSpPr>
-        <p:spPr/>
-        <p:txBody>
-          <a:bodyPr/>
-          <a:lstStyle/>
-          <a:p>
-            <a:r>
-              <a:rPr lang="en-US" dirty="0"/>
-              <a:t>Brand Central</a:t>
-            </a:r>
-          </a:p>
-        </p:txBody>
-      </p:sp>
-      <p:grpSp>
-        <p:nvGrpSpPr>
-          <p:cNvPr id="13" name="Boxes">
-            <a:extLst>
-              <a:ext uri="{FF2B5EF4-FFF2-40B4-BE49-F238E27FC236}">
-                <a16:creationId xmlns:a16="http://schemas.microsoft.com/office/drawing/2014/main" id="{F3866F44-F1FE-49DC-8F07-6E5B0E7B235E}"/>
-              </a:ext>
-            </a:extLst>
-          </p:cNvPr>
-          <p:cNvGrpSpPr/>
-          <p:nvPr/>
-        </p:nvGrpSpPr>
-        <p:grpSpPr>
-          <a:xfrm>
-            <a:off x="413658" y="3460075"/>
-            <a:ext cx="11364684" cy="2382422"/>
-            <a:chOff x="413658" y="3460075"/>
-            <a:chExt cx="11364684" cy="2382422"/>
-          </a:xfrm>
-        </p:grpSpPr>
-        <p:sp>
-          <p:nvSpPr>
-            <p:cNvPr id="8" name="Rectangle 6">
-              <a:extLst>
-                <a:ext uri="{FF2B5EF4-FFF2-40B4-BE49-F238E27FC236}">
-                  <a16:creationId xmlns:a16="http://schemas.microsoft.com/office/drawing/2014/main" id="{73B8C065-7B1D-40C7-BC9E-33646AD1034F}"/>
-                </a:ext>
-              </a:extLst>
-            </p:cNvPr>
-            <p:cNvSpPr/>
-            <p:nvPr/>
-          </p:nvSpPr>
-          <p:spPr bwMode="ltGray">
-            <a:xfrm>
-              <a:off x="8178342" y="4762497"/>
-              <a:ext cx="3600000" cy="1080000"/>
-            </a:xfrm>
-            <a:prstGeom prst="rect">
-              <a:avLst/>
-            </a:prstGeom>
-            <a:noFill/>
-            <a:ln w="57150">
-              <a:solidFill>
-                <a:schemeClr val="accent1"/>
-              </a:solidFill>
-            </a:ln>
-          </p:spPr>
-          <p:style>
-            <a:lnRef idx="2">
-              <a:schemeClr val="accent1">
-                <a:shade val="50000"/>
-              </a:schemeClr>
-            </a:lnRef>
-            <a:fillRef idx="1">
-              <a:schemeClr val="accent1"/>
-            </a:fillRef>
-            <a:effectRef idx="0">
-              <a:schemeClr val="accent1"/>
-            </a:effectRef>
-            <a:fontRef idx="minor">
-              <a:schemeClr val="lt1"/>
-            </a:fontRef>
-          </p:style>
-          <p:txBody>
-            <a:bodyPr tIns="91440" bIns="91440" rtlCol="0" anchor="ctr"/>
-            <a:lstStyle/>
-            <a:p>
-              <a:pPr algn="ctr"/>
-              <a:r>
-                <a:rPr lang="en-US" b="1" dirty="0">
-                  <a:solidFill>
-                    <a:schemeClr val="tx1"/>
-                  </a:solidFill>
-                  <a:latin typeface="+mj-lt"/>
-                </a:rPr>
-                <a:t>Access Iconography</a:t>
-              </a:r>
-            </a:p>
-          </p:txBody>
-        </p:sp>
-        <p:sp>
-          <p:nvSpPr>
-            <p:cNvPr id="9" name="Rectangle 5">
-              <a:extLst>
-                <a:ext uri="{FF2B5EF4-FFF2-40B4-BE49-F238E27FC236}">
-                  <a16:creationId xmlns:a16="http://schemas.microsoft.com/office/drawing/2014/main" id="{C2BD8167-82DD-4532-8282-9B2AD616885D}"/>
-                </a:ext>
-              </a:extLst>
-            </p:cNvPr>
-            <p:cNvSpPr/>
-            <p:nvPr/>
-          </p:nvSpPr>
-          <p:spPr bwMode="ltGray">
-            <a:xfrm>
-              <a:off x="4296000" y="4762497"/>
-              <a:ext cx="3600000" cy="1080000"/>
-            </a:xfrm>
-            <a:prstGeom prst="rect">
-              <a:avLst/>
-            </a:prstGeom>
-            <a:noFill/>
-            <a:ln w="57150">
-              <a:solidFill>
-                <a:schemeClr val="accent5"/>
-              </a:solidFill>
-            </a:ln>
-          </p:spPr>
-          <p:style>
-            <a:lnRef idx="2">
-              <a:schemeClr val="accent1">
-                <a:shade val="50000"/>
-              </a:schemeClr>
-            </a:lnRef>
-            <a:fillRef idx="1">
-              <a:schemeClr val="accent1"/>
-            </a:fillRef>
-            <a:effectRef idx="0">
-              <a:schemeClr val="accent1"/>
-            </a:effectRef>
-            <a:fontRef idx="minor">
-              <a:schemeClr val="lt1"/>
-            </a:fontRef>
-          </p:style>
-          <p:txBody>
-            <a:bodyPr tIns="91440" bIns="91440" rtlCol="0" anchor="ctr"/>
-            <a:lstStyle/>
-            <a:p>
-              <a:pPr algn="ctr"/>
-              <a:r>
-                <a:rPr lang="en-US" b="1" dirty="0">
-                  <a:solidFill>
-                    <a:schemeClr val="tx1"/>
-                  </a:solidFill>
-                  <a:latin typeface="+mj-lt"/>
-                </a:rPr>
-                <a:t>Access Illustrations</a:t>
-              </a:r>
-            </a:p>
-          </p:txBody>
-        </p:sp>
-        <p:sp>
-          <p:nvSpPr>
-            <p:cNvPr id="4" name="Rectangle 4">
-              <a:extLst>
-                <a:ext uri="{FF2B5EF4-FFF2-40B4-BE49-F238E27FC236}">
-                  <a16:creationId xmlns:a16="http://schemas.microsoft.com/office/drawing/2014/main" id="{0E2B8E9F-912A-457C-B104-A2C2816117D0}"/>
-                </a:ext>
-              </a:extLst>
-            </p:cNvPr>
-            <p:cNvSpPr/>
-            <p:nvPr/>
-          </p:nvSpPr>
-          <p:spPr bwMode="ltGray">
-            <a:xfrm>
-              <a:off x="413658" y="4762497"/>
-              <a:ext cx="3600000" cy="1080000"/>
-            </a:xfrm>
-            <a:prstGeom prst="rect">
-              <a:avLst/>
-            </a:prstGeom>
-            <a:noFill/>
-            <a:ln w="57150">
-              <a:solidFill>
-                <a:srgbClr val="32DAC8"/>
-              </a:solidFill>
-            </a:ln>
-          </p:spPr>
-          <p:style>
-            <a:lnRef idx="2">
-              <a:schemeClr val="accent1">
-                <a:shade val="50000"/>
-              </a:schemeClr>
-            </a:lnRef>
-            <a:fillRef idx="1">
-              <a:schemeClr val="accent1"/>
-            </a:fillRef>
-            <a:effectRef idx="0">
-              <a:schemeClr val="accent1"/>
-            </a:effectRef>
-            <a:fontRef idx="minor">
-              <a:schemeClr val="lt1"/>
-            </a:fontRef>
-          </p:style>
-          <p:txBody>
-            <a:bodyPr tIns="91440" bIns="91440" rtlCol="0" anchor="ctr"/>
-            <a:lstStyle/>
-            <a:p>
-              <a:pPr algn="ctr"/>
-              <a:r>
-                <a:rPr lang="en-US" b="1" dirty="0">
-                  <a:solidFill>
-                    <a:schemeClr val="tx1"/>
-                  </a:solidFill>
-                  <a:latin typeface="+mj-lt"/>
-                </a:rPr>
-                <a:t>Access Photography guidelines</a:t>
-              </a:r>
-            </a:p>
-          </p:txBody>
-        </p:sp>
-        <p:sp>
-          <p:nvSpPr>
-            <p:cNvPr id="12" name="Rectangle 3">
-              <a:extLst>
-                <a:ext uri="{FF2B5EF4-FFF2-40B4-BE49-F238E27FC236}">
-                  <a16:creationId xmlns:a16="http://schemas.microsoft.com/office/drawing/2014/main" id="{B25CAD00-DE50-4C2C-BC42-381995415882}"/>
-                </a:ext>
-              </a:extLst>
-            </p:cNvPr>
-            <p:cNvSpPr/>
-            <p:nvPr/>
-          </p:nvSpPr>
-          <p:spPr bwMode="ltGray">
-            <a:xfrm>
-              <a:off x="8178342" y="3460075"/>
-              <a:ext cx="3600000" cy="1080000"/>
-            </a:xfrm>
-            <a:prstGeom prst="rect">
-              <a:avLst/>
-            </a:prstGeom>
-            <a:noFill/>
-            <a:ln w="57150">
-              <a:solidFill>
-                <a:schemeClr val="accent6"/>
-              </a:solidFill>
-            </a:ln>
-          </p:spPr>
-          <p:style>
-            <a:lnRef idx="2">
-              <a:schemeClr val="accent1">
-                <a:shade val="50000"/>
-              </a:schemeClr>
-            </a:lnRef>
-            <a:fillRef idx="1">
-              <a:schemeClr val="accent1"/>
-            </a:fillRef>
-            <a:effectRef idx="0">
-              <a:schemeClr val="accent1"/>
-            </a:effectRef>
-            <a:fontRef idx="minor">
-              <a:schemeClr val="lt1"/>
-            </a:fontRef>
-          </p:style>
-          <p:txBody>
-            <a:bodyPr tIns="91440" bIns="91440" rtlCol="0" anchor="ctr"/>
-            <a:lstStyle/>
-            <a:p>
-              <a:pPr algn="ctr"/>
-              <a:r>
-                <a:rPr lang="en-US" b="1" dirty="0">
-                  <a:solidFill>
-                    <a:schemeClr val="tx1"/>
-                  </a:solidFill>
-                  <a:latin typeface="+mj-lt"/>
-                </a:rPr>
-                <a:t>Download Co-Marketing</a:t>
-              </a:r>
-            </a:p>
-            <a:p>
-              <a:pPr algn="ctr"/>
-              <a:r>
-                <a:rPr lang="en-US" b="1" dirty="0">
-                  <a:solidFill>
-                    <a:schemeClr val="tx1"/>
-                  </a:solidFill>
-                  <a:latin typeface="+mj-lt"/>
-                </a:rPr>
-                <a:t>PowerPoint template</a:t>
-              </a:r>
-            </a:p>
-          </p:txBody>
-        </p:sp>
-        <p:sp>
-          <p:nvSpPr>
-            <p:cNvPr id="11" name="Rectangle 2">
-              <a:extLst>
-                <a:ext uri="{FF2B5EF4-FFF2-40B4-BE49-F238E27FC236}">
-                  <a16:creationId xmlns:a16="http://schemas.microsoft.com/office/drawing/2014/main" id="{D0DEE033-FFF9-4C70-A797-C10F784DD312}"/>
-                </a:ext>
-              </a:extLst>
-            </p:cNvPr>
-            <p:cNvSpPr/>
-            <p:nvPr/>
-          </p:nvSpPr>
-          <p:spPr bwMode="ltGray">
-            <a:xfrm>
-              <a:off x="4296000" y="3460075"/>
-              <a:ext cx="3600000" cy="1080000"/>
-            </a:xfrm>
-            <a:prstGeom prst="rect">
-              <a:avLst/>
-            </a:prstGeom>
-            <a:noFill/>
-            <a:ln w="57150">
-              <a:solidFill>
-                <a:schemeClr val="accent4"/>
-              </a:solidFill>
-            </a:ln>
-          </p:spPr>
-          <p:style>
-            <a:lnRef idx="2">
-              <a:schemeClr val="accent1">
-                <a:shade val="50000"/>
-              </a:schemeClr>
-            </a:lnRef>
-            <a:fillRef idx="1">
-              <a:schemeClr val="accent1"/>
-            </a:fillRef>
-            <a:effectRef idx="0">
-              <a:schemeClr val="accent1"/>
-            </a:effectRef>
-            <a:fontRef idx="minor">
-              <a:schemeClr val="lt1"/>
-            </a:fontRef>
-          </p:style>
-          <p:txBody>
-            <a:bodyPr tIns="91440" bIns="91440" rtlCol="0" anchor="ctr"/>
-            <a:lstStyle/>
-            <a:p>
-              <a:pPr algn="ctr"/>
-              <a:r>
-                <a:rPr lang="en-US" b="1" dirty="0">
-                  <a:solidFill>
-                    <a:schemeClr val="tx1"/>
-                  </a:solidFill>
-                  <a:latin typeface="+mj-lt"/>
-                </a:rPr>
-                <a:t>Access PowerPoint</a:t>
-              </a:r>
-            </a:p>
-            <a:p>
-              <a:pPr algn="ctr"/>
-              <a:r>
-                <a:rPr lang="en-US" b="1" dirty="0">
-                  <a:solidFill>
-                    <a:schemeClr val="tx1"/>
-                  </a:solidFill>
-                  <a:latin typeface="+mj-lt"/>
-                </a:rPr>
-                <a:t>Quick Steps</a:t>
-              </a:r>
-            </a:p>
-          </p:txBody>
-        </p:sp>
-        <p:sp>
-          <p:nvSpPr>
-            <p:cNvPr id="10" name="Rectangle 1">
-              <a:extLst>
-                <a:ext uri="{FF2B5EF4-FFF2-40B4-BE49-F238E27FC236}">
-                  <a16:creationId xmlns:a16="http://schemas.microsoft.com/office/drawing/2014/main" id="{78465797-763C-4314-9452-554AC0081093}"/>
-                </a:ext>
-              </a:extLst>
-            </p:cNvPr>
-            <p:cNvSpPr/>
-            <p:nvPr/>
-          </p:nvSpPr>
-          <p:spPr bwMode="ltGray">
-            <a:xfrm>
-              <a:off x="413658" y="3460075"/>
-              <a:ext cx="3600000" cy="1080000"/>
-            </a:xfrm>
-            <a:prstGeom prst="rect">
-              <a:avLst/>
-            </a:prstGeom>
-            <a:noFill/>
-            <a:ln w="57150">
-              <a:solidFill>
-                <a:schemeClr val="accent3"/>
-              </a:solidFill>
-            </a:ln>
-          </p:spPr>
-          <p:style>
-            <a:lnRef idx="2">
-              <a:schemeClr val="accent1">
-                <a:shade val="50000"/>
-              </a:schemeClr>
-            </a:lnRef>
-            <a:fillRef idx="1">
-              <a:schemeClr val="accent1"/>
-            </a:fillRef>
-            <a:effectRef idx="0">
-              <a:schemeClr val="accent1"/>
-            </a:effectRef>
-            <a:fontRef idx="minor">
-              <a:schemeClr val="lt1"/>
-            </a:fontRef>
-          </p:style>
-          <p:txBody>
-            <a:bodyPr tIns="91440" bIns="91440" rtlCol="0" anchor="ctr"/>
-            <a:lstStyle/>
-            <a:p>
-              <a:pPr algn="ctr"/>
-              <a:r>
-                <a:rPr lang="en-US" b="1" dirty="0">
-                  <a:solidFill>
-                    <a:schemeClr val="tx1"/>
-                  </a:solidFill>
-                  <a:latin typeface="+mj-lt"/>
-                </a:rPr>
-                <a:t>Download Inspiration </a:t>
-              </a:r>
-              <a:br>
-                <a:rPr lang="en-US" b="1" dirty="0">
-                  <a:solidFill>
-                    <a:schemeClr val="tx1"/>
-                  </a:solidFill>
-                  <a:latin typeface="+mj-lt"/>
-                </a:rPr>
-              </a:br>
-              <a:r>
-                <a:rPr lang="en-US" b="1" dirty="0">
-                  <a:solidFill>
-                    <a:schemeClr val="tx1"/>
-                  </a:solidFill>
-                  <a:latin typeface="+mj-lt"/>
-                </a:rPr>
-                <a:t>Slide Gallery</a:t>
-              </a:r>
-            </a:p>
-          </p:txBody>
-        </p:sp>
-      </p:grpSp>
-      <p:grpSp>
-        <p:nvGrpSpPr>
-          <p:cNvPr id="21" name="Support Ticket">
-            <a:extLst>
-              <a:ext uri="{FF2B5EF4-FFF2-40B4-BE49-F238E27FC236}">
-                <a16:creationId xmlns:a16="http://schemas.microsoft.com/office/drawing/2014/main" id="{138F0586-151A-4DF1-BC5E-B84D86D8C61E}"/>
-              </a:ext>
-            </a:extLst>
-          </p:cNvPr>
-          <p:cNvGrpSpPr/>
-          <p:nvPr/>
-        </p:nvGrpSpPr>
-        <p:grpSpPr>
-          <a:xfrm>
-            <a:off x="4450267" y="2562963"/>
-            <a:ext cx="3009124" cy="486457"/>
-            <a:chOff x="4886876" y="2352025"/>
-            <a:chExt cx="3009124" cy="486457"/>
-          </a:xfrm>
-        </p:grpSpPr>
-        <p:sp>
-          <p:nvSpPr>
-            <p:cNvPr id="14" name="Label">
-              <a:extLst>
-                <a:ext uri="{FF2B5EF4-FFF2-40B4-BE49-F238E27FC236}">
-                  <a16:creationId xmlns:a16="http://schemas.microsoft.com/office/drawing/2014/main" id="{B6DCD26C-279D-440B-B10D-4E0F4C174594}"/>
-                </a:ext>
-              </a:extLst>
-            </p:cNvPr>
-            <p:cNvSpPr txBox="1">
-              <a:spLocks/>
-            </p:cNvSpPr>
-            <p:nvPr/>
-          </p:nvSpPr>
-          <p:spPr>
-            <a:xfrm>
-              <a:off x="5246876" y="2352025"/>
-              <a:ext cx="2649124" cy="486457"/>
-            </a:xfrm>
-            <a:prstGeom prst="rect">
-              <a:avLst/>
-            </a:prstGeom>
-            <a:noFill/>
-            <a:ln w="57150" cap="sq">
-              <a:noFill/>
-              <a:miter lim="800000"/>
-            </a:ln>
-          </p:spPr>
-          <p:txBody>
-            <a:bodyPr lIns="180000" tIns="90000" rIns="90000" bIns="90000" anchor="ctr" anchorCtr="0">
-              <a:noAutofit/>
-            </a:bodyPr>
-            <a:lstStyle>
-              <a:lvl1pPr marL="182880" indent="-182880" algn="l" defTabSz="914400" rtl="0" eaLnBrk="1" latinLnBrk="0" hangingPunct="1">
-                <a:lnSpc>
-                  <a:spcPct val="90000"/>
-                </a:lnSpc>
-                <a:spcBef>
-                  <a:spcPts val="400"/>
-                </a:spcBef>
-                <a:buClrTx/>
-                <a:buFont typeface="" panose="020B0303030202060203" pitchFamily="34" charset="0"/>
-                <a:buChar char="•"/>
-                <a:defRPr sz="2200" kern="1200">
-                  <a:solidFill>
-                    <a:schemeClr val="tx1"/>
-                  </a:solidFill>
-                  <a:latin typeface="+mn-lt"/>
-                  <a:ea typeface="+mn-ea"/>
-                  <a:cs typeface="+mn-cs"/>
-                </a:defRPr>
-              </a:lvl1pPr>
-              <a:lvl2pPr marL="411480" indent="-182880" algn="l" defTabSz="914400" rtl="0" eaLnBrk="1" latinLnBrk="0" hangingPunct="1">
-                <a:lnSpc>
-                  <a:spcPct val="90000"/>
-                </a:lnSpc>
-                <a:spcBef>
-                  <a:spcPts val="400"/>
-                </a:spcBef>
-                <a:buClrTx/>
-                <a:buSzPct val="90000"/>
-                <a:buFont typeface="" panose="020B0303030202060203" pitchFamily="34" charset="0"/>
-                <a:buChar char="•"/>
-                <a:defRPr sz="2000" kern="1200">
-                  <a:solidFill>
-                    <a:schemeClr val="tx1"/>
-                  </a:solidFill>
-                  <a:latin typeface="+mn-lt"/>
-                  <a:ea typeface="+mn-ea"/>
-                  <a:cs typeface="+mn-cs"/>
-                </a:defRPr>
-              </a:lvl2pPr>
-              <a:lvl3pPr marL="548640" indent="-137160" algn="l" defTabSz="914400" rtl="0" eaLnBrk="1" latinLnBrk="0" hangingPunct="1">
-                <a:lnSpc>
-                  <a:spcPct val="90000"/>
-                </a:lnSpc>
-                <a:spcBef>
-                  <a:spcPts val="400"/>
-                </a:spcBef>
-                <a:buClrTx/>
-                <a:buFont typeface="" panose="020B0303030202060203" pitchFamily="34" charset="0"/>
-                <a:buChar char="–"/>
-                <a:defRPr sz="1800" kern="1200">
-                  <a:solidFill>
-                    <a:schemeClr val="tx1"/>
-                  </a:solidFill>
-                  <a:latin typeface="+mn-lt"/>
-                  <a:ea typeface="+mn-ea"/>
-                  <a:cs typeface="+mn-cs"/>
-                </a:defRPr>
-              </a:lvl3pPr>
-              <a:lvl4pPr marL="731520" indent="-137160" algn="l" defTabSz="914400" rtl="0" eaLnBrk="1" latinLnBrk="0" hangingPunct="1">
-                <a:lnSpc>
-                  <a:spcPct val="90000"/>
-                </a:lnSpc>
-                <a:spcBef>
-                  <a:spcPts val="400"/>
-                </a:spcBef>
-                <a:buClrTx/>
-                <a:buFont typeface="" panose="020B0303030202060203" pitchFamily="34" charset="0"/>
-                <a:buChar char="–"/>
-                <a:defRPr sz="1600" kern="1200">
-                  <a:solidFill>
-                    <a:schemeClr val="tx1"/>
-                  </a:solidFill>
-                  <a:latin typeface="+mn-lt"/>
-                  <a:ea typeface="+mn-ea"/>
-                  <a:cs typeface="+mn-cs"/>
-                </a:defRPr>
-              </a:lvl4pPr>
-              <a:lvl5pPr marL="868680" indent="-137160" algn="l" defTabSz="914400" rtl="0" eaLnBrk="1" latinLnBrk="0" hangingPunct="1">
-                <a:lnSpc>
-                  <a:spcPct val="90000"/>
-                </a:lnSpc>
-                <a:spcBef>
-                  <a:spcPts val="400"/>
-                </a:spcBef>
-                <a:buClrTx/>
-                <a:buFont typeface="" panose="020B0303030202060203" pitchFamily="34" charset="0"/>
-                <a:buChar char="–"/>
-                <a:defRPr sz="1600" kern="1200">
-                  <a:solidFill>
-                    <a:schemeClr val="tx1"/>
-                  </a:solidFill>
-                  <a:latin typeface="+mn-lt"/>
-                  <a:ea typeface="+mn-ea"/>
-                  <a:cs typeface="+mn-cs"/>
-                </a:defRPr>
-              </a:lvl5pPr>
-              <a:lvl6pPr marL="1051560" indent="-137160" algn="l" defTabSz="914400" rtl="0" eaLnBrk="1" latinLnBrk="0" hangingPunct="1">
-                <a:lnSpc>
-                  <a:spcPct val="90000"/>
-                </a:lnSpc>
-                <a:spcBef>
-                  <a:spcPts val="600"/>
-                </a:spcBef>
-                <a:buClrTx/>
-                <a:buFont typeface="" panose="020B0303030202060203" pitchFamily="34" charset="0"/>
-                <a:buChar char="–"/>
-                <a:defRPr sz="1200" kern="1200">
-                  <a:solidFill>
-                    <a:schemeClr val="tx1"/>
-                  </a:solidFill>
-                  <a:latin typeface="+mn-lt"/>
-                  <a:ea typeface="+mn-ea"/>
-                  <a:cs typeface="+mn-cs"/>
-                </a:defRPr>
-              </a:lvl6pPr>
-              <a:lvl7pPr marL="1188720" indent="-137160" algn="l" defTabSz="914400" rtl="0" eaLnBrk="1" latinLnBrk="0" hangingPunct="1">
-                <a:lnSpc>
-                  <a:spcPct val="90000"/>
-                </a:lnSpc>
-                <a:spcBef>
-                  <a:spcPts val="600"/>
-                </a:spcBef>
-                <a:buClrTx/>
-                <a:buFont typeface="" panose="020B0303030202060203" pitchFamily="34" charset="0"/>
-                <a:buChar char="–"/>
-                <a:defRPr sz="1200" kern="1200">
-                  <a:solidFill>
-                    <a:schemeClr val="tx1"/>
-                  </a:solidFill>
-                  <a:latin typeface="+mn-lt"/>
-                  <a:ea typeface="+mn-ea"/>
-                  <a:cs typeface="+mn-cs"/>
-                </a:defRPr>
-              </a:lvl7pPr>
-              <a:lvl8pPr marL="1371600" indent="-137160" algn="l" defTabSz="914400" rtl="0" eaLnBrk="1" latinLnBrk="0" hangingPunct="1">
-                <a:lnSpc>
-                  <a:spcPct val="90000"/>
-                </a:lnSpc>
-                <a:spcBef>
-                  <a:spcPts val="600"/>
-                </a:spcBef>
-                <a:buClrTx/>
-                <a:buFont typeface="" panose="020B0303030202060203" pitchFamily="34" charset="0"/>
-                <a:buChar char="–"/>
-                <a:defRPr sz="1200" kern="1200">
-                  <a:solidFill>
-                    <a:schemeClr val="tx1"/>
-                  </a:solidFill>
-                  <a:latin typeface="+mn-lt"/>
-                  <a:ea typeface="+mn-ea"/>
-                  <a:cs typeface="+mn-cs"/>
-                </a:defRPr>
-              </a:lvl8pPr>
-              <a:lvl9pPr marL="1554480" indent="-137160" algn="l" defTabSz="914400" rtl="0" eaLnBrk="1" latinLnBrk="0" hangingPunct="1">
-                <a:lnSpc>
-                  <a:spcPct val="90000"/>
-                </a:lnSpc>
-                <a:spcBef>
-                  <a:spcPts val="600"/>
-                </a:spcBef>
-                <a:buClrTx/>
-                <a:buFont typeface="" panose="020B0303030202060203" pitchFamily="34" charset="0"/>
-                <a:buChar char="–"/>
-                <a:defRPr sz="1200" kern="1200">
-                  <a:solidFill>
-                    <a:schemeClr val="tx1"/>
-                  </a:solidFill>
-                  <a:latin typeface="+mn-lt"/>
-                  <a:ea typeface="+mn-ea"/>
-                  <a:cs typeface="+mn-cs"/>
-                </a:defRPr>
-              </a:lvl9pPr>
-            </a:lstStyle>
-            <a:p>
-              <a:pPr marL="0" indent="0">
-                <a:buNone/>
-              </a:pPr>
-              <a:r>
-                <a:rPr lang="en-US" sz="1800" b="1" dirty="0">
-                  <a:latin typeface="+mj-lt"/>
-                </a:rPr>
-                <a:t>Open Support Ticket</a:t>
-              </a:r>
-              <a:endParaRPr lang="en-US" sz="1800" dirty="0">
-                <a:latin typeface="+mj-lt"/>
-              </a:endParaRPr>
-            </a:p>
-          </p:txBody>
-        </p:sp>
-        <p:sp>
-          <p:nvSpPr>
-            <p:cNvPr id="20" name="Icon">
-              <a:extLst>
-                <a:ext uri="{FF2B5EF4-FFF2-40B4-BE49-F238E27FC236}">
-                  <a16:creationId xmlns:a16="http://schemas.microsoft.com/office/drawing/2014/main" id="{01AB9C28-FB25-4CE7-AA7D-1CDE1AD5C707}"/>
-                </a:ext>
-              </a:extLst>
-            </p:cNvPr>
-            <p:cNvSpPr/>
-            <p:nvPr/>
-          </p:nvSpPr>
-          <p:spPr>
-            <a:xfrm>
-              <a:off x="4886876" y="2415253"/>
-              <a:ext cx="360000" cy="360000"/>
-            </a:xfrm>
-            <a:custGeom>
-              <a:avLst/>
-              <a:gdLst>
-                <a:gd name="connsiteX0" fmla="*/ 376238 w 752475"/>
-                <a:gd name="connsiteY0" fmla="*/ 752475 h 752475"/>
-                <a:gd name="connsiteX1" fmla="*/ 0 w 752475"/>
-                <a:gd name="connsiteY1" fmla="*/ 376238 h 752475"/>
-                <a:gd name="connsiteX2" fmla="*/ 376238 w 752475"/>
-                <a:gd name="connsiteY2" fmla="*/ 0 h 752475"/>
-                <a:gd name="connsiteX3" fmla="*/ 752475 w 752475"/>
-                <a:gd name="connsiteY3" fmla="*/ 376238 h 752475"/>
-                <a:gd name="connsiteX4" fmla="*/ 376238 w 752475"/>
-                <a:gd name="connsiteY4" fmla="*/ 752475 h 752475"/>
-                <a:gd name="connsiteX5" fmla="*/ 376238 w 752475"/>
-                <a:gd name="connsiteY5" fmla="*/ 68407 h 752475"/>
-                <a:gd name="connsiteX6" fmla="*/ 68407 w 752475"/>
-                <a:gd name="connsiteY6" fmla="*/ 376238 h 752475"/>
-                <a:gd name="connsiteX7" fmla="*/ 376238 w 752475"/>
-                <a:gd name="connsiteY7" fmla="*/ 684068 h 752475"/>
-                <a:gd name="connsiteX8" fmla="*/ 684068 w 752475"/>
-                <a:gd name="connsiteY8" fmla="*/ 376238 h 752475"/>
-                <a:gd name="connsiteX9" fmla="*/ 376238 w 752475"/>
-                <a:gd name="connsiteY9" fmla="*/ 68407 h 752475"/>
-                <a:gd name="connsiteX10" fmla="*/ 410441 w 752475"/>
-                <a:gd name="connsiteY10" fmla="*/ 581458 h 752475"/>
-                <a:gd name="connsiteX11" fmla="*/ 342034 w 752475"/>
-                <a:gd name="connsiteY11" fmla="*/ 581458 h 752475"/>
-                <a:gd name="connsiteX12" fmla="*/ 342034 w 752475"/>
-                <a:gd name="connsiteY12" fmla="*/ 307831 h 752475"/>
-                <a:gd name="connsiteX13" fmla="*/ 410441 w 752475"/>
-                <a:gd name="connsiteY13" fmla="*/ 307831 h 752475"/>
-                <a:gd name="connsiteX14" fmla="*/ 410441 w 752475"/>
-                <a:gd name="connsiteY14" fmla="*/ 581458 h 752475"/>
-                <a:gd name="connsiteX15" fmla="*/ 410441 w 752475"/>
-                <a:gd name="connsiteY15" fmla="*/ 239424 h 752475"/>
-                <a:gd name="connsiteX16" fmla="*/ 342034 w 752475"/>
-                <a:gd name="connsiteY16" fmla="*/ 239424 h 752475"/>
-                <a:gd name="connsiteX17" fmla="*/ 342034 w 752475"/>
-                <a:gd name="connsiteY17" fmla="*/ 171017 h 752475"/>
-                <a:gd name="connsiteX18" fmla="*/ 410441 w 752475"/>
-                <a:gd name="connsiteY18" fmla="*/ 171017 h 752475"/>
-                <a:gd name="connsiteX19" fmla="*/ 410441 w 752475"/>
-                <a:gd name="connsiteY19" fmla="*/ 239424 h 752475"/>
-              </a:gdLst>
-              <a:ahLst/>
-              <a:cxnLst>
-                <a:cxn ang="0">
-                  <a:pos x="connsiteX0" y="connsiteY0"/>
-                </a:cxn>
-                <a:cxn ang="0">
-                  <a:pos x="connsiteX1" y="connsiteY1"/>
-                </a:cxn>
-                <a:cxn ang="0">
-                  <a:pos x="connsiteX2" y="connsiteY2"/>
-                </a:cxn>
-                <a:cxn ang="0">
-                  <a:pos x="connsiteX3" y="connsiteY3"/>
-                </a:cxn>
-                <a:cxn ang="0">
-                  <a:pos x="connsiteX4" y="connsiteY4"/>
-                </a:cxn>
-                <a:cxn ang="0">
-                  <a:pos x="connsiteX5" y="connsiteY5"/>
-                </a:cxn>
-                <a:cxn ang="0">
-                  <a:pos x="connsiteX6" y="connsiteY6"/>
-                </a:cxn>
-                <a:cxn ang="0">
-                  <a:pos x="connsiteX7" y="connsiteY7"/>
-                </a:cxn>
-                <a:cxn ang="0">
-                  <a:pos x="connsiteX8" y="connsiteY8"/>
-                </a:cxn>
-                <a:cxn ang="0">
-                  <a:pos x="connsiteX9" y="connsiteY9"/>
-                </a:cxn>
-                <a:cxn ang="0">
-                  <a:pos x="connsiteX10" y="connsiteY10"/>
-                </a:cxn>
-                <a:cxn ang="0">
-                  <a:pos x="connsiteX11" y="connsiteY11"/>
-                </a:cxn>
-                <a:cxn ang="0">
-                  <a:pos x="connsiteX12" y="connsiteY12"/>
-                </a:cxn>
-                <a:cxn ang="0">
-                  <a:pos x="connsiteX13" y="connsiteY13"/>
-                </a:cxn>
-                <a:cxn ang="0">
-                  <a:pos x="connsiteX14" y="connsiteY14"/>
-                </a:cxn>
-                <a:cxn ang="0">
-                  <a:pos x="connsiteX15" y="connsiteY15"/>
-                </a:cxn>
-                <a:cxn ang="0">
-                  <a:pos x="connsiteX16" y="connsiteY16"/>
-                </a:cxn>
-                <a:cxn ang="0">
-                  <a:pos x="connsiteX17" y="connsiteY17"/>
-                </a:cxn>
-                <a:cxn ang="0">
-                  <a:pos x="connsiteX18" y="connsiteY18"/>
-                </a:cxn>
-                <a:cxn ang="0">
-                  <a:pos x="connsiteX19" y="connsiteY19"/>
-                </a:cxn>
-              </a:cxnLst>
-              <a:rect l="l" t="t" r="r" b="b"/>
-              <a:pathLst>
-                <a:path w="752475" h="752475">
-                  <a:moveTo>
-                    <a:pt x="376238" y="752475"/>
-                  </a:moveTo>
-                  <a:cubicBezTo>
-                    <a:pt x="167597" y="752475"/>
-                    <a:pt x="0" y="584878"/>
-                    <a:pt x="0" y="376238"/>
-                  </a:cubicBezTo>
-                  <a:cubicBezTo>
-                    <a:pt x="0" y="167597"/>
-                    <a:pt x="167597" y="0"/>
-                    <a:pt x="376238" y="0"/>
-                  </a:cubicBezTo>
-                  <a:cubicBezTo>
-                    <a:pt x="584878" y="0"/>
-                    <a:pt x="752475" y="167597"/>
-                    <a:pt x="752475" y="376238"/>
-                  </a:cubicBezTo>
-                  <a:cubicBezTo>
-                    <a:pt x="752475" y="584878"/>
-                    <a:pt x="584878" y="752475"/>
-                    <a:pt x="376238" y="752475"/>
-                  </a:cubicBezTo>
-                  <a:close/>
-                  <a:moveTo>
-                    <a:pt x="376238" y="68407"/>
-                  </a:moveTo>
-                  <a:cubicBezTo>
-                    <a:pt x="205220" y="68407"/>
-                    <a:pt x="68407" y="205220"/>
-                    <a:pt x="68407" y="376238"/>
-                  </a:cubicBezTo>
-                  <a:cubicBezTo>
-                    <a:pt x="68407" y="547255"/>
-                    <a:pt x="205220" y="684068"/>
-                    <a:pt x="376238" y="684068"/>
-                  </a:cubicBezTo>
-                  <a:cubicBezTo>
-                    <a:pt x="547255" y="684068"/>
-                    <a:pt x="684068" y="547255"/>
-                    <a:pt x="684068" y="376238"/>
-                  </a:cubicBezTo>
-                  <a:cubicBezTo>
-                    <a:pt x="684068" y="205220"/>
-                    <a:pt x="547255" y="68407"/>
-                    <a:pt x="376238" y="68407"/>
-                  </a:cubicBezTo>
-                  <a:close/>
-                  <a:moveTo>
-                    <a:pt x="410441" y="581458"/>
-                  </a:moveTo>
-                  <a:lnTo>
-                    <a:pt x="342034" y="581458"/>
-                  </a:lnTo>
-                  <a:lnTo>
-                    <a:pt x="342034" y="307831"/>
-                  </a:lnTo>
-                  <a:lnTo>
-                    <a:pt x="410441" y="307831"/>
-                  </a:lnTo>
-                  <a:lnTo>
-                    <a:pt x="410441" y="581458"/>
-                  </a:lnTo>
-                  <a:close/>
-                  <a:moveTo>
-                    <a:pt x="410441" y="239424"/>
-                  </a:moveTo>
-                  <a:lnTo>
-                    <a:pt x="342034" y="239424"/>
-                  </a:lnTo>
-                  <a:lnTo>
-                    <a:pt x="342034" y="171017"/>
-                  </a:lnTo>
-                  <a:lnTo>
-                    <a:pt x="410441" y="171017"/>
-                  </a:lnTo>
-                  <a:lnTo>
-                    <a:pt x="410441" y="239424"/>
-                  </a:lnTo>
-                  <a:close/>
-                </a:path>
-              </a:pathLst>
-            </a:custGeom>
-            <a:solidFill>
-              <a:schemeClr val="tx1"/>
-            </a:solidFill>
-            <a:ln w="34203" cap="flat">
-              <a:noFill/>
-              <a:prstDash val="solid"/>
-              <a:miter/>
-            </a:ln>
-          </p:spPr>
-          <p:txBody>
-            <a:bodyPr rtlCol="0" anchor="ctr"/>
-            <a:lstStyle/>
-            <a:p>
-              <a:endParaRPr lang="en-US" dirty="0"/>
-            </a:p>
-          </p:txBody>
-        </p:sp>
-      </p:grpSp>
-      <p:sp>
-        <p:nvSpPr>
-          <p:cNvPr id="16" name="BC">
-            <a:extLst>
-              <a:ext uri="{FF2B5EF4-FFF2-40B4-BE49-F238E27FC236}">
-                <a16:creationId xmlns:a16="http://schemas.microsoft.com/office/drawing/2014/main" id="{D8EC9618-0C6B-4EA4-80B9-BDC6F63C8483}"/>
-              </a:ext>
-            </a:extLst>
-          </p:cNvPr>
-          <p:cNvSpPr/>
-          <p:nvPr/>
-        </p:nvSpPr>
-        <p:spPr bwMode="ltGray">
-          <a:xfrm>
-            <a:off x="413658" y="2509420"/>
-            <a:ext cx="3600000" cy="540000"/>
-          </a:xfrm>
-          <a:prstGeom prst="rect">
-            <a:avLst/>
-          </a:prstGeom>
-          <a:solidFill>
-            <a:srgbClr val="01A982"/>
-          </a:solidFill>
-          <a:ln w="57150">
-            <a:solidFill>
-              <a:srgbClr val="01A982"/>
-            </a:solidFill>
-          </a:ln>
-        </p:spPr>
-        <p:style>
-          <a:lnRef idx="2">
-            <a:schemeClr val="accent1">
-              <a:shade val="50000"/>
-            </a:schemeClr>
-          </a:lnRef>
-          <a:fillRef idx="1">
-            <a:schemeClr val="accent1"/>
-          </a:fillRef>
-          <a:effectRef idx="0">
-            <a:schemeClr val="accent1"/>
-          </a:effectRef>
-          <a:fontRef idx="minor">
-            <a:schemeClr val="lt1"/>
-          </a:fontRef>
-        </p:style>
-        <p:txBody>
-          <a:bodyPr tIns="91440" bIns="91440" rtlCol="0" anchor="ctr"/>
-          <a:lstStyle/>
-          <a:p>
-            <a:pPr algn="ctr"/>
-            <a:r>
-              <a:rPr lang="en-US" b="1" dirty="0">
-                <a:solidFill>
-                  <a:schemeClr val="bg1"/>
-                </a:solidFill>
-                <a:latin typeface="+mj-lt"/>
-              </a:rPr>
-              <a:t>Access Brand Central</a:t>
-            </a:r>
-          </a:p>
-        </p:txBody>
-      </p:sp>
-      <p:sp>
-        <p:nvSpPr>
-          <p:cNvPr id="31" name="Brand Central">
-            <a:hlinkClick r:id="rId2"/>
-            <a:extLst>
-              <a:ext uri="{FF2B5EF4-FFF2-40B4-BE49-F238E27FC236}">
-                <a16:creationId xmlns:a16="http://schemas.microsoft.com/office/drawing/2014/main" id="{6966511F-4061-4961-BDC2-ECA39F6B04CD}"/>
-              </a:ext>
-            </a:extLst>
-          </p:cNvPr>
-          <p:cNvSpPr/>
-          <p:nvPr/>
-        </p:nvSpPr>
-        <p:spPr bwMode="ltGray">
-          <a:xfrm>
-            <a:off x="413658" y="2509420"/>
-            <a:ext cx="3600000" cy="592758"/>
-          </a:xfrm>
-          <a:prstGeom prst="rect">
-            <a:avLst/>
-          </a:prstGeom>
-          <a:noFill/>
-          <a:ln w="57150">
-            <a:noFill/>
-          </a:ln>
-        </p:spPr>
-        <p:style>
-          <a:lnRef idx="2">
-            <a:schemeClr val="accent1">
-              <a:shade val="50000"/>
-            </a:schemeClr>
-          </a:lnRef>
-          <a:fillRef idx="1">
-            <a:schemeClr val="accent1"/>
-          </a:fillRef>
-          <a:effectRef idx="0">
-            <a:schemeClr val="accent1"/>
-          </a:effectRef>
-          <a:fontRef idx="minor">
-            <a:schemeClr val="lt1"/>
-          </a:fontRef>
-        </p:style>
-        <p:txBody>
-          <a:bodyPr tIns="91440" bIns="91440" rtlCol="0" anchor="ctr"/>
-          <a:lstStyle/>
-          <a:p>
-            <a:pPr algn="ctr"/>
-            <a:endParaRPr lang="en-US" dirty="0" err="1">
-              <a:solidFill>
-                <a:schemeClr val="tx1"/>
-              </a:solidFill>
-            </a:endParaRPr>
-          </a:p>
-        </p:txBody>
-      </p:sp>
-      <p:sp>
-        <p:nvSpPr>
-          <p:cNvPr id="32" name="CRT">
-            <a:hlinkClick r:id="rId3"/>
-            <a:extLst>
-              <a:ext uri="{FF2B5EF4-FFF2-40B4-BE49-F238E27FC236}">
-                <a16:creationId xmlns:a16="http://schemas.microsoft.com/office/drawing/2014/main" id="{6775FCDF-5F0E-4ABB-952C-7BEACE10310C}"/>
-              </a:ext>
-            </a:extLst>
-          </p:cNvPr>
-          <p:cNvSpPr/>
-          <p:nvPr/>
-        </p:nvSpPr>
-        <p:spPr bwMode="ltGray">
-          <a:xfrm>
-            <a:off x="4296000" y="2509420"/>
-            <a:ext cx="3600000" cy="592758"/>
-          </a:xfrm>
-          <a:prstGeom prst="rect">
-            <a:avLst/>
-          </a:prstGeom>
-          <a:noFill/>
-          <a:ln w="57150">
-            <a:noFill/>
-          </a:ln>
-        </p:spPr>
-        <p:style>
-          <a:lnRef idx="2">
-            <a:schemeClr val="accent1">
-              <a:shade val="50000"/>
-            </a:schemeClr>
-          </a:lnRef>
-          <a:fillRef idx="1">
-            <a:schemeClr val="accent1"/>
-          </a:fillRef>
-          <a:effectRef idx="0">
-            <a:schemeClr val="accent1"/>
-          </a:effectRef>
-          <a:fontRef idx="minor">
-            <a:schemeClr val="lt1"/>
-          </a:fontRef>
-        </p:style>
-        <p:txBody>
-          <a:bodyPr tIns="91440" bIns="91440" rtlCol="0" anchor="ctr"/>
-          <a:lstStyle/>
-          <a:p>
-            <a:pPr algn="ctr"/>
-            <a:endParaRPr lang="en-US" dirty="0" err="1">
-              <a:solidFill>
-                <a:schemeClr val="tx1"/>
-              </a:solidFill>
-            </a:endParaRPr>
-          </a:p>
-        </p:txBody>
-      </p:sp>
-      <p:grpSp>
-        <p:nvGrpSpPr>
-          <p:cNvPr id="27" name="Group 26">
-            <a:extLst>
-              <a:ext uri="{FF2B5EF4-FFF2-40B4-BE49-F238E27FC236}">
-                <a16:creationId xmlns:a16="http://schemas.microsoft.com/office/drawing/2014/main" id="{A6CC90E7-1B33-4A55-8329-7A653DA376B3}"/>
-              </a:ext>
-            </a:extLst>
-          </p:cNvPr>
-          <p:cNvGrpSpPr/>
-          <p:nvPr/>
-        </p:nvGrpSpPr>
-        <p:grpSpPr>
-          <a:xfrm>
-            <a:off x="413658" y="3451523"/>
-            <a:ext cx="11364684" cy="2390974"/>
-            <a:chOff x="413658" y="3451523"/>
-            <a:chExt cx="11364684" cy="2390974"/>
-          </a:xfrm>
-        </p:grpSpPr>
-        <p:sp>
-          <p:nvSpPr>
-            <p:cNvPr id="28" name="Iconography">
-              <a:hlinkClick r:id="rId4"/>
-              <a:extLst>
-                <a:ext uri="{FF2B5EF4-FFF2-40B4-BE49-F238E27FC236}">
-                  <a16:creationId xmlns:a16="http://schemas.microsoft.com/office/drawing/2014/main" id="{2A37C35F-A2B7-466C-9702-4C1D2296FDF0}"/>
-                </a:ext>
-              </a:extLst>
-            </p:cNvPr>
-            <p:cNvSpPr/>
-            <p:nvPr/>
-          </p:nvSpPr>
-          <p:spPr bwMode="ltGray">
-            <a:xfrm>
-              <a:off x="8178342" y="4762497"/>
-              <a:ext cx="3600000" cy="1080000"/>
-            </a:xfrm>
-            <a:prstGeom prst="rect">
-              <a:avLst/>
-            </a:prstGeom>
-            <a:noFill/>
-            <a:ln w="57150">
-              <a:noFill/>
-            </a:ln>
-          </p:spPr>
-          <p:style>
-            <a:lnRef idx="2">
-              <a:schemeClr val="accent1">
-                <a:shade val="50000"/>
-              </a:schemeClr>
-            </a:lnRef>
-            <a:fillRef idx="1">
-              <a:schemeClr val="accent1"/>
-            </a:fillRef>
-            <a:effectRef idx="0">
-              <a:schemeClr val="accent1"/>
-            </a:effectRef>
-            <a:fontRef idx="minor">
-              <a:schemeClr val="lt1"/>
-            </a:fontRef>
-          </p:style>
-          <p:txBody>
-            <a:bodyPr tIns="91440" bIns="91440" rtlCol="0" anchor="ctr"/>
-            <a:lstStyle/>
-            <a:p>
-              <a:pPr algn="ctr"/>
-              <a:endParaRPr lang="en-US" dirty="0" err="1">
-                <a:solidFill>
-                  <a:schemeClr val="tx1"/>
-                </a:solidFill>
-              </a:endParaRPr>
-            </a:p>
-          </p:txBody>
-        </p:sp>
-        <p:sp>
-          <p:nvSpPr>
-            <p:cNvPr id="29" name="Illustrations">
-              <a:hlinkClick r:id="rId5"/>
-              <a:extLst>
-                <a:ext uri="{FF2B5EF4-FFF2-40B4-BE49-F238E27FC236}">
-                  <a16:creationId xmlns:a16="http://schemas.microsoft.com/office/drawing/2014/main" id="{FF180304-4531-4301-9102-318295108E71}"/>
-                </a:ext>
-              </a:extLst>
-            </p:cNvPr>
-            <p:cNvSpPr/>
-            <p:nvPr/>
-          </p:nvSpPr>
-          <p:spPr bwMode="ltGray">
-            <a:xfrm>
-              <a:off x="4296000" y="4762497"/>
-              <a:ext cx="3600000" cy="1080000"/>
-            </a:xfrm>
-            <a:prstGeom prst="rect">
-              <a:avLst/>
-            </a:prstGeom>
-            <a:noFill/>
-            <a:ln w="57150">
-              <a:noFill/>
-            </a:ln>
-          </p:spPr>
-          <p:style>
-            <a:lnRef idx="2">
-              <a:schemeClr val="accent1">
-                <a:shade val="50000"/>
-              </a:schemeClr>
-            </a:lnRef>
-            <a:fillRef idx="1">
-              <a:schemeClr val="accent1"/>
-            </a:fillRef>
-            <a:effectRef idx="0">
-              <a:schemeClr val="accent1"/>
-            </a:effectRef>
-            <a:fontRef idx="minor">
-              <a:schemeClr val="lt1"/>
-            </a:fontRef>
-          </p:style>
-          <p:txBody>
-            <a:bodyPr tIns="91440" bIns="91440" rtlCol="0" anchor="ctr"/>
-            <a:lstStyle/>
-            <a:p>
-              <a:pPr algn="ctr"/>
-              <a:endParaRPr lang="en-US" dirty="0" err="1">
-                <a:solidFill>
-                  <a:schemeClr val="tx1"/>
-                </a:solidFill>
-              </a:endParaRPr>
-            </a:p>
-          </p:txBody>
-        </p:sp>
-        <p:sp>
-          <p:nvSpPr>
-            <p:cNvPr id="30" name="Photography">
-              <a:hlinkClick r:id="rId6"/>
-              <a:extLst>
-                <a:ext uri="{FF2B5EF4-FFF2-40B4-BE49-F238E27FC236}">
-                  <a16:creationId xmlns:a16="http://schemas.microsoft.com/office/drawing/2014/main" id="{0DC0449E-DB03-42E9-A471-218603E29638}"/>
-                </a:ext>
-              </a:extLst>
-            </p:cNvPr>
-            <p:cNvSpPr/>
-            <p:nvPr/>
-          </p:nvSpPr>
-          <p:spPr bwMode="ltGray">
-            <a:xfrm>
-              <a:off x="413658" y="4762497"/>
-              <a:ext cx="3600000" cy="1080000"/>
-            </a:xfrm>
-            <a:prstGeom prst="rect">
-              <a:avLst/>
-            </a:prstGeom>
-            <a:noFill/>
-            <a:ln w="57150">
-              <a:noFill/>
-            </a:ln>
-          </p:spPr>
-          <p:style>
-            <a:lnRef idx="2">
-              <a:schemeClr val="accent1">
-                <a:shade val="50000"/>
-              </a:schemeClr>
-            </a:lnRef>
-            <a:fillRef idx="1">
-              <a:schemeClr val="accent1"/>
-            </a:fillRef>
-            <a:effectRef idx="0">
-              <a:schemeClr val="accent1"/>
-            </a:effectRef>
-            <a:fontRef idx="minor">
-              <a:schemeClr val="lt1"/>
-            </a:fontRef>
-          </p:style>
-          <p:txBody>
-            <a:bodyPr tIns="91440" bIns="91440" rtlCol="0" anchor="ctr"/>
-            <a:lstStyle/>
-            <a:p>
-              <a:pPr algn="ctr"/>
-              <a:endParaRPr lang="en-US" dirty="0" err="1">
-                <a:solidFill>
-                  <a:schemeClr val="tx1"/>
-                </a:solidFill>
-              </a:endParaRPr>
-            </a:p>
-          </p:txBody>
-        </p:sp>
-        <p:sp>
-          <p:nvSpPr>
-            <p:cNvPr id="33" name="Inspiration">
-              <a:hlinkClick r:id="rId7"/>
-              <a:extLst>
-                <a:ext uri="{FF2B5EF4-FFF2-40B4-BE49-F238E27FC236}">
-                  <a16:creationId xmlns:a16="http://schemas.microsoft.com/office/drawing/2014/main" id="{9A62F676-4D63-4744-9A92-0DF2ED331409}"/>
-                </a:ext>
-              </a:extLst>
-            </p:cNvPr>
-            <p:cNvSpPr/>
-            <p:nvPr/>
-          </p:nvSpPr>
-          <p:spPr bwMode="ltGray">
-            <a:xfrm>
-              <a:off x="413658" y="3460075"/>
-              <a:ext cx="3600000" cy="1080000"/>
-            </a:xfrm>
-            <a:prstGeom prst="rect">
-              <a:avLst/>
-            </a:prstGeom>
-            <a:noFill/>
-            <a:ln w="57150">
-              <a:noFill/>
-            </a:ln>
-          </p:spPr>
-          <p:style>
-            <a:lnRef idx="2">
-              <a:schemeClr val="accent1">
-                <a:shade val="50000"/>
-              </a:schemeClr>
-            </a:lnRef>
-            <a:fillRef idx="1">
-              <a:schemeClr val="accent1"/>
-            </a:fillRef>
-            <a:effectRef idx="0">
-              <a:schemeClr val="accent1"/>
-            </a:effectRef>
-            <a:fontRef idx="minor">
-              <a:schemeClr val="lt1"/>
-            </a:fontRef>
-          </p:style>
-          <p:txBody>
-            <a:bodyPr tIns="91440" bIns="91440" rtlCol="0" anchor="ctr"/>
-            <a:lstStyle/>
-            <a:p>
-              <a:pPr algn="ctr"/>
-              <a:endParaRPr lang="en-US" dirty="0" err="1">
-                <a:solidFill>
-                  <a:schemeClr val="tx1"/>
-                </a:solidFill>
-              </a:endParaRPr>
-            </a:p>
-          </p:txBody>
-        </p:sp>
-        <p:sp>
-          <p:nvSpPr>
-            <p:cNvPr id="34" name="Quick Steps">
-              <a:hlinkClick r:id="rId8"/>
-              <a:extLst>
-                <a:ext uri="{FF2B5EF4-FFF2-40B4-BE49-F238E27FC236}">
-                  <a16:creationId xmlns:a16="http://schemas.microsoft.com/office/drawing/2014/main" id="{DA1873D6-705D-43A4-B8A3-A10A2E3F5007}"/>
-                </a:ext>
-              </a:extLst>
-            </p:cNvPr>
-            <p:cNvSpPr/>
-            <p:nvPr/>
-          </p:nvSpPr>
-          <p:spPr bwMode="ltGray">
-            <a:xfrm>
-              <a:off x="4296000" y="3451523"/>
-              <a:ext cx="3600000" cy="1080000"/>
-            </a:xfrm>
-            <a:prstGeom prst="rect">
-              <a:avLst/>
-            </a:prstGeom>
-            <a:noFill/>
-            <a:ln w="57150">
-              <a:noFill/>
-            </a:ln>
-          </p:spPr>
-          <p:style>
-            <a:lnRef idx="2">
-              <a:schemeClr val="accent1">
-                <a:shade val="50000"/>
-              </a:schemeClr>
-            </a:lnRef>
-            <a:fillRef idx="1">
-              <a:schemeClr val="accent1"/>
-            </a:fillRef>
-            <a:effectRef idx="0">
-              <a:schemeClr val="accent1"/>
-            </a:effectRef>
-            <a:fontRef idx="minor">
-              <a:schemeClr val="lt1"/>
-            </a:fontRef>
-          </p:style>
-          <p:txBody>
-            <a:bodyPr tIns="91440" bIns="91440" rtlCol="0" anchor="ctr"/>
-            <a:lstStyle/>
-            <a:p>
-              <a:pPr algn="ctr"/>
-              <a:endParaRPr lang="en-US" dirty="0" err="1">
-                <a:solidFill>
-                  <a:schemeClr val="tx1"/>
-                </a:solidFill>
-              </a:endParaRPr>
-            </a:p>
-          </p:txBody>
-        </p:sp>
-        <p:sp>
-          <p:nvSpPr>
-            <p:cNvPr id="35" name="Co-Marketing">
-              <a:hlinkClick r:id="rId9"/>
-              <a:extLst>
-                <a:ext uri="{FF2B5EF4-FFF2-40B4-BE49-F238E27FC236}">
-                  <a16:creationId xmlns:a16="http://schemas.microsoft.com/office/drawing/2014/main" id="{EDC636BB-6E4C-4D15-89B2-92553098544E}"/>
-                </a:ext>
-              </a:extLst>
-            </p:cNvPr>
-            <p:cNvSpPr/>
-            <p:nvPr/>
-          </p:nvSpPr>
-          <p:spPr bwMode="ltGray">
-            <a:xfrm>
-              <a:off x="8178342" y="3465513"/>
-              <a:ext cx="3600000" cy="1080000"/>
-            </a:xfrm>
-            <a:prstGeom prst="rect">
-              <a:avLst/>
-            </a:prstGeom>
-            <a:noFill/>
-            <a:ln w="57150">
-              <a:noFill/>
-            </a:ln>
-          </p:spPr>
-          <p:style>
-            <a:lnRef idx="2">
-              <a:schemeClr val="accent1">
-                <a:shade val="50000"/>
-              </a:schemeClr>
-            </a:lnRef>
-            <a:fillRef idx="1">
-              <a:schemeClr val="accent1"/>
-            </a:fillRef>
-            <a:effectRef idx="0">
-              <a:schemeClr val="accent1"/>
-            </a:effectRef>
-            <a:fontRef idx="minor">
-              <a:schemeClr val="lt1"/>
-            </a:fontRef>
-          </p:style>
-          <p:txBody>
-            <a:bodyPr tIns="91440" bIns="91440" rtlCol="0" anchor="ctr"/>
-            <a:lstStyle/>
-            <a:p>
-              <a:pPr algn="ctr"/>
-              <a:endParaRPr lang="en-US" dirty="0" err="1">
-                <a:solidFill>
-                  <a:schemeClr val="tx1"/>
-                </a:solidFill>
-              </a:endParaRPr>
-            </a:p>
-          </p:txBody>
-        </p:sp>
-      </p:grpSp>
-      <p:sp>
-        <p:nvSpPr>
-          <p:cNvPr id="6" name="Slide Number Placeholder 5">
-            <a:extLst>
-              <a:ext uri="{FF2B5EF4-FFF2-40B4-BE49-F238E27FC236}">
-                <a16:creationId xmlns:a16="http://schemas.microsoft.com/office/drawing/2014/main" id="{E073EC96-BF16-4FA1-BBB7-838997F34EC7}"/>
-              </a:ext>
-            </a:extLst>
-          </p:cNvPr>
-          <p:cNvSpPr>
-            <a:spLocks noGrp="1"/>
-          </p:cNvSpPr>
-          <p:nvPr>
-            <p:ph type="sldNum" sz="quarter" idx="11"/>
-          </p:nvPr>
-        </p:nvSpPr>
-        <p:spPr/>
-        <p:txBody>
-          <a:bodyPr/>
-          <a:lstStyle/>
-          <a:p>
-            <a:pPr defTabSz="1088421"/>
-            <a:fld id="{104FC826-72BB-4AF1-BA01-A94F7396A7DC}" type="slidenum">
-              <a:rPr lang="en-US" smtClean="0"/>
-              <a:pPr defTabSz="1088421"/>
-              <a:t>14</a:t>
-            </a:fld>
-            <a:endParaRPr lang="en-US" dirty="0"/>
-          </a:p>
-        </p:txBody>
-      </p:sp>
-    </p:spTree>
-    <p:extLst>
-      <p:ext uri="{BB962C8B-B14F-4D97-AF65-F5344CB8AC3E}">
-        <p14:creationId xmlns:p14="http://schemas.microsoft.com/office/powerpoint/2010/main" val="397067388"/>
-      </p:ext>
-    </p:extLst>
-  </p:cSld>
-  <p:clrMapOvr>
-    <a:masterClrMapping/>
-  </p:clrMapOvr>
-  <mc:AlternateContent xmlns:mc="http://schemas.openxmlformats.org/markup-compatibility/2006" xmlns:p14="http://schemas.microsoft.com/office/powerpoint/2010/main">
-    <mc:Choice Requires="p14">
-      <p:transition spd="med" p14:dur="700">
-        <p:fade/>
-      </p:transition>
-    </mc:Choice>
-    <mc:Fallback xmlns="">
-      <p:transition spd="med">
-        <p:fade/>
-      </p:transition>
-    </mc:Fallback>
-  </mc:AlternateContent>
-</p:sld>
-</file>
-
-<file path=ppt/slides/slide15.xml><?xml version="1.0" encoding="utf-8"?>
-<p:sld xmlns:a="http://schemas.openxmlformats.org/drawingml/2006/main" xmlns:r="http://schemas.openxmlformats.org/officeDocument/2006/relationships" xmlns:p="http://schemas.openxmlformats.org/presentationml/2006/main">
-  <p:cSld>
-    <p:spTree>
-      <p:nvGrpSpPr>
-        <p:cNvPr id="1" name=""/>
-        <p:cNvGrpSpPr/>
-        <p:nvPr/>
-      </p:nvGrpSpPr>
-      <p:grpSpPr>
-        <a:xfrm>
-          <a:off x="0" y="0"/>
-          <a:ext cx="0" cy="0"/>
-          <a:chOff x="0" y="0"/>
-          <a:chExt cx="0" cy="0"/>
-        </a:xfrm>
-      </p:grpSpPr>
-      <p:sp>
-        <p:nvSpPr>
-          <p:cNvPr id="15" name="Text Placeholder">
-            <a:extLst>
-              <a:ext uri="{FF2B5EF4-FFF2-40B4-BE49-F238E27FC236}">
-                <a16:creationId xmlns:a16="http://schemas.microsoft.com/office/drawing/2014/main" id="{85BEAB14-561E-430E-ADBF-6119D1D331BD}"/>
-              </a:ext>
-            </a:extLst>
-          </p:cNvPr>
-          <p:cNvSpPr>
-            <a:spLocks noGrp="1"/>
-          </p:cNvSpPr>
-          <p:nvPr>
-            <p:ph type="body" sz="quarter" idx="14"/>
-          </p:nvPr>
-        </p:nvSpPr>
-        <p:spPr/>
-        <p:txBody>
-          <a:bodyPr/>
-          <a:lstStyle/>
-          <a:p>
-            <a:r>
-              <a:rPr lang="en-US" dirty="0"/>
-              <a:t>Please review this section for more legal guidance. </a:t>
-            </a:r>
-          </a:p>
-        </p:txBody>
-      </p:sp>
-      <p:sp>
-        <p:nvSpPr>
-          <p:cNvPr id="3" name="Title">
-            <a:extLst>
-              <a:ext uri="{FF2B5EF4-FFF2-40B4-BE49-F238E27FC236}">
-                <a16:creationId xmlns:a16="http://schemas.microsoft.com/office/drawing/2014/main" id="{F6CBDC50-5017-495C-86B1-E0B7207AECF1}"/>
-              </a:ext>
-            </a:extLst>
-          </p:cNvPr>
-          <p:cNvSpPr>
-            <a:spLocks noGrp="1"/>
-          </p:cNvSpPr>
-          <p:nvPr>
-            <p:ph type="title"/>
-          </p:nvPr>
-        </p:nvSpPr>
-        <p:spPr/>
-        <p:txBody>
-          <a:bodyPr/>
-          <a:lstStyle/>
-          <a:p>
-            <a:r>
-              <a:rPr lang="en-US" dirty="0"/>
-              <a:t>Legal Guidelines</a:t>
-            </a:r>
-          </a:p>
-        </p:txBody>
-      </p:sp>
-      <p:sp>
-        <p:nvSpPr>
-          <p:cNvPr id="2" name="Footer Placeholder">
-            <a:extLst>
-              <a:ext uri="{FF2B5EF4-FFF2-40B4-BE49-F238E27FC236}">
-                <a16:creationId xmlns:a16="http://schemas.microsoft.com/office/drawing/2014/main" id="{85FC6ACE-4A50-4F88-8B81-7BF4C8642386}"/>
-              </a:ext>
-            </a:extLst>
-          </p:cNvPr>
-          <p:cNvSpPr>
-            <a:spLocks noGrp="1"/>
-          </p:cNvSpPr>
-          <p:nvPr>
-            <p:ph type="ftr" sz="quarter" idx="15"/>
-          </p:nvPr>
-        </p:nvSpPr>
-        <p:spPr/>
-        <p:txBody>
-          <a:bodyPr/>
-          <a:lstStyle/>
-          <a:p>
-            <a:r>
-              <a:rPr lang="en-US" dirty="0"/>
-              <a:t>Confidential | Authorized </a:t>
-            </a:r>
-          </a:p>
-        </p:txBody>
-      </p:sp>
-      <p:sp>
-        <p:nvSpPr>
-          <p:cNvPr id="5" name="Slide Number Placeholder 4">
-            <a:extLst>
-              <a:ext uri="{FF2B5EF4-FFF2-40B4-BE49-F238E27FC236}">
-                <a16:creationId xmlns:a16="http://schemas.microsoft.com/office/drawing/2014/main" id="{40FF2D3C-3AE4-4D51-BED8-E6CAE151B287}"/>
-              </a:ext>
-            </a:extLst>
-          </p:cNvPr>
-          <p:cNvSpPr>
-            <a:spLocks noGrp="1"/>
-          </p:cNvSpPr>
-          <p:nvPr>
-            <p:ph type="sldNum" sz="quarter" idx="16"/>
-          </p:nvPr>
-        </p:nvSpPr>
-        <p:spPr/>
-        <p:txBody>
-          <a:bodyPr/>
-          <a:lstStyle/>
-          <a:p>
-            <a:pPr defTabSz="1088421"/>
-            <a:fld id="{104FC826-72BB-4AF1-BA01-A94F7396A7DC}" type="slidenum">
-              <a:rPr lang="en-US" smtClean="0"/>
-              <a:pPr defTabSz="1088421"/>
-              <a:t>15</a:t>
-            </a:fld>
-            <a:endParaRPr lang="en-US" dirty="0"/>
-          </a:p>
-        </p:txBody>
-      </p:sp>
-    </p:spTree>
-    <p:extLst>
-      <p:ext uri="{BB962C8B-B14F-4D97-AF65-F5344CB8AC3E}">
-        <p14:creationId xmlns:p14="http://schemas.microsoft.com/office/powerpoint/2010/main" val="1025139083"/>
-      </p:ext>
-    </p:extLst>
-  </p:cSld>
-  <p:clrMapOvr>
-    <a:masterClrMapping/>
-  </p:clrMapOvr>
-  <mc:AlternateContent xmlns:mc="http://schemas.openxmlformats.org/markup-compatibility/2006" xmlns:p14="http://schemas.microsoft.com/office/powerpoint/2010/main">
-    <mc:Choice Requires="p14">
-      <p:transition spd="med" p14:dur="700">
-        <p:fade/>
-      </p:transition>
-    </mc:Choice>
-    <mc:Fallback xmlns="">
-      <p:transition spd="med">
-        <p:fade/>
-      </p:transition>
-    </mc:Fallback>
-  </mc:AlternateContent>
-</p:sld>
-</file>
-
-<file path=ppt/slides/slide16.xml><?xml version="1.0" encoding="utf-8"?>
-<p:sld xmlns:a="http://schemas.openxmlformats.org/drawingml/2006/main" xmlns:r="http://schemas.openxmlformats.org/officeDocument/2006/relationships" xmlns:p="http://schemas.openxmlformats.org/presentationml/2006/main">
-  <p:cSld>
-    <p:spTree>
-      <p:nvGrpSpPr>
-        <p:cNvPr id="1" name=""/>
-        <p:cNvGrpSpPr/>
-        <p:nvPr/>
-      </p:nvGrpSpPr>
-      <p:grpSpPr>
-        <a:xfrm>
-          <a:off x="0" y="0"/>
-          <a:ext cx="0" cy="0"/>
-          <a:chOff x="0" y="0"/>
-          <a:chExt cx="0" cy="0"/>
-        </a:xfrm>
-      </p:grpSpPr>
-      <p:sp>
-        <p:nvSpPr>
-          <p:cNvPr id="4" name="Footer Placeholder">
-            <a:extLst>
-              <a:ext uri="{FF2B5EF4-FFF2-40B4-BE49-F238E27FC236}">
-                <a16:creationId xmlns:a16="http://schemas.microsoft.com/office/drawing/2014/main" id="{05AAE663-1CFE-4075-A5FA-92A94C536707}"/>
-              </a:ext>
-            </a:extLst>
-          </p:cNvPr>
-          <p:cNvSpPr>
-            <a:spLocks noGrp="1"/>
-          </p:cNvSpPr>
-          <p:nvPr>
-            <p:ph type="ftr" sz="quarter" idx="18"/>
-          </p:nvPr>
-        </p:nvSpPr>
-        <p:spPr>
-          <a:xfrm>
-            <a:off x="3721696" y="6129337"/>
-            <a:ext cx="7481160" cy="411581"/>
-          </a:xfrm>
-        </p:spPr>
-        <p:txBody>
-          <a:bodyPr/>
-          <a:lstStyle/>
-          <a:p>
-            <a:r>
-              <a:rPr lang="en-US"/>
-              <a:t>Confidential | Authorized </a:t>
-            </a:r>
-            <a:endParaRPr lang="en-US" dirty="0"/>
-          </a:p>
-        </p:txBody>
-      </p:sp>
-      <p:sp>
-        <p:nvSpPr>
-          <p:cNvPr id="5" name="Slide Number Placeholder 4">
-            <a:extLst>
-              <a:ext uri="{FF2B5EF4-FFF2-40B4-BE49-F238E27FC236}">
-                <a16:creationId xmlns:a16="http://schemas.microsoft.com/office/drawing/2014/main" id="{E6937523-BBE0-4508-87BC-FE2E9342E071}"/>
-              </a:ext>
-            </a:extLst>
-          </p:cNvPr>
-          <p:cNvSpPr>
-            <a:spLocks noGrp="1"/>
-          </p:cNvSpPr>
-          <p:nvPr>
-            <p:ph type="sldNum" sz="quarter" idx="19"/>
-          </p:nvPr>
-        </p:nvSpPr>
-        <p:spPr>
-          <a:xfrm>
-            <a:off x="11202856" y="6301811"/>
-            <a:ext cx="684344" cy="365125"/>
-          </a:xfrm>
-        </p:spPr>
-        <p:txBody>
-          <a:bodyPr/>
-          <a:lstStyle/>
-          <a:p>
-            <a:fld id="{104FC826-72BB-4AF1-BA01-A94F7396A7DC}" type="slidenum">
-              <a:rPr lang="en-US" smtClean="0"/>
-              <a:pPr/>
-              <a:t>16</a:t>
-            </a:fld>
-            <a:endParaRPr lang="en-US" dirty="0"/>
-          </a:p>
-        </p:txBody>
-      </p:sp>
-      <p:sp>
-        <p:nvSpPr>
-          <p:cNvPr id="3" name="Text Placeholder"/>
-          <p:cNvSpPr>
-            <a:spLocks noGrp="1"/>
-          </p:cNvSpPr>
-          <p:nvPr>
-            <p:ph idx="1"/>
-          </p:nvPr>
-        </p:nvSpPr>
-        <p:spPr>
-          <a:xfrm>
-            <a:off x="381599" y="998681"/>
-            <a:ext cx="11404800" cy="5097600"/>
-          </a:xfrm>
-        </p:spPr>
-        <p:txBody>
-          <a:bodyPr>
-            <a:normAutofit fontScale="85000" lnSpcReduction="20000"/>
-          </a:bodyPr>
-          <a:lstStyle/>
-          <a:p>
-            <a:pPr marL="0" indent="0">
-              <a:buNone/>
-            </a:pPr>
-            <a:r>
-              <a:rPr lang="en-US" b="1" dirty="0"/>
-              <a:t>Third Party Content</a:t>
-            </a:r>
-          </a:p>
-          <a:p>
-            <a:r>
-              <a:rPr lang="en-US" dirty="0"/>
-              <a:t>Do not use any third party content in your presentations without proper licenses or approvals. </a:t>
-            </a:r>
-          </a:p>
-          <a:p>
-            <a:pPr lvl="1"/>
-            <a:r>
-              <a:rPr lang="en-US" dirty="0"/>
-              <a:t>Third party content includes images, music, diagrams, drawings, video clips, illustrations, comics, prose, characters, social media posts, memes, GIFs, or any other content owned or produced by any party other than HPE and for which HPE does not have a license to make use of such content.  </a:t>
-            </a:r>
-          </a:p>
-          <a:p>
-            <a:pPr lvl="1"/>
-            <a:r>
-              <a:rPr lang="en-US" dirty="0"/>
-              <a:t>Do not procure content from websites that claim to offer royalty-free assets for use for free, under creative commons licenses, from YouTube, or other low cost/free sites.</a:t>
-            </a:r>
-          </a:p>
-          <a:p>
-            <a:r>
-              <a:rPr lang="en-US" dirty="0"/>
-              <a:t>Do not use any names, trademarks, logos, or other branded materials of or from third parties, including clients, customers, or partners, without first getting the necessary approval and release forms signed by such third party.  </a:t>
-            </a:r>
-          </a:p>
-          <a:p>
-            <a:pPr lvl="1"/>
-            <a:r>
-              <a:rPr lang="en-US" dirty="0"/>
-              <a:t>If you want to include a reference to a customer or use any of its content, submit a request through the Customer Advocacy References Request Hub.</a:t>
-            </a:r>
-          </a:p>
-          <a:p>
-            <a:pPr lvl="1"/>
-            <a:r>
-              <a:rPr lang="en-US" dirty="0"/>
-              <a:t>For other third parties, in most cases the third party would supply forms that should be reviewed by your Commercial BU/Regional Legal Contact.  If a third party does not have a form, please consult with Trademarks Legal and your Commercial BU/Regional Legal Contact.</a:t>
-            </a:r>
-          </a:p>
-          <a:p>
-            <a:r>
-              <a:rPr lang="en-US" dirty="0"/>
-              <a:t>Do not use content if its source is unclear, and do not assume that content found in previous HPE presentations is automatically OK to use for a current project – licenses or other approvals may have expired. </a:t>
-            </a:r>
-          </a:p>
-          <a:p>
-            <a:pPr marL="0" indent="0">
-              <a:buNone/>
-            </a:pPr>
-            <a:r>
-              <a:rPr lang="en-US" b="1" dirty="0"/>
-              <a:t>Permissible Content</a:t>
-            </a:r>
-          </a:p>
-          <a:p>
-            <a:r>
-              <a:rPr lang="en-US" dirty="0"/>
-              <a:t>If possible, obtain all footage/imagery for your presentations through Brand Central. </a:t>
-            </a:r>
-          </a:p>
-          <a:p>
-            <a:r>
-              <a:rPr lang="en-US" dirty="0"/>
-              <a:t>If you need content that is not available through Brand Central, you should open a ticket in the CRT tool by clicking on the “Open Support Ticket ?” at the top right of Brand Central’s navigation bar and the Brand Team will get in touch with you regarding acceptable options to obtain content, including through trusted sites such as Getty and Pond5. </a:t>
-            </a:r>
-          </a:p>
-        </p:txBody>
-      </p:sp>
-      <p:sp>
-        <p:nvSpPr>
-          <p:cNvPr id="2" name="Title"/>
-          <p:cNvSpPr>
-            <a:spLocks noGrp="1"/>
-          </p:cNvSpPr>
-          <p:nvPr>
-            <p:ph type="title"/>
-          </p:nvPr>
-        </p:nvSpPr>
-        <p:spPr>
-          <a:xfrm>
-            <a:off x="285743" y="391852"/>
-            <a:ext cx="11498270" cy="401362"/>
-          </a:xfrm>
-        </p:spPr>
-        <p:txBody>
-          <a:bodyPr/>
-          <a:lstStyle/>
-          <a:p>
-            <a:r>
-              <a:rPr lang="en-US"/>
-              <a:t>Legal Guidelines for PowerPoint presentations</a:t>
-            </a:r>
-            <a:endParaRPr lang="en-US" dirty="0"/>
-          </a:p>
-        </p:txBody>
-      </p:sp>
-    </p:spTree>
-    <p:extLst>
-      <p:ext uri="{BB962C8B-B14F-4D97-AF65-F5344CB8AC3E}">
-        <p14:creationId xmlns:p14="http://schemas.microsoft.com/office/powerpoint/2010/main" val="1939246213"/>
-      </p:ext>
-    </p:extLst>
-  </p:cSld>
-  <p:clrMapOvr>
-    <a:masterClrMapping/>
-  </p:clrMapOvr>
-  <mc:AlternateContent xmlns:mc="http://schemas.openxmlformats.org/markup-compatibility/2006" xmlns:p14="http://schemas.microsoft.com/office/powerpoint/2010/main">
-    <mc:Choice Requires="p14">
-      <p:transition spd="med" p14:dur="700">
-        <p:fade/>
-      </p:transition>
-    </mc:Choice>
-    <mc:Fallback xmlns="">
-      <p:transition spd="med">
-        <p:fade/>
-      </p:transition>
-    </mc:Fallback>
-  </mc:AlternateContent>
-</p:sld>
-</file>
-
-<file path=ppt/slides/slide17.xml><?xml version="1.0" encoding="utf-8"?>
-<p:sld xmlns:a="http://schemas.openxmlformats.org/drawingml/2006/main" xmlns:r="http://schemas.openxmlformats.org/officeDocument/2006/relationships" xmlns:p="http://schemas.openxmlformats.org/presentationml/2006/main">
-  <p:cSld>
-    <p:spTree>
-      <p:nvGrpSpPr>
-        <p:cNvPr id="1" name=""/>
-        <p:cNvGrpSpPr/>
-        <p:nvPr/>
-      </p:nvGrpSpPr>
-      <p:grpSpPr>
-        <a:xfrm>
-          <a:off x="0" y="0"/>
-          <a:ext cx="0" cy="0"/>
-          <a:chOff x="0" y="0"/>
-          <a:chExt cx="0" cy="0"/>
-        </a:xfrm>
-      </p:grpSpPr>
-      <p:sp>
-        <p:nvSpPr>
-          <p:cNvPr id="3" name="Footer Placeholder">
-            <a:extLst>
-              <a:ext uri="{FF2B5EF4-FFF2-40B4-BE49-F238E27FC236}">
-                <a16:creationId xmlns:a16="http://schemas.microsoft.com/office/drawing/2014/main" id="{3557E8BD-35D3-4322-9420-592909530925}"/>
-              </a:ext>
-            </a:extLst>
-          </p:cNvPr>
-          <p:cNvSpPr>
-            <a:spLocks noGrp="1"/>
-          </p:cNvSpPr>
-          <p:nvPr>
-            <p:ph type="ftr" sz="quarter" idx="18"/>
-          </p:nvPr>
-        </p:nvSpPr>
-        <p:spPr>
-          <a:xfrm>
-            <a:off x="3721696" y="6129337"/>
-            <a:ext cx="7481160" cy="411581"/>
-          </a:xfrm>
-        </p:spPr>
-        <p:txBody>
-          <a:bodyPr/>
-          <a:lstStyle/>
-          <a:p>
-            <a:r>
-              <a:rPr lang="en-US"/>
-              <a:t>Confidential | Authorized </a:t>
-            </a:r>
-            <a:endParaRPr lang="en-US" dirty="0"/>
-          </a:p>
-        </p:txBody>
-      </p:sp>
-      <p:sp>
-        <p:nvSpPr>
-          <p:cNvPr id="4" name="Slide Number Placeholder 3">
-            <a:extLst>
-              <a:ext uri="{FF2B5EF4-FFF2-40B4-BE49-F238E27FC236}">
-                <a16:creationId xmlns:a16="http://schemas.microsoft.com/office/drawing/2014/main" id="{CA3B7E46-4C9F-4261-A036-1214ACABF379}"/>
-              </a:ext>
-            </a:extLst>
-          </p:cNvPr>
-          <p:cNvSpPr>
-            <a:spLocks noGrp="1"/>
-          </p:cNvSpPr>
-          <p:nvPr>
-            <p:ph type="sldNum" sz="quarter" idx="19"/>
-          </p:nvPr>
-        </p:nvSpPr>
-        <p:spPr>
-          <a:xfrm>
-            <a:off x="11202856" y="6301811"/>
-            <a:ext cx="684344" cy="365125"/>
-          </a:xfrm>
-        </p:spPr>
-        <p:txBody>
-          <a:bodyPr/>
-          <a:lstStyle/>
-          <a:p>
-            <a:fld id="{104FC826-72BB-4AF1-BA01-A94F7396A7DC}" type="slidenum">
-              <a:rPr lang="en-US" smtClean="0"/>
-              <a:pPr/>
-              <a:t>17</a:t>
-            </a:fld>
-            <a:endParaRPr lang="en-US" dirty="0"/>
-          </a:p>
-        </p:txBody>
-      </p:sp>
-      <p:sp>
-        <p:nvSpPr>
-          <p:cNvPr id="10" name="Content Placeholder">
-            <a:extLst>
-              <a:ext uri="{FF2B5EF4-FFF2-40B4-BE49-F238E27FC236}">
-                <a16:creationId xmlns:a16="http://schemas.microsoft.com/office/drawing/2014/main" id="{CDBB51E3-2465-42D6-8D64-C4B5A62E7D58}"/>
-              </a:ext>
-            </a:extLst>
-          </p:cNvPr>
-          <p:cNvSpPr>
-            <a:spLocks noGrp="1"/>
-          </p:cNvSpPr>
-          <p:nvPr>
-            <p:ph idx="1"/>
-          </p:nvPr>
-        </p:nvSpPr>
-        <p:spPr>
-          <a:xfrm>
-            <a:off x="381599" y="998681"/>
-            <a:ext cx="11404800" cy="5097600"/>
-          </a:xfrm>
-        </p:spPr>
-        <p:txBody>
-          <a:bodyPr>
-            <a:normAutofit fontScale="85000" lnSpcReduction="20000"/>
-          </a:bodyPr>
-          <a:lstStyle/>
-          <a:p>
-            <a:pPr marL="0" indent="0">
-              <a:buNone/>
-            </a:pPr>
-            <a:r>
-              <a:rPr lang="en-US" b="1" dirty="0"/>
-              <a:t>Claims Regarding HPE Products/Services</a:t>
-            </a:r>
-          </a:p>
-          <a:p>
-            <a:r>
-              <a:rPr lang="en-US" dirty="0"/>
-              <a:t>Only make a claim about HPE and our products or services in your presentations if it is true, accurate, fair, complete, and supported by objectively verifiable, reliable, quantifiable, and substantiating information which remains up-to date during the life of the presentation. Retain all such substantiating information. </a:t>
-            </a:r>
-          </a:p>
-          <a:p>
-            <a:pPr marL="0" indent="0">
-              <a:buNone/>
-            </a:pPr>
-            <a:r>
-              <a:rPr lang="en-US" b="1" dirty="0"/>
-              <a:t>Screenshots/Demos of HPE Products</a:t>
-            </a:r>
-          </a:p>
-          <a:p>
-            <a:r>
-              <a:rPr lang="en-US" dirty="0"/>
-              <a:t>Do not use screenshots or provide product demonstrations that contain any HPE (or third party) confidential or proprietary information or any other identifiable information that poses security vulnerabilities (e.g., IP addresses). </a:t>
-            </a:r>
-          </a:p>
-          <a:p>
-            <a:r>
-              <a:rPr lang="en-US" dirty="0"/>
-              <a:t>When showing screenshots or demos of interfaces, conceal or remove (</a:t>
-            </a:r>
-            <a:r>
-              <a:rPr lang="en-US" dirty="0" err="1"/>
-              <a:t>i</a:t>
-            </a:r>
-            <a:r>
-              <a:rPr lang="en-US" dirty="0"/>
-              <a:t>) all third party trademarks and logos (e.g., software icons) and (ii) any information that could possibly identify customers, partners or other non-consenting parties (including names, email addresses, phone numbers, etc.).</a:t>
-            </a:r>
-          </a:p>
-          <a:p>
-            <a:pPr marL="0" indent="0">
-              <a:buNone/>
-            </a:pPr>
-            <a:r>
-              <a:rPr lang="en-US" b="1" dirty="0"/>
-              <a:t>Presentations at Conferences and Events</a:t>
-            </a:r>
-          </a:p>
-          <a:p>
-            <a:r>
-              <a:rPr lang="en-US" dirty="0"/>
-              <a:t>If your presentation is for a third party conference or event and you are asked to sign any release form or other document, you must first engage Trademarks Legal and your Commercial/Regional BU Legal Contact for approval.  Please also contact Jeff Askew on the Brand Team before you grant any third party the right to use the HPE logo at an event, as a Display Authorization Agreement must be executed if the Brand Team approves.</a:t>
-            </a:r>
-          </a:p>
-          <a:p>
-            <a:pPr marL="0" indent="0">
-              <a:buNone/>
-            </a:pPr>
-            <a:r>
-              <a:rPr lang="en-US" b="1" dirty="0"/>
-              <a:t>HP Inc. Brand Identity</a:t>
-            </a:r>
-          </a:p>
-          <a:p>
-            <a:r>
-              <a:rPr lang="en-US" dirty="0"/>
-              <a:t>All elements of the HP Inc. brand identity must be retired and not used in any HPE presentation. This includes but is not limited to: HP logo, product images/photography/b-rolls showing HP logo, HP color palette and fonts.</a:t>
-            </a:r>
-          </a:p>
-          <a:p>
-            <a:endParaRPr lang="en-US" dirty="0"/>
-          </a:p>
-          <a:p>
-            <a:pPr marL="0" indent="0">
-              <a:buNone/>
-            </a:pPr>
-            <a:r>
-              <a:rPr lang="en-US" b="1" dirty="0"/>
-              <a:t>If you have any questions reach out to your BU Commercial Attorney, and they can reach out to Trademark Legal, if necessary.</a:t>
-            </a:r>
-          </a:p>
-        </p:txBody>
-      </p:sp>
-      <p:sp>
-        <p:nvSpPr>
-          <p:cNvPr id="2" name="Title"/>
-          <p:cNvSpPr>
-            <a:spLocks noGrp="1"/>
-          </p:cNvSpPr>
-          <p:nvPr>
-            <p:ph type="title"/>
-          </p:nvPr>
-        </p:nvSpPr>
-        <p:spPr>
-          <a:xfrm>
-            <a:off x="285743" y="391852"/>
-            <a:ext cx="11498270" cy="401362"/>
-          </a:xfrm>
-        </p:spPr>
-        <p:txBody>
-          <a:bodyPr/>
-          <a:lstStyle/>
-          <a:p>
-            <a:r>
-              <a:rPr lang="en-US"/>
-              <a:t>Legal Guidelines for PowerPoint presentations </a:t>
-            </a:r>
-            <a:endParaRPr lang="en-US" dirty="0"/>
-          </a:p>
-        </p:txBody>
-      </p:sp>
-    </p:spTree>
-    <p:extLst>
-      <p:ext uri="{BB962C8B-B14F-4D97-AF65-F5344CB8AC3E}">
-        <p14:creationId xmlns:p14="http://schemas.microsoft.com/office/powerpoint/2010/main" val="1510285506"/>
-      </p:ext>
-    </p:extLst>
-  </p:cSld>
-  <p:clrMapOvr>
-    <a:masterClrMapping/>
-  </p:clrMapOvr>
-  <mc:AlternateContent xmlns:mc="http://schemas.openxmlformats.org/markup-compatibility/2006" xmlns:p14="http://schemas.microsoft.com/office/powerpoint/2010/main">
-    <mc:Choice Requires="p14">
-      <p:transition spd="med" p14:dur="700">
-        <p:fade/>
-      </p:transition>
-    </mc:Choice>
-    <mc:Fallback xmlns="">
-      <p:transition spd="med">
-        <p:fade/>
-      </p:transition>
-    </mc:Fallback>
-  </mc:AlternateContent>
-</p:sld>
-</file>
-
-<file path=ppt/slides/slide18.xml><?xml version="1.0" encoding="utf-8"?>
-<p:sld xmlns:a="http://schemas.openxmlformats.org/drawingml/2006/main" xmlns:r="http://schemas.openxmlformats.org/officeDocument/2006/relationships" xmlns:p="http://schemas.openxmlformats.org/presentationml/2006/main">
-  <p:cSld>
-    <p:spTree>
-      <p:nvGrpSpPr>
-        <p:cNvPr id="1" name=""/>
-        <p:cNvGrpSpPr/>
-        <p:nvPr/>
-      </p:nvGrpSpPr>
-      <p:grpSpPr>
-        <a:xfrm>
-          <a:off x="0" y="0"/>
-          <a:ext cx="0" cy="0"/>
-          <a:chOff x="0" y="0"/>
-          <a:chExt cx="0" cy="0"/>
-        </a:xfrm>
-      </p:grpSpPr>
-      <p:sp>
-        <p:nvSpPr>
-          <p:cNvPr id="3" name="Footer Placeholder">
-            <a:extLst>
-              <a:ext uri="{FF2B5EF4-FFF2-40B4-BE49-F238E27FC236}">
-                <a16:creationId xmlns:a16="http://schemas.microsoft.com/office/drawing/2014/main" id="{4CB1BF97-D388-489E-BCB4-21FD9C310957}"/>
-              </a:ext>
-            </a:extLst>
-          </p:cNvPr>
-          <p:cNvSpPr>
-            <a:spLocks noGrp="1"/>
-          </p:cNvSpPr>
-          <p:nvPr>
-            <p:ph type="ftr" sz="quarter" idx="18"/>
-          </p:nvPr>
-        </p:nvSpPr>
-        <p:spPr/>
-        <p:txBody>
-          <a:bodyPr/>
-          <a:lstStyle/>
-          <a:p>
-            <a:r>
-              <a:rPr lang="en-US" dirty="0"/>
-              <a:t>Confidential | Authorized </a:t>
-            </a:r>
-          </a:p>
-        </p:txBody>
-      </p:sp>
-      <p:sp>
-        <p:nvSpPr>
-          <p:cNvPr id="2" name="Title"/>
-          <p:cNvSpPr txBox="1">
-            <a:spLocks noGrp="1"/>
-          </p:cNvSpPr>
-          <p:nvPr>
-            <p:ph type="title"/>
-          </p:nvPr>
-        </p:nvSpPr>
-        <p:spPr/>
-        <p:txBody>
-          <a:bodyPr/>
-          <a:lstStyle/>
-          <a:p>
-            <a:r>
-              <a:rPr lang="en-US" dirty="0"/>
-              <a:t>Disclosure Statement</a:t>
-            </a:r>
-          </a:p>
-        </p:txBody>
-      </p:sp>
-      <p:sp>
-        <p:nvSpPr>
-          <p:cNvPr id="9" name="Text">
-            <a:extLst>
-              <a:ext uri="{FF2B5EF4-FFF2-40B4-BE49-F238E27FC236}">
-                <a16:creationId xmlns:a16="http://schemas.microsoft.com/office/drawing/2014/main" id="{E5000C00-FBEC-4145-AD3F-FA931809EC08}"/>
-              </a:ext>
-            </a:extLst>
-          </p:cNvPr>
-          <p:cNvSpPr/>
-          <p:nvPr/>
-        </p:nvSpPr>
-        <p:spPr>
-          <a:xfrm>
-            <a:off x="285743" y="5815179"/>
-            <a:ext cx="1973232" cy="286232"/>
-          </a:xfrm>
-          <a:prstGeom prst="rect">
-            <a:avLst/>
-          </a:prstGeom>
-        </p:spPr>
-        <p:txBody>
-          <a:bodyPr wrap="none">
-            <a:spAutoFit/>
-          </a:bodyPr>
-          <a:lstStyle/>
-          <a:p>
-            <a:pPr>
-              <a:lnSpc>
-                <a:spcPct val="90000"/>
-              </a:lnSpc>
-            </a:pPr>
-            <a:r>
-              <a:rPr lang="en-US" sz="1400" dirty="0">
-                <a:cs typeface=""/>
-              </a:rPr>
-              <a:t>* Please refer to next slide</a:t>
-            </a:r>
-          </a:p>
-        </p:txBody>
-      </p:sp>
-      <p:graphicFrame>
-        <p:nvGraphicFramePr>
-          <p:cNvPr id="10" name="Table">
-            <a:extLst>
-              <a:ext uri="{FF2B5EF4-FFF2-40B4-BE49-F238E27FC236}">
-                <a16:creationId xmlns:a16="http://schemas.microsoft.com/office/drawing/2014/main" id="{DEEDEE6A-9396-44F7-8B60-74A120481D20}"/>
-              </a:ext>
-            </a:extLst>
-          </p:cNvPr>
-          <p:cNvGraphicFramePr>
-            <a:graphicFrameLocks noGrp="1"/>
-          </p:cNvGraphicFramePr>
-          <p:nvPr>
-            <p:ph idx="1"/>
-            <p:extLst>
-              <p:ext uri="{D42A27DB-BD31-4B8C-83A1-F6EECF244321}">
-                <p14:modId xmlns:p14="http://schemas.microsoft.com/office/powerpoint/2010/main" val="1059955345"/>
-              </p:ext>
-            </p:extLst>
-          </p:nvPr>
-        </p:nvGraphicFramePr>
-        <p:xfrm>
-          <a:off x="381000" y="998538"/>
-          <a:ext cx="11430000" cy="4757800"/>
-        </p:xfrm>
-        <a:graphic>
-          <a:graphicData uri="http://schemas.openxmlformats.org/drawingml/2006/table">
-            <a:tbl>
-              <a:tblPr firstRow="1" bandRow="1">
-                <a:tableStyleId>{2D5ABB26-0587-4C30-8999-92F81FD0307C}</a:tableStyleId>
-              </a:tblPr>
-              <a:tblGrid>
-                <a:gridCol w="3314700">
-                  <a:extLst>
-                    <a:ext uri="{9D8B030D-6E8A-4147-A177-3AD203B41FA5}">
-                      <a16:colId xmlns:a16="http://schemas.microsoft.com/office/drawing/2014/main" val="634718210"/>
-                    </a:ext>
-                  </a:extLst>
-                </a:gridCol>
-                <a:gridCol w="2700103">
-                  <a:extLst>
-                    <a:ext uri="{9D8B030D-6E8A-4147-A177-3AD203B41FA5}">
-                      <a16:colId xmlns:a16="http://schemas.microsoft.com/office/drawing/2014/main" val="1736721735"/>
-                    </a:ext>
-                  </a:extLst>
-                </a:gridCol>
-                <a:gridCol w="5415197">
-                  <a:extLst>
-                    <a:ext uri="{9D8B030D-6E8A-4147-A177-3AD203B41FA5}">
-                      <a16:colId xmlns:a16="http://schemas.microsoft.com/office/drawing/2014/main" val="3321567396"/>
-                    </a:ext>
-                  </a:extLst>
-                </a:gridCol>
-              </a:tblGrid>
-              <a:tr h="362840">
-                <a:tc>
-                  <a:txBody>
-                    <a:bodyPr/>
-                    <a:lstStyle/>
-                    <a:p>
-                      <a:r>
-                        <a:rPr lang="en-US" dirty="0">
-                          <a:latin typeface="+mn-lt"/>
-                        </a:rPr>
-                        <a:t>Audience</a:t>
-                      </a:r>
-                    </a:p>
-                  </a:txBody>
-                  <a:tcPr anchor="ctr"/>
-                </a:tc>
-                <a:tc>
-                  <a:txBody>
-                    <a:bodyPr/>
-                    <a:lstStyle/>
-                    <a:p>
-                      <a:r>
-                        <a:rPr lang="en-US" dirty="0">
-                          <a:latin typeface="+mn-lt"/>
-                        </a:rPr>
-                        <a:t>Disclosure Statement</a:t>
-                      </a:r>
-                    </a:p>
-                  </a:txBody>
-                  <a:tcPr anchor="ctr"/>
-                </a:tc>
-                <a:tc>
-                  <a:txBody>
-                    <a:bodyPr/>
-                    <a:lstStyle/>
-                    <a:p>
-                      <a:r>
-                        <a:rPr lang="en-US" dirty="0">
-                          <a:latin typeface="+mn-lt"/>
-                        </a:rPr>
-                        <a:t>Guidelines</a:t>
-                      </a:r>
-                    </a:p>
-                  </a:txBody>
-                  <a:tcPr anchor="ctr"/>
-                </a:tc>
-                <a:extLst>
-                  <a:ext uri="{0D108BD9-81ED-4DB2-BD59-A6C34878D82A}">
-                    <a16:rowId xmlns:a16="http://schemas.microsoft.com/office/drawing/2014/main" val="1176739896"/>
-                  </a:ext>
-                </a:extLst>
-              </a:tr>
-              <a:tr h="775380">
-                <a:tc>
-                  <a:txBody>
-                    <a:bodyPr/>
-                    <a:lstStyle/>
-                    <a:p>
-                      <a:pPr marL="117475" indent="0" algn="l">
-                        <a:lnSpc>
-                          <a:spcPct val="100000"/>
-                        </a:lnSpc>
-                        <a:spcBef>
-                          <a:spcPts val="225"/>
-                        </a:spcBef>
-                      </a:pPr>
-                      <a:r>
-                        <a:rPr lang="en-US" sz="1200" b="0" dirty="0">
-                          <a:solidFill>
-                            <a:schemeClr val="tx1"/>
-                          </a:solidFill>
-                          <a:latin typeface="+mn-lt"/>
-                          <a:cs typeface=""/>
-                        </a:rPr>
-                        <a:t>Use for training HPE Employees, Outsourced, Channel Partners and Customer Education training material</a:t>
-                      </a:r>
-                    </a:p>
-                  </a:txBody>
-                  <a:tcPr marL="0" marR="0" marT="0" marB="0" anchor="ctr">
-                    <a:lnB w="6350" cap="flat" cmpd="sng" algn="ctr">
-                      <a:solidFill>
-                        <a:schemeClr val="tx1"/>
-                      </a:solidFill>
-                      <a:prstDash val="solid"/>
-                      <a:round/>
-                      <a:headEnd type="none" w="med" len="med"/>
-                      <a:tailEnd type="none" w="med" len="med"/>
-                    </a:lnB>
-                  </a:tcPr>
-                </a:tc>
-                <a:tc>
-                  <a:txBody>
-                    <a:bodyPr/>
-                    <a:lstStyle/>
-                    <a:p>
-                      <a:pPr marL="91440" algn="l">
-                        <a:lnSpc>
-                          <a:spcPct val="100000"/>
-                        </a:lnSpc>
-                        <a:spcBef>
-                          <a:spcPts val="0"/>
-                        </a:spcBef>
-                      </a:pPr>
-                      <a:r>
-                        <a:rPr lang="en-US" sz="1200" dirty="0">
-                          <a:solidFill>
-                            <a:schemeClr val="tx1"/>
-                          </a:solidFill>
-                          <a:latin typeface="+mn-lt"/>
-                          <a:cs typeface=""/>
-                        </a:rPr>
-                        <a:t>Confidential – For Training Purposes Only</a:t>
-                      </a:r>
-                    </a:p>
-                  </a:txBody>
-                  <a:tcPr marL="0" marR="0" marT="3810" marB="0" anchor="ctr">
-                    <a:lnB w="6350" cap="flat" cmpd="sng" algn="ctr">
-                      <a:solidFill>
-                        <a:schemeClr val="tx1"/>
-                      </a:solidFill>
-                      <a:prstDash val="solid"/>
-                      <a:round/>
-                      <a:headEnd type="none" w="med" len="med"/>
-                      <a:tailEnd type="none" w="med" len="med"/>
-                    </a:lnB>
-                  </a:tcPr>
-                </a:tc>
-                <a:tc>
-                  <a:txBody>
-                    <a:bodyPr/>
-                    <a:lstStyle/>
-                    <a:p>
-                      <a:pPr marL="53975" indent="0" algn="l">
-                        <a:lnSpc>
-                          <a:spcPct val="100000"/>
-                        </a:lnSpc>
-                        <a:spcBef>
-                          <a:spcPts val="0"/>
-                        </a:spcBef>
-                      </a:pPr>
-                      <a:r>
-                        <a:rPr lang="en-US" sz="1200" dirty="0">
-                          <a:solidFill>
-                            <a:schemeClr val="tx1"/>
-                          </a:solidFill>
-                          <a:latin typeface="+mn-lt"/>
-                          <a:cs typeface=""/>
-                        </a:rPr>
-                        <a:t>Can only be shared on </a:t>
-                      </a:r>
-                      <a:r>
-                        <a:rPr lang="en-US" sz="1200" dirty="0" err="1">
-                          <a:solidFill>
-                            <a:schemeClr val="tx1"/>
-                          </a:solidFill>
-                          <a:latin typeface="+mn-lt"/>
-                          <a:cs typeface=""/>
-                        </a:rPr>
-                        <a:t>PSNow</a:t>
-                      </a:r>
-                      <a:r>
-                        <a:rPr lang="en-US" sz="1200" dirty="0">
-                          <a:solidFill>
-                            <a:schemeClr val="tx1"/>
-                          </a:solidFill>
-                          <a:latin typeface="+mn-lt"/>
-                          <a:cs typeface=""/>
-                        </a:rPr>
-                        <a:t> and Seismic</a:t>
-                      </a:r>
-                    </a:p>
-                    <a:p>
-                      <a:pPr marL="53975" indent="0" algn="l">
-                        <a:lnSpc>
-                          <a:spcPct val="100000"/>
-                        </a:lnSpc>
-                        <a:spcBef>
-                          <a:spcPts val="0"/>
-                        </a:spcBef>
-                      </a:pPr>
-                      <a:r>
-                        <a:rPr lang="en-US" sz="1200" dirty="0">
-                          <a:solidFill>
-                            <a:schemeClr val="tx1"/>
-                          </a:solidFill>
-                          <a:latin typeface="+mn-lt"/>
-                          <a:cs typeface=""/>
-                        </a:rPr>
-                        <a:t>Not to be uploaded on HPE.com or public platforms</a:t>
-                      </a:r>
-                    </a:p>
-                    <a:p>
-                      <a:pPr marL="53975" indent="0" algn="l">
-                        <a:lnSpc>
-                          <a:spcPct val="100000"/>
-                        </a:lnSpc>
-                        <a:spcBef>
-                          <a:spcPts val="0"/>
-                        </a:spcBef>
-                      </a:pPr>
-                      <a:r>
-                        <a:rPr lang="en-US" sz="1200" dirty="0">
-                          <a:solidFill>
-                            <a:schemeClr val="tx1"/>
-                          </a:solidFill>
-                          <a:latin typeface="+mn-lt"/>
-                          <a:cs typeface=""/>
-                        </a:rPr>
-                        <a:t>Not to be shown to the customers, or share with customers either digitally or as print copies</a:t>
-                      </a:r>
-                    </a:p>
-                  </a:txBody>
-                  <a:tcPr marL="0" marR="0" marT="3810" marB="0" anchor="ctr">
-                    <a:lnB w="6350" cap="flat" cmpd="sng" algn="ctr">
-                      <a:solidFill>
-                        <a:schemeClr val="tx1"/>
-                      </a:solidFill>
-                      <a:prstDash val="solid"/>
-                      <a:round/>
-                      <a:headEnd type="none" w="med" len="med"/>
-                      <a:tailEnd type="none" w="med" len="med"/>
-                    </a:lnB>
-                  </a:tcPr>
-                </a:tc>
-                <a:extLst>
-                  <a:ext uri="{0D108BD9-81ED-4DB2-BD59-A6C34878D82A}">
-                    <a16:rowId xmlns:a16="http://schemas.microsoft.com/office/drawing/2014/main" val="3586087912"/>
-                  </a:ext>
-                </a:extLst>
-              </a:tr>
-              <a:tr h="904165">
-                <a:tc>
-                  <a:txBody>
-                    <a:bodyPr/>
-                    <a:lstStyle/>
-                    <a:p>
-                      <a:pPr marL="117475" indent="0" algn="l">
-                        <a:lnSpc>
-                          <a:spcPct val="100000"/>
-                        </a:lnSpc>
-                        <a:spcBef>
-                          <a:spcPts val="225"/>
-                        </a:spcBef>
-                      </a:pPr>
-                      <a:r>
-                        <a:rPr lang="en-US" sz="1200" b="0" dirty="0">
-                          <a:solidFill>
-                            <a:schemeClr val="tx1"/>
-                          </a:solidFill>
-                          <a:latin typeface="+mn-lt"/>
-                          <a:cs typeface=""/>
-                        </a:rPr>
-                        <a:t>If the document is for HPE employees and partners who have agreed to keep it confidential and is not to be shared with customers, label it</a:t>
-                      </a:r>
-                    </a:p>
-                  </a:txBody>
-                  <a:tcPr marL="0" marR="0" marT="0" marB="0" anchor="ctr">
-                    <a:lnT w="6350" cap="flat" cmpd="sng" algn="ctr">
-                      <a:solidFill>
-                        <a:schemeClr val="tx1"/>
-                      </a:solidFill>
-                      <a:prstDash val="solid"/>
-                      <a:round/>
-                      <a:headEnd type="none" w="med" len="med"/>
-                      <a:tailEnd type="none" w="med" len="med"/>
-                    </a:lnT>
-                    <a:lnB w="6350" cap="flat" cmpd="sng" algn="ctr">
-                      <a:solidFill>
-                        <a:schemeClr val="tx1"/>
-                      </a:solidFill>
-                      <a:prstDash val="solid"/>
-                      <a:round/>
-                      <a:headEnd type="none" w="med" len="med"/>
-                      <a:tailEnd type="none" w="med" len="med"/>
-                    </a:lnB>
-                  </a:tcPr>
-                </a:tc>
-                <a:tc>
-                  <a:txBody>
-                    <a:bodyPr/>
-                    <a:lstStyle/>
-                    <a:p>
-                      <a:pPr marL="91440" algn="l">
-                        <a:lnSpc>
-                          <a:spcPct val="100000"/>
-                        </a:lnSpc>
-                        <a:spcBef>
-                          <a:spcPts val="0"/>
-                        </a:spcBef>
-                      </a:pPr>
-                      <a:r>
-                        <a:rPr lang="en-US" sz="1200" dirty="0">
-                          <a:solidFill>
-                            <a:schemeClr val="tx1"/>
-                          </a:solidFill>
-                          <a:latin typeface="+mn-lt"/>
-                          <a:cs typeface=""/>
-                        </a:rPr>
-                        <a:t>Confidential | Authorized</a:t>
-                      </a:r>
-                      <a:br>
-                        <a:rPr lang="en-US" sz="1200" dirty="0">
-                          <a:solidFill>
-                            <a:schemeClr val="tx1"/>
-                          </a:solidFill>
-                          <a:latin typeface="+mn-lt"/>
-                          <a:cs typeface=""/>
-                        </a:rPr>
-                      </a:br>
-                      <a:r>
-                        <a:rPr lang="en-US" sz="1200" dirty="0">
-                          <a:solidFill>
-                            <a:schemeClr val="tx1"/>
-                          </a:solidFill>
-                          <a:latin typeface="+mn-lt"/>
-                          <a:cs typeface=""/>
-                        </a:rPr>
-                        <a:t>HPE Partner Use Only</a:t>
-                      </a:r>
-                    </a:p>
-                  </a:txBody>
-                  <a:tcPr marL="0" marR="0" marT="3810" marB="0" anchor="ctr">
-                    <a:lnT w="6350" cap="flat" cmpd="sng" algn="ctr">
-                      <a:solidFill>
-                        <a:schemeClr val="tx1"/>
-                      </a:solidFill>
-                      <a:prstDash val="solid"/>
-                      <a:round/>
-                      <a:headEnd type="none" w="med" len="med"/>
-                      <a:tailEnd type="none" w="med" len="med"/>
-                    </a:lnT>
-                    <a:lnB w="6350" cap="flat" cmpd="sng" algn="ctr">
-                      <a:solidFill>
-                        <a:schemeClr val="tx1"/>
-                      </a:solidFill>
-                      <a:prstDash val="solid"/>
-                      <a:round/>
-                      <a:headEnd type="none" w="med" len="med"/>
-                      <a:tailEnd type="none" w="med" len="med"/>
-                    </a:lnB>
-                  </a:tcPr>
-                </a:tc>
-                <a:tc>
-                  <a:txBody>
-                    <a:bodyPr/>
-                    <a:lstStyle/>
-                    <a:p>
-                      <a:pPr marL="53975" indent="0" algn="l">
-                        <a:lnSpc>
-                          <a:spcPct val="100000"/>
-                        </a:lnSpc>
-                        <a:spcBef>
-                          <a:spcPts val="0"/>
-                        </a:spcBef>
-                      </a:pPr>
-                      <a:r>
-                        <a:rPr lang="en-US" sz="1200" dirty="0">
-                          <a:solidFill>
-                            <a:schemeClr val="tx1"/>
-                          </a:solidFill>
-                          <a:latin typeface="+mn-lt"/>
-                          <a:cs typeface=""/>
-                        </a:rPr>
-                        <a:t>Can be shared on </a:t>
-                      </a:r>
-                      <a:r>
-                        <a:rPr lang="en-US" sz="1200" dirty="0" err="1">
-                          <a:solidFill>
-                            <a:schemeClr val="tx1"/>
-                          </a:solidFill>
-                          <a:latin typeface="+mn-lt"/>
-                          <a:cs typeface=""/>
-                        </a:rPr>
-                        <a:t>PSNow</a:t>
-                      </a:r>
-                      <a:r>
-                        <a:rPr lang="en-US" sz="1200" dirty="0">
-                          <a:solidFill>
-                            <a:schemeClr val="tx1"/>
-                          </a:solidFill>
-                          <a:latin typeface="+mn-lt"/>
-                          <a:cs typeface=""/>
-                        </a:rPr>
-                        <a:t> and Seismic</a:t>
-                      </a:r>
-                    </a:p>
-                    <a:p>
-                      <a:pPr marL="53975" indent="0" algn="l">
-                        <a:lnSpc>
-                          <a:spcPct val="100000"/>
-                        </a:lnSpc>
-                        <a:spcBef>
-                          <a:spcPts val="0"/>
-                        </a:spcBef>
-                      </a:pPr>
-                      <a:r>
-                        <a:rPr lang="en-US" sz="1200" dirty="0">
-                          <a:solidFill>
-                            <a:schemeClr val="tx1"/>
-                          </a:solidFill>
-                          <a:latin typeface="+mn-lt"/>
-                          <a:cs typeface=""/>
-                        </a:rPr>
-                        <a:t>Not to be uploaded on HPE.com or public platforms</a:t>
-                      </a:r>
-                    </a:p>
-                    <a:p>
-                      <a:pPr marL="53975" indent="0" algn="l">
-                        <a:lnSpc>
-                          <a:spcPct val="100000"/>
-                        </a:lnSpc>
-                        <a:spcBef>
-                          <a:spcPts val="0"/>
-                        </a:spcBef>
-                      </a:pPr>
-                      <a:r>
-                        <a:rPr lang="en-US" sz="1200" dirty="0">
-                          <a:solidFill>
-                            <a:schemeClr val="tx1"/>
-                          </a:solidFill>
-                          <a:latin typeface="+mn-lt"/>
-                          <a:cs typeface=""/>
-                        </a:rPr>
-                        <a:t>Can be shown to customers either digitally or as print copies (need to include in the description that a CDA* is required to share with the customer) and not to be left behind</a:t>
-                      </a:r>
-                    </a:p>
-                  </a:txBody>
-                  <a:tcPr marL="0" marR="0" marT="3810" marB="0" anchor="ctr">
-                    <a:lnT w="6350" cap="flat" cmpd="sng" algn="ctr">
-                      <a:solidFill>
-                        <a:schemeClr val="tx1"/>
-                      </a:solidFill>
-                      <a:prstDash val="solid"/>
-                      <a:round/>
-                      <a:headEnd type="none" w="med" len="med"/>
-                      <a:tailEnd type="none" w="med" len="med"/>
-                    </a:lnT>
-                    <a:lnB w="6350" cap="flat" cmpd="sng" algn="ctr">
-                      <a:solidFill>
-                        <a:schemeClr val="tx1"/>
-                      </a:solidFill>
-                      <a:prstDash val="solid"/>
-                      <a:round/>
-                      <a:headEnd type="none" w="med" len="med"/>
-                      <a:tailEnd type="none" w="med" len="med"/>
-                    </a:lnB>
-                  </a:tcPr>
-                </a:tc>
-                <a:extLst>
-                  <a:ext uri="{0D108BD9-81ED-4DB2-BD59-A6C34878D82A}">
-                    <a16:rowId xmlns:a16="http://schemas.microsoft.com/office/drawing/2014/main" val="686020604"/>
-                  </a:ext>
-                </a:extLst>
-              </a:tr>
-              <a:tr h="904165">
-                <a:tc>
-                  <a:txBody>
-                    <a:bodyPr/>
-                    <a:lstStyle/>
-                    <a:p>
-                      <a:pPr marL="117475" indent="0" algn="l">
-                        <a:lnSpc>
-                          <a:spcPct val="100000"/>
-                        </a:lnSpc>
-                        <a:spcBef>
-                          <a:spcPts val="225"/>
-                        </a:spcBef>
-                      </a:pPr>
-                      <a:r>
-                        <a:rPr lang="en-US" sz="1200" b="0" dirty="0">
-                          <a:solidFill>
-                            <a:schemeClr val="tx1"/>
-                          </a:solidFill>
-                          <a:latin typeface="+mn-lt"/>
-                          <a:cs typeface=""/>
-                        </a:rPr>
-                        <a:t>If the document is for HPE employees and is not to be shared with customers or partners, label it</a:t>
-                      </a:r>
-                    </a:p>
-                  </a:txBody>
-                  <a:tcPr marL="0" marR="0" marT="0" marB="0" anchor="ctr">
-                    <a:lnT w="6350" cap="flat" cmpd="sng" algn="ctr">
-                      <a:solidFill>
-                        <a:schemeClr val="tx1"/>
-                      </a:solidFill>
-                      <a:prstDash val="solid"/>
-                      <a:round/>
-                      <a:headEnd type="none" w="med" len="med"/>
-                      <a:tailEnd type="none" w="med" len="med"/>
-                    </a:lnT>
-                    <a:lnB w="6350" cap="flat" cmpd="sng" algn="ctr">
-                      <a:solidFill>
-                        <a:schemeClr val="tx1"/>
-                      </a:solidFill>
-                      <a:prstDash val="solid"/>
-                      <a:round/>
-                      <a:headEnd type="none" w="med" len="med"/>
-                      <a:tailEnd type="none" w="med" len="med"/>
-                    </a:lnB>
-                  </a:tcPr>
-                </a:tc>
-                <a:tc>
-                  <a:txBody>
-                    <a:bodyPr/>
-                    <a:lstStyle/>
-                    <a:p>
-                      <a:pPr marL="91440" algn="l">
-                        <a:lnSpc>
-                          <a:spcPct val="100000"/>
-                        </a:lnSpc>
-                        <a:spcBef>
-                          <a:spcPts val="0"/>
-                        </a:spcBef>
-                      </a:pPr>
-                      <a:r>
-                        <a:rPr lang="en-US" sz="1200" dirty="0">
-                          <a:solidFill>
-                            <a:schemeClr val="tx1"/>
-                          </a:solidFill>
-                          <a:latin typeface="+mn-lt"/>
-                          <a:cs typeface=""/>
-                        </a:rPr>
-                        <a:t>HPE Internal Use Only</a:t>
-                      </a:r>
-                    </a:p>
-                  </a:txBody>
-                  <a:tcPr marL="0" marR="0" marT="3810" marB="0" anchor="ctr">
-                    <a:lnT w="6350" cap="flat" cmpd="sng" algn="ctr">
-                      <a:solidFill>
-                        <a:schemeClr val="tx1"/>
-                      </a:solidFill>
-                      <a:prstDash val="solid"/>
-                      <a:round/>
-                      <a:headEnd type="none" w="med" len="med"/>
-                      <a:tailEnd type="none" w="med" len="med"/>
-                    </a:lnT>
-                    <a:lnB w="6350" cap="flat" cmpd="sng" algn="ctr">
-                      <a:solidFill>
-                        <a:schemeClr val="tx1"/>
-                      </a:solidFill>
-                      <a:prstDash val="solid"/>
-                      <a:round/>
-                      <a:headEnd type="none" w="med" len="med"/>
-                      <a:tailEnd type="none" w="med" len="med"/>
-                    </a:lnB>
-                  </a:tcPr>
-                </a:tc>
-                <a:tc>
-                  <a:txBody>
-                    <a:bodyPr/>
-                    <a:lstStyle/>
-                    <a:p>
-                      <a:pPr marL="53975" indent="0" algn="l">
-                        <a:lnSpc>
-                          <a:spcPct val="100000"/>
-                        </a:lnSpc>
-                        <a:spcBef>
-                          <a:spcPts val="0"/>
-                        </a:spcBef>
-                      </a:pPr>
-                      <a:r>
-                        <a:rPr lang="en-US" sz="1200" dirty="0">
-                          <a:solidFill>
-                            <a:schemeClr val="tx1"/>
-                          </a:solidFill>
-                          <a:latin typeface="+mn-lt"/>
-                          <a:cs typeface=""/>
-                        </a:rPr>
-                        <a:t>Can only be shared on </a:t>
-                      </a:r>
-                      <a:r>
-                        <a:rPr lang="en-US" sz="1200" dirty="0" err="1">
-                          <a:solidFill>
-                            <a:schemeClr val="tx1"/>
-                          </a:solidFill>
-                          <a:latin typeface="+mn-lt"/>
-                          <a:cs typeface=""/>
-                        </a:rPr>
-                        <a:t>PSNow</a:t>
-                      </a:r>
-                      <a:r>
-                        <a:rPr lang="en-US" sz="1200" dirty="0">
-                          <a:solidFill>
-                            <a:schemeClr val="tx1"/>
-                          </a:solidFill>
-                          <a:latin typeface="+mn-lt"/>
-                          <a:cs typeface=""/>
-                        </a:rPr>
-                        <a:t>, Seismic (Internal employees)</a:t>
-                      </a:r>
-                    </a:p>
-                    <a:p>
-                      <a:pPr marL="53975" indent="0" algn="l">
-                        <a:lnSpc>
-                          <a:spcPct val="100000"/>
-                        </a:lnSpc>
-                        <a:spcBef>
-                          <a:spcPts val="0"/>
-                        </a:spcBef>
-                      </a:pPr>
-                      <a:r>
-                        <a:rPr lang="en-US" sz="1200" dirty="0">
-                          <a:solidFill>
-                            <a:schemeClr val="tx1"/>
-                          </a:solidFill>
-                          <a:latin typeface="+mn-lt"/>
-                          <a:cs typeface=""/>
-                        </a:rPr>
-                        <a:t>Not to be uploaded on HPE.com or public platforms</a:t>
-                      </a:r>
-                    </a:p>
-                    <a:p>
-                      <a:pPr marL="53975" indent="0" algn="l">
-                        <a:lnSpc>
-                          <a:spcPct val="100000"/>
-                        </a:lnSpc>
-                        <a:spcBef>
-                          <a:spcPts val="0"/>
-                        </a:spcBef>
-                      </a:pPr>
-                      <a:r>
-                        <a:rPr lang="en-US" sz="1200" dirty="0">
-                          <a:solidFill>
-                            <a:schemeClr val="tx1"/>
-                          </a:solidFill>
-                          <a:latin typeface="+mn-lt"/>
-                          <a:cs typeface=""/>
-                        </a:rPr>
-                        <a:t>Not to be shown or handed over to partners or customers either digitally or as print copies </a:t>
-                      </a:r>
-                    </a:p>
-                    <a:p>
-                      <a:pPr marL="53975" indent="0" algn="l">
-                        <a:lnSpc>
-                          <a:spcPct val="100000"/>
-                        </a:lnSpc>
-                        <a:spcBef>
-                          <a:spcPts val="0"/>
-                        </a:spcBef>
-                      </a:pPr>
-                      <a:endParaRPr lang="en-US" sz="1200" dirty="0">
-                        <a:solidFill>
-                          <a:schemeClr val="tx1"/>
-                        </a:solidFill>
-                        <a:latin typeface="+mn-lt"/>
-                        <a:cs typeface=""/>
-                      </a:endParaRPr>
-                    </a:p>
-                  </a:txBody>
-                  <a:tcPr marL="0" marR="0" marT="3810" marB="0" anchor="ctr">
-                    <a:lnT w="6350" cap="flat" cmpd="sng" algn="ctr">
-                      <a:solidFill>
-                        <a:schemeClr val="tx1"/>
-                      </a:solidFill>
-                      <a:prstDash val="solid"/>
-                      <a:round/>
-                      <a:headEnd type="none" w="med" len="med"/>
-                      <a:tailEnd type="none" w="med" len="med"/>
-                    </a:lnT>
-                    <a:lnB w="6350" cap="flat" cmpd="sng" algn="ctr">
-                      <a:solidFill>
-                        <a:schemeClr val="tx1"/>
-                      </a:solidFill>
-                      <a:prstDash val="solid"/>
-                      <a:round/>
-                      <a:headEnd type="none" w="med" len="med"/>
-                      <a:tailEnd type="none" w="med" len="med"/>
-                    </a:lnB>
-                  </a:tcPr>
-                </a:tc>
-                <a:extLst>
-                  <a:ext uri="{0D108BD9-81ED-4DB2-BD59-A6C34878D82A}">
-                    <a16:rowId xmlns:a16="http://schemas.microsoft.com/office/drawing/2014/main" val="2235156228"/>
-                  </a:ext>
-                </a:extLst>
-              </a:tr>
-              <a:tr h="904165">
-                <a:tc>
-                  <a:txBody>
-                    <a:bodyPr/>
-                    <a:lstStyle/>
-                    <a:p>
-                      <a:pPr marL="117475" indent="0" algn="l">
-                        <a:lnSpc>
-                          <a:spcPct val="100000"/>
-                        </a:lnSpc>
-                        <a:spcBef>
-                          <a:spcPts val="225"/>
-                        </a:spcBef>
-                      </a:pPr>
-                      <a:r>
-                        <a:rPr lang="en-US" sz="1200" b="0" dirty="0">
-                          <a:solidFill>
-                            <a:schemeClr val="tx1"/>
-                          </a:solidFill>
-                          <a:latin typeface="+mn-lt"/>
-                          <a:cs typeface=""/>
-                        </a:rPr>
-                        <a:t>If the document can be shared with customers or the general public and does not have any confidential or proprietary information</a:t>
-                      </a:r>
-                    </a:p>
-                  </a:txBody>
-                  <a:tcPr marL="0" marR="0" marT="0" marB="0" anchor="ctr">
-                    <a:lnT w="6350" cap="flat" cmpd="sng" algn="ctr">
-                      <a:solidFill>
-                        <a:schemeClr val="tx1"/>
-                      </a:solidFill>
-                      <a:prstDash val="solid"/>
-                      <a:round/>
-                      <a:headEnd type="none" w="med" len="med"/>
-                      <a:tailEnd type="none" w="med" len="med"/>
-                    </a:lnT>
-                    <a:lnB w="6350" cap="flat" cmpd="sng" algn="ctr">
-                      <a:solidFill>
-                        <a:schemeClr val="tx1"/>
-                      </a:solidFill>
-                      <a:prstDash val="solid"/>
-                      <a:round/>
-                      <a:headEnd type="none" w="med" len="med"/>
-                      <a:tailEnd type="none" w="med" len="med"/>
-                    </a:lnB>
-                  </a:tcPr>
-                </a:tc>
-                <a:tc>
-                  <a:txBody>
-                    <a:bodyPr/>
-                    <a:lstStyle/>
-                    <a:p>
-                      <a:pPr marL="91440" algn="l">
-                        <a:lnSpc>
-                          <a:spcPct val="100000"/>
-                        </a:lnSpc>
-                        <a:spcBef>
-                          <a:spcPts val="0"/>
-                        </a:spcBef>
-                      </a:pPr>
-                      <a:r>
-                        <a:rPr lang="en-US" sz="1200" dirty="0">
-                          <a:solidFill>
-                            <a:schemeClr val="tx1"/>
-                          </a:solidFill>
-                          <a:latin typeface="+mn-lt"/>
-                          <a:cs typeface=""/>
-                        </a:rPr>
-                        <a:t>No Document Label Needed</a:t>
-                      </a:r>
-                    </a:p>
-                  </a:txBody>
-                  <a:tcPr marL="0" marR="0" marT="3810" marB="0" anchor="ctr">
-                    <a:lnT w="6350" cap="flat" cmpd="sng" algn="ctr">
-                      <a:solidFill>
-                        <a:schemeClr val="tx1"/>
-                      </a:solidFill>
-                      <a:prstDash val="solid"/>
-                      <a:round/>
-                      <a:headEnd type="none" w="med" len="med"/>
-                      <a:tailEnd type="none" w="med" len="med"/>
-                    </a:lnT>
-                    <a:lnB w="6350" cap="flat" cmpd="sng" algn="ctr">
-                      <a:solidFill>
-                        <a:schemeClr val="tx1"/>
-                      </a:solidFill>
-                      <a:prstDash val="solid"/>
-                      <a:round/>
-                      <a:headEnd type="none" w="med" len="med"/>
-                      <a:tailEnd type="none" w="med" len="med"/>
-                    </a:lnB>
-                  </a:tcPr>
-                </a:tc>
-                <a:tc>
-                  <a:txBody>
-                    <a:bodyPr/>
-                    <a:lstStyle/>
-                    <a:p>
-                      <a:pPr marL="53975" indent="0" algn="l">
-                        <a:lnSpc>
-                          <a:spcPct val="100000"/>
-                        </a:lnSpc>
-                        <a:spcBef>
-                          <a:spcPts val="0"/>
-                        </a:spcBef>
-                      </a:pPr>
-                      <a:r>
-                        <a:rPr lang="en-US" sz="1200" dirty="0">
-                          <a:solidFill>
-                            <a:schemeClr val="tx1"/>
-                          </a:solidFill>
-                          <a:latin typeface="+mn-lt"/>
-                          <a:cs typeface=""/>
-                        </a:rPr>
-                        <a:t>Can be uploaded both on </a:t>
-                      </a:r>
-                      <a:r>
-                        <a:rPr lang="en-US" sz="1200" dirty="0" err="1">
-                          <a:solidFill>
-                            <a:schemeClr val="tx1"/>
-                          </a:solidFill>
-                          <a:latin typeface="+mn-lt"/>
-                          <a:cs typeface=""/>
-                        </a:rPr>
-                        <a:t>PSNow</a:t>
-                      </a:r>
-                      <a:r>
-                        <a:rPr lang="en-US" sz="1200" dirty="0">
-                          <a:solidFill>
-                            <a:schemeClr val="tx1"/>
-                          </a:solidFill>
-                          <a:latin typeface="+mn-lt"/>
-                          <a:cs typeface=""/>
-                        </a:rPr>
-                        <a:t> and Seismic </a:t>
-                      </a:r>
-                    </a:p>
-                    <a:p>
-                      <a:pPr marL="53975" indent="0" algn="l">
-                        <a:lnSpc>
-                          <a:spcPct val="100000"/>
-                        </a:lnSpc>
-                        <a:spcBef>
-                          <a:spcPts val="0"/>
-                        </a:spcBef>
-                      </a:pPr>
-                      <a:r>
-                        <a:rPr lang="en-US" sz="1200" dirty="0">
-                          <a:solidFill>
-                            <a:schemeClr val="tx1"/>
-                          </a:solidFill>
-                          <a:latin typeface="+mn-lt"/>
-                          <a:cs typeface=""/>
-                        </a:rPr>
-                        <a:t>Can be shown to customers/partners either digitally or as print copies </a:t>
-                      </a:r>
-                    </a:p>
-                    <a:p>
-                      <a:pPr marL="53975" indent="0" algn="l">
-                        <a:lnSpc>
-                          <a:spcPct val="100000"/>
-                        </a:lnSpc>
-                        <a:spcBef>
-                          <a:spcPts val="0"/>
-                        </a:spcBef>
-                      </a:pPr>
-                      <a:r>
-                        <a:rPr lang="en-US" sz="1200" dirty="0">
-                          <a:solidFill>
-                            <a:schemeClr val="tx1"/>
-                          </a:solidFill>
-                          <a:latin typeface="+mn-lt"/>
-                          <a:cs typeface=""/>
-                        </a:rPr>
-                        <a:t>Document will be searchable through search engines. To avoid, use it as Gated Asset or stage your release dates</a:t>
-                      </a:r>
-                    </a:p>
-                  </a:txBody>
-                  <a:tcPr marL="0" marR="0" marT="3810" marB="0" anchor="ctr">
-                    <a:lnT w="6350" cap="flat" cmpd="sng" algn="ctr">
-                      <a:solidFill>
-                        <a:schemeClr val="tx1"/>
-                      </a:solidFill>
-                      <a:prstDash val="solid"/>
-                      <a:round/>
-                      <a:headEnd type="none" w="med" len="med"/>
-                      <a:tailEnd type="none" w="med" len="med"/>
-                    </a:lnT>
-                    <a:lnB w="6350" cap="flat" cmpd="sng" algn="ctr">
-                      <a:solidFill>
-                        <a:schemeClr val="tx1"/>
-                      </a:solidFill>
-                      <a:prstDash val="solid"/>
-                      <a:round/>
-                      <a:headEnd type="none" w="med" len="med"/>
-                      <a:tailEnd type="none" w="med" len="med"/>
-                    </a:lnB>
-                  </a:tcPr>
-                </a:tc>
-                <a:extLst>
-                  <a:ext uri="{0D108BD9-81ED-4DB2-BD59-A6C34878D82A}">
-                    <a16:rowId xmlns:a16="http://schemas.microsoft.com/office/drawing/2014/main" val="2722744884"/>
-                  </a:ext>
-                </a:extLst>
-              </a:tr>
-              <a:tr h="904165">
-                <a:tc>
-                  <a:txBody>
-                    <a:bodyPr/>
-                    <a:lstStyle/>
-                    <a:p>
-                      <a:pPr marL="117475" indent="0" algn="l">
-                        <a:lnSpc>
-                          <a:spcPct val="100000"/>
-                        </a:lnSpc>
-                        <a:spcBef>
-                          <a:spcPts val="225"/>
-                        </a:spcBef>
-                      </a:pPr>
-                      <a:r>
-                        <a:rPr lang="en-US" sz="1200" b="0" dirty="0">
-                          <a:solidFill>
-                            <a:schemeClr val="tx1"/>
-                          </a:solidFill>
-                          <a:latin typeface="+mn-lt"/>
-                          <a:cs typeface=""/>
-                        </a:rPr>
-                        <a:t>Presentation for events</a:t>
-                      </a:r>
-                    </a:p>
-                  </a:txBody>
-                  <a:tcPr marL="0" marR="0" marT="0" marB="0" anchor="ctr">
-                    <a:lnT w="6350" cap="flat" cmpd="sng" algn="ctr">
-                      <a:solidFill>
-                        <a:schemeClr val="tx1"/>
-                      </a:solidFill>
-                      <a:prstDash val="solid"/>
-                      <a:round/>
-                      <a:headEnd type="none" w="med" len="med"/>
-                      <a:tailEnd type="none" w="med" len="med"/>
-                    </a:lnT>
-                  </a:tcPr>
-                </a:tc>
-                <a:tc>
-                  <a:txBody>
-                    <a:bodyPr/>
-                    <a:lstStyle/>
-                    <a:p>
-                      <a:pPr marL="91440" algn="l">
-                        <a:lnSpc>
-                          <a:spcPct val="100000"/>
-                        </a:lnSpc>
-                        <a:spcBef>
-                          <a:spcPts val="0"/>
-                        </a:spcBef>
-                      </a:pPr>
-                      <a:r>
-                        <a:rPr lang="en-US" sz="1200" dirty="0">
-                          <a:solidFill>
-                            <a:schemeClr val="tx1"/>
-                          </a:solidFill>
-                          <a:latin typeface="+mn-lt"/>
-                          <a:cs typeface=""/>
-                        </a:rPr>
-                        <a:t>No Document Label Needed</a:t>
-                      </a:r>
-                    </a:p>
-                  </a:txBody>
-                  <a:tcPr marL="0" marR="0" marT="3810" marB="0" anchor="ctr">
-                    <a:lnT w="6350" cap="flat" cmpd="sng" algn="ctr">
-                      <a:solidFill>
-                        <a:schemeClr val="tx1"/>
-                      </a:solidFill>
-                      <a:prstDash val="solid"/>
-                      <a:round/>
-                      <a:headEnd type="none" w="med" len="med"/>
-                      <a:tailEnd type="none" w="med" len="med"/>
-                    </a:lnT>
-                  </a:tcPr>
-                </a:tc>
-                <a:tc>
-                  <a:txBody>
-                    <a:bodyPr/>
-                    <a:lstStyle/>
-                    <a:p>
-                      <a:pPr marL="53975" indent="0" algn="l">
-                        <a:lnSpc>
-                          <a:spcPct val="100000"/>
-                        </a:lnSpc>
-                        <a:spcBef>
-                          <a:spcPts val="0"/>
-                        </a:spcBef>
-                      </a:pPr>
-                      <a:r>
-                        <a:rPr lang="en-US" sz="1200" dirty="0">
-                          <a:solidFill>
-                            <a:schemeClr val="tx1"/>
-                          </a:solidFill>
-                          <a:latin typeface="+mn-lt"/>
-                          <a:cs typeface=""/>
-                        </a:rPr>
-                        <a:t>Can be uploaded both on </a:t>
-                      </a:r>
-                      <a:r>
-                        <a:rPr lang="en-US" sz="1200" dirty="0" err="1">
-                          <a:solidFill>
-                            <a:schemeClr val="tx1"/>
-                          </a:solidFill>
-                          <a:latin typeface="+mn-lt"/>
-                          <a:cs typeface=""/>
-                        </a:rPr>
-                        <a:t>PSNow</a:t>
-                      </a:r>
-                      <a:r>
-                        <a:rPr lang="en-US" sz="1200" dirty="0">
-                          <a:solidFill>
-                            <a:schemeClr val="tx1"/>
-                          </a:solidFill>
-                          <a:latin typeface="+mn-lt"/>
-                          <a:cs typeface=""/>
-                        </a:rPr>
-                        <a:t>, Seismic, and public platforms</a:t>
-                      </a:r>
-                    </a:p>
-                    <a:p>
-                      <a:pPr marL="53975" indent="0" algn="l">
-                        <a:lnSpc>
-                          <a:spcPct val="100000"/>
-                        </a:lnSpc>
-                        <a:spcBef>
-                          <a:spcPts val="0"/>
-                        </a:spcBef>
-                      </a:pPr>
-                      <a:r>
-                        <a:rPr lang="en-US" sz="1200" dirty="0">
-                          <a:solidFill>
-                            <a:schemeClr val="tx1"/>
-                          </a:solidFill>
-                          <a:latin typeface="+mn-lt"/>
-                          <a:cs typeface=""/>
-                        </a:rPr>
-                        <a:t>Can be handed over to customers/partners either digitally or as print copies</a:t>
-                      </a:r>
-                    </a:p>
-                    <a:p>
-                      <a:pPr marL="53975" indent="0" algn="l">
-                        <a:lnSpc>
-                          <a:spcPct val="100000"/>
-                        </a:lnSpc>
-                        <a:spcBef>
-                          <a:spcPts val="0"/>
-                        </a:spcBef>
-                      </a:pPr>
-                      <a:r>
-                        <a:rPr lang="en-US" sz="1200" dirty="0">
-                          <a:solidFill>
-                            <a:schemeClr val="tx1"/>
-                          </a:solidFill>
-                          <a:latin typeface="+mn-lt"/>
-                          <a:cs typeface=""/>
-                        </a:rPr>
-                        <a:t>Document will be searchable through search engines. To avoid, use it as Gated Asset or stage your release dates</a:t>
-                      </a:r>
-                    </a:p>
-                  </a:txBody>
-                  <a:tcPr marL="0" marR="0" marT="3810" marB="0" anchor="ctr">
-                    <a:lnT w="6350" cap="flat" cmpd="sng" algn="ctr">
-                      <a:solidFill>
-                        <a:schemeClr val="tx1"/>
-                      </a:solidFill>
-                      <a:prstDash val="solid"/>
-                      <a:round/>
-                      <a:headEnd type="none" w="med" len="med"/>
-                      <a:tailEnd type="none" w="med" len="med"/>
-                    </a:lnT>
-                  </a:tcPr>
-                </a:tc>
-                <a:extLst>
-                  <a:ext uri="{0D108BD9-81ED-4DB2-BD59-A6C34878D82A}">
-                    <a16:rowId xmlns:a16="http://schemas.microsoft.com/office/drawing/2014/main" val="1614810251"/>
-                  </a:ext>
-                </a:extLst>
-              </a:tr>
-            </a:tbl>
-          </a:graphicData>
-        </a:graphic>
-      </p:graphicFrame>
-      <p:sp>
-        <p:nvSpPr>
-          <p:cNvPr id="4" name="Slide Number Placeholder 3">
-            <a:extLst>
-              <a:ext uri="{FF2B5EF4-FFF2-40B4-BE49-F238E27FC236}">
-                <a16:creationId xmlns:a16="http://schemas.microsoft.com/office/drawing/2014/main" id="{9DDCB6FC-E60E-4C11-93C8-E5B30C3F58ED}"/>
-              </a:ext>
-            </a:extLst>
-          </p:cNvPr>
-          <p:cNvSpPr>
-            <a:spLocks noGrp="1"/>
-          </p:cNvSpPr>
-          <p:nvPr>
-            <p:ph type="sldNum" sz="quarter" idx="19"/>
-          </p:nvPr>
-        </p:nvSpPr>
-        <p:spPr/>
-        <p:txBody>
-          <a:bodyPr/>
-          <a:lstStyle/>
-          <a:p>
-            <a:pPr defTabSz="1088421">
-              <a:buFontTx/>
-              <a:buBlip>
-                <a:blip r:embed="rId2"/>
-              </a:buBlip>
-            </a:pPr>
-            <a:fld id="{104FC826-72BB-4AF1-BA01-A94F7396A7DC}" type="slidenum">
-              <a:rPr lang="en-US" smtClean="0"/>
-              <a:pPr defTabSz="1088421">
-                <a:buFontTx/>
-                <a:buBlip>
-                  <a:blip r:embed="rId2"/>
-                </a:buBlip>
-              </a:pPr>
-              <a:t>18</a:t>
-            </a:fld>
-            <a:endParaRPr lang="en-US" dirty="0"/>
-          </a:p>
-        </p:txBody>
-      </p:sp>
-    </p:spTree>
-    <p:extLst>
-      <p:ext uri="{BB962C8B-B14F-4D97-AF65-F5344CB8AC3E}">
-        <p14:creationId xmlns:p14="http://schemas.microsoft.com/office/powerpoint/2010/main" val="3198649274"/>
-      </p:ext>
-    </p:extLst>
-  </p:cSld>
-  <p:clrMapOvr>
-    <a:masterClrMapping/>
-  </p:clrMapOvr>
-  <mc:AlternateContent xmlns:mc="http://schemas.openxmlformats.org/markup-compatibility/2006" xmlns:p14="http://schemas.microsoft.com/office/powerpoint/2010/main">
-    <mc:Choice Requires="p14">
-      <p:transition spd="med" p14:dur="700">
-        <p:fade/>
-      </p:transition>
-    </mc:Choice>
-    <mc:Fallback xmlns="">
-      <p:transition spd="med">
-        <p:fade/>
-      </p:transition>
-    </mc:Fallback>
-  </mc:AlternateContent>
-</p:sld>
-</file>
-
-<file path=ppt/slides/slide19.xml><?xml version="1.0" encoding="utf-8"?>
-<p:sld xmlns:a="http://schemas.openxmlformats.org/drawingml/2006/main" xmlns:r="http://schemas.openxmlformats.org/officeDocument/2006/relationships" xmlns:p="http://schemas.openxmlformats.org/presentationml/2006/main">
-  <p:cSld>
-    <p:spTree>
-      <p:nvGrpSpPr>
-        <p:cNvPr id="1" name=""/>
-        <p:cNvGrpSpPr/>
-        <p:nvPr/>
-      </p:nvGrpSpPr>
-      <p:grpSpPr>
-        <a:xfrm>
-          <a:off x="0" y="0"/>
-          <a:ext cx="0" cy="0"/>
-          <a:chOff x="0" y="0"/>
-          <a:chExt cx="0" cy="0"/>
-        </a:xfrm>
-      </p:grpSpPr>
-      <p:sp>
-        <p:nvSpPr>
-          <p:cNvPr id="3" name="Footer Placeholder">
-            <a:extLst>
-              <a:ext uri="{FF2B5EF4-FFF2-40B4-BE49-F238E27FC236}">
-                <a16:creationId xmlns:a16="http://schemas.microsoft.com/office/drawing/2014/main" id="{DC5D0DA5-6D1E-4D1B-9B32-8C5C8E0B025B}"/>
-              </a:ext>
-            </a:extLst>
-          </p:cNvPr>
-          <p:cNvSpPr>
-            <a:spLocks noGrp="1"/>
-          </p:cNvSpPr>
-          <p:nvPr>
-            <p:ph type="ftr" sz="quarter" idx="18"/>
-          </p:nvPr>
-        </p:nvSpPr>
-        <p:spPr>
-          <a:xfrm>
-            <a:off x="3721696" y="6129337"/>
-            <a:ext cx="7481160" cy="411581"/>
-          </a:xfrm>
-        </p:spPr>
-        <p:txBody>
-          <a:bodyPr/>
-          <a:lstStyle/>
-          <a:p>
-            <a:r>
-              <a:rPr lang="en-US" dirty="0"/>
-              <a:t>Confidential | Authorized </a:t>
-            </a:r>
-          </a:p>
-        </p:txBody>
-      </p:sp>
-      <p:sp>
-        <p:nvSpPr>
-          <p:cNvPr id="4" name="Slide Number Placeholder 3">
-            <a:extLst>
-              <a:ext uri="{FF2B5EF4-FFF2-40B4-BE49-F238E27FC236}">
-                <a16:creationId xmlns:a16="http://schemas.microsoft.com/office/drawing/2014/main" id="{3409E038-140F-4A24-9E9A-9EAE067FD2EB}"/>
-              </a:ext>
-            </a:extLst>
-          </p:cNvPr>
-          <p:cNvSpPr>
-            <a:spLocks noGrp="1"/>
-          </p:cNvSpPr>
-          <p:nvPr>
-            <p:ph type="sldNum" sz="quarter" idx="19"/>
-          </p:nvPr>
-        </p:nvSpPr>
-        <p:spPr>
-          <a:xfrm>
-            <a:off x="11202856" y="6301811"/>
-            <a:ext cx="684344" cy="365125"/>
-          </a:xfrm>
-        </p:spPr>
-        <p:txBody>
-          <a:bodyPr/>
-          <a:lstStyle/>
-          <a:p>
-            <a:fld id="{104FC826-72BB-4AF1-BA01-A94F7396A7DC}" type="slidenum">
-              <a:rPr lang="en-US" smtClean="0"/>
-              <a:pPr/>
-              <a:t>19</a:t>
-            </a:fld>
-            <a:endParaRPr lang="en-US" dirty="0"/>
-          </a:p>
-        </p:txBody>
-      </p:sp>
-      <p:sp>
-        <p:nvSpPr>
-          <p:cNvPr id="12" name="Content Placeholder">
-            <a:extLst>
-              <a:ext uri="{FF2B5EF4-FFF2-40B4-BE49-F238E27FC236}">
-                <a16:creationId xmlns:a16="http://schemas.microsoft.com/office/drawing/2014/main" id="{EB7F24DE-8390-4742-A5E2-E5222714C375}"/>
-              </a:ext>
-            </a:extLst>
-          </p:cNvPr>
-          <p:cNvSpPr>
-            <a:spLocks noGrp="1"/>
-          </p:cNvSpPr>
-          <p:nvPr>
-            <p:ph idx="1"/>
-          </p:nvPr>
-        </p:nvSpPr>
-        <p:spPr>
-          <a:xfrm>
-            <a:off x="381599" y="998681"/>
-            <a:ext cx="11404800" cy="5097600"/>
-          </a:xfrm>
-        </p:spPr>
-        <p:txBody>
-          <a:bodyPr>
-            <a:normAutofit fontScale="92500" lnSpcReduction="20000"/>
-          </a:bodyPr>
-          <a:lstStyle/>
-          <a:p>
-            <a:r>
-              <a:rPr lang="en-US" dirty="0"/>
-              <a:t>The information contained in this presentation is considered Confidential Information of Hewlett Packard Enterprise (HPE) and is subject to the Confidentiality terms and conditions in your HPE vendor or partner agreement</a:t>
-            </a:r>
-          </a:p>
-          <a:p>
-            <a:r>
-              <a:rPr lang="en-US" dirty="0"/>
-              <a:t>This presentation may be shared with HPE Authorized Service Providers and Channel Partners in hard-copy or electronic format for their internal training purposes only</a:t>
-            </a:r>
-          </a:p>
-          <a:p>
-            <a:r>
-              <a:rPr lang="en-US" dirty="0"/>
-              <a:t>This presentation is NOT to be used as a ‘leave behind’ for HPE external customers</a:t>
-            </a:r>
-          </a:p>
-          <a:p>
-            <a:r>
-              <a:rPr lang="en-US" dirty="0"/>
-              <a:t>The information in the presentation may only be shared verbally with HPE external customers who are under CDA and should NOT be used for commercial purposes </a:t>
-            </a:r>
-          </a:p>
-          <a:p>
-            <a:r>
-              <a:rPr lang="en-US" dirty="0"/>
-              <a:t>Do not remove any classification labels, warnings or disclaimers on any slide or modify this presentation to change the classification level</a:t>
-            </a:r>
-          </a:p>
-          <a:p>
-            <a:r>
-              <a:rPr lang="en-US" dirty="0"/>
-              <a:t>Do not remove this slide from the presentation</a:t>
-            </a:r>
-          </a:p>
-          <a:p>
-            <a:r>
-              <a:rPr lang="en-US" dirty="0"/>
-              <a:t>HPE does not warrant or represent that it will introduce any product to which the information relates</a:t>
-            </a:r>
-          </a:p>
-          <a:p>
-            <a:r>
-              <a:rPr lang="en-US" dirty="0"/>
-              <a:t>The information contained herein is subject to change without notice</a:t>
-            </a:r>
-          </a:p>
-          <a:p>
-            <a:r>
-              <a:rPr lang="en-US" dirty="0"/>
-              <a:t>HPE makes no warranties regarding the accuracy of this information</a:t>
-            </a:r>
-          </a:p>
-          <a:p>
-            <a:r>
-              <a:rPr lang="en-US" dirty="0"/>
-              <a:t>The only warranties for HPE products and services are set forth in the express warranty statements accompanying such products and services</a:t>
-            </a:r>
-          </a:p>
-          <a:p>
-            <a:r>
-              <a:rPr lang="en-US" dirty="0"/>
-              <a:t>Nothing herein should be construed as constituting an additional warranty</a:t>
-            </a:r>
-          </a:p>
-          <a:p>
-            <a:r>
-              <a:rPr lang="en-US" dirty="0"/>
-              <a:t>HPE shall not be liable for technical or editorial errors or omissions contained herein</a:t>
-            </a:r>
-          </a:p>
-          <a:p>
-            <a:r>
-              <a:rPr lang="en-US" dirty="0"/>
-              <a:t>Strict adherence to the HPE Standards of Business Conduct regarding this classification level is critical</a:t>
-            </a:r>
-          </a:p>
-        </p:txBody>
-      </p:sp>
-      <p:sp>
-        <p:nvSpPr>
-          <p:cNvPr id="2" name="Title"/>
-          <p:cNvSpPr txBox="1">
-            <a:spLocks noGrp="1"/>
-          </p:cNvSpPr>
-          <p:nvPr>
-            <p:ph type="title"/>
-          </p:nvPr>
-        </p:nvSpPr>
-        <p:spPr>
-          <a:xfrm>
-            <a:off x="285743" y="391852"/>
-            <a:ext cx="11498270" cy="401362"/>
-          </a:xfrm>
-        </p:spPr>
-        <p:txBody>
-          <a:bodyPr/>
-          <a:lstStyle/>
-          <a:p>
-            <a:r>
-              <a:rPr lang="en-US" dirty="0"/>
-              <a:t>Confidential Disclosure Agreement</a:t>
-            </a:r>
-          </a:p>
-        </p:txBody>
-      </p:sp>
-    </p:spTree>
-    <p:extLst>
-      <p:ext uri="{BB962C8B-B14F-4D97-AF65-F5344CB8AC3E}">
-        <p14:creationId xmlns:p14="http://schemas.microsoft.com/office/powerpoint/2010/main" val="269239753"/>
-      </p:ext>
-    </p:extLst>
-  </p:cSld>
-  <p:clrMapOvr>
-    <a:masterClrMapping/>
-  </p:clrMapOvr>
-  <mc:AlternateContent xmlns:mc="http://schemas.openxmlformats.org/markup-compatibility/2006" xmlns:p14="http://schemas.microsoft.com/office/powerpoint/2010/main">
-    <mc:Choice Requires="p14">
-      <p:transition spd="med" p14:dur="700">
-        <p:fade/>
-      </p:transition>
-    </mc:Choice>
-    <mc:Fallback xmlns="">
-      <p:transition spd="med">
-        <p:fade/>
-      </p:transition>
-    </mc:Fallback>
-  </mc:AlternateContent>
-</p:sld>
-</file>
-
 <file path=ppt/slides/slide2.xml><?xml version="1.0" encoding="utf-8"?>
 <p:sld xmlns:a="http://schemas.openxmlformats.org/drawingml/2006/main" xmlns:r="http://schemas.openxmlformats.org/officeDocument/2006/relationships" xmlns:p="http://schemas.openxmlformats.org/presentationml/2006/main">
   <p:cSld>
@@ -32840,31 +28091,6 @@
       </p:grpSpPr>
       <p:sp>
         <p:nvSpPr>
-          <p:cNvPr id="22" name="Content Placeholder 21">
-            <a:extLst>
-              <a:ext uri="{FF2B5EF4-FFF2-40B4-BE49-F238E27FC236}">
-                <a16:creationId xmlns:a16="http://schemas.microsoft.com/office/drawing/2014/main" id="{0D133FAF-811B-408A-B501-743027382189}"/>
-              </a:ext>
-            </a:extLst>
-          </p:cNvPr>
-          <p:cNvSpPr>
-            <a:spLocks noGrp="1"/>
-          </p:cNvSpPr>
-          <p:nvPr>
-            <p:ph idx="1"/>
-          </p:nvPr>
-        </p:nvSpPr>
-        <p:spPr/>
-        <p:txBody>
-          <a:bodyPr/>
-          <a:lstStyle/>
-          <a:p>
-            <a:endParaRPr lang="en-US" dirty="0"/>
-          </a:p>
-        </p:txBody>
-      </p:sp>
-      <p:sp>
-        <p:nvSpPr>
           <p:cNvPr id="21" name="Title 20">
             <a:extLst>
               <a:ext uri="{FF2B5EF4-FFF2-40B4-BE49-F238E27FC236}">
@@ -32884,14 +28110,193 @@
           <a:bodyPr/>
           <a:lstStyle/>
           <a:p>
-            <a:endParaRPr lang="en-US" dirty="0"/>
-          </a:p>
-        </p:txBody>
-      </p:sp>
+            <a:r>
+              <a:rPr lang="en-US" dirty="0"/>
+              <a:t>Speed Comparison (Simple Classification)</a:t>
+            </a:r>
+          </a:p>
+        </p:txBody>
+      </p:sp>
+      <p:pic>
+        <p:nvPicPr>
+          <p:cNvPr id="5" name="Graphic 4">
+            <a:extLst>
+              <a:ext uri="{FF2B5EF4-FFF2-40B4-BE49-F238E27FC236}">
+                <a16:creationId xmlns:a16="http://schemas.microsoft.com/office/drawing/2014/main" id="{67C75969-11E2-042E-E9BE-A5E19A09A14C}"/>
+              </a:ext>
+            </a:extLst>
+          </p:cNvPr>
+          <p:cNvPicPr>
+            <a:picLocks noChangeAspect="1"/>
+          </p:cNvPicPr>
+          <p:nvPr/>
+        </p:nvPicPr>
+        <p:blipFill>
+          <a:blip r:embed="rId2">
+            <a:extLst>
+              <a:ext uri="{28A0092B-C50C-407E-A947-70E740481C1C}">
+                <a14:useLocalDpi xmlns:a14="http://schemas.microsoft.com/office/drawing/2010/main" val="0"/>
+              </a:ext>
+              <a:ext uri="{96DAC541-7B7A-43D3-8B79-37D633B846F1}">
+                <asvg:svgBlip xmlns:asvg="http://schemas.microsoft.com/office/drawing/2016/SVG/main" r:embed="rId3"/>
+              </a:ext>
+            </a:extLst>
+          </a:blip>
+          <a:stretch>
+            <a:fillRect/>
+          </a:stretch>
+        </p:blipFill>
+        <p:spPr>
+          <a:xfrm>
+            <a:off x="6314445" y="2205465"/>
+            <a:ext cx="8465763" cy="4652535"/>
+          </a:xfrm>
+          <a:prstGeom prst="rect">
+            <a:avLst/>
+          </a:prstGeom>
+        </p:spPr>
+      </p:pic>
+      <p:pic>
+        <p:nvPicPr>
+          <p:cNvPr id="7" name="Picture 6" descr="A graph of dataset size&#10;&#10;Description automatically generated">
+            <a:extLst>
+              <a:ext uri="{FF2B5EF4-FFF2-40B4-BE49-F238E27FC236}">
+                <a16:creationId xmlns:a16="http://schemas.microsoft.com/office/drawing/2014/main" id="{0668BE0C-125B-5DCC-A63E-64F9D0A62F31}"/>
+              </a:ext>
+            </a:extLst>
+          </p:cNvPr>
+          <p:cNvPicPr>
+            <a:picLocks noChangeAspect="1"/>
+          </p:cNvPicPr>
+          <p:nvPr/>
+        </p:nvPicPr>
+        <p:blipFill>
+          <a:blip r:embed="rId4">
+            <a:extLst>
+              <a:ext uri="{28A0092B-C50C-407E-A947-70E740481C1C}">
+                <a14:useLocalDpi xmlns:a14="http://schemas.microsoft.com/office/drawing/2010/main" val="0"/>
+              </a:ext>
+            </a:extLst>
+          </a:blip>
+          <a:stretch>
+            <a:fillRect/>
+          </a:stretch>
+        </p:blipFill>
+        <p:spPr>
+          <a:xfrm>
+            <a:off x="67298" y="1342395"/>
+            <a:ext cx="6028702" cy="4557932"/>
+          </a:xfrm>
+          <a:prstGeom prst="rect">
+            <a:avLst/>
+          </a:prstGeom>
+        </p:spPr>
+      </p:pic>
+      <p:sp>
+        <p:nvSpPr>
+          <p:cNvPr id="8" name="TextBox 7">
+            <a:extLst>
+              <a:ext uri="{FF2B5EF4-FFF2-40B4-BE49-F238E27FC236}">
+                <a16:creationId xmlns:a16="http://schemas.microsoft.com/office/drawing/2014/main" id="{96EEAD66-AF11-4349-65FE-30339FEF83F3}"/>
+              </a:ext>
+            </a:extLst>
+          </p:cNvPr>
+          <p:cNvSpPr txBox="1"/>
+          <p:nvPr/>
+        </p:nvSpPr>
+        <p:spPr>
+          <a:xfrm>
+            <a:off x="6096000" y="3621361"/>
+            <a:ext cx="3515399" cy="914400"/>
+          </a:xfrm>
+          <a:prstGeom prst="rect">
+            <a:avLst/>
+          </a:prstGeom>
+          <a:noFill/>
+          <a:ln w="57150">
+            <a:noFill/>
+            <a:miter lim="800000"/>
+          </a:ln>
+        </p:spPr>
+        <p:txBody>
+          <a:bodyPr wrap="none" lIns="90000" tIns="90000" rIns="90000" bIns="90000" rtlCol="0" anchor="ctr" anchorCtr="0">
+            <a:noAutofit/>
+          </a:bodyPr>
+          <a:lstStyle/>
+          <a:p>
+            <a:pPr marL="0" indent="0" algn="ctr">
+              <a:lnSpc>
+                <a:spcPct val="90000"/>
+              </a:lnSpc>
+              <a:spcBef>
+                <a:spcPts val="400"/>
+              </a:spcBef>
+              <a:buFont typeface="MetricHPE" panose="020B0503030202060203" pitchFamily="34" charset="0"/>
+              <a:buNone/>
+            </a:pPr>
+            <a:r>
+              <a:rPr lang="en-US" dirty="0"/>
+              <a:t>Input: N samples from [0,2] x [0,2]</a:t>
+            </a:r>
+          </a:p>
+          <a:p>
+            <a:pPr marL="0" indent="0" algn="ctr">
+              <a:lnSpc>
+                <a:spcPct val="90000"/>
+              </a:lnSpc>
+              <a:spcBef>
+                <a:spcPts val="400"/>
+              </a:spcBef>
+              <a:buFont typeface="MetricHPE" panose="020B0503030202060203" pitchFamily="34" charset="0"/>
+              <a:buNone/>
+            </a:pPr>
+            <a:r>
+              <a:rPr lang="en-US" dirty="0"/>
+              <a:t>Output: 3 different categories</a:t>
+            </a:r>
+          </a:p>
+        </p:txBody>
+      </p:sp>
+      <p:pic>
+        <p:nvPicPr>
+          <p:cNvPr id="10" name="Picture 9" descr="A graph of a circle with red dots&#10;&#10;Description automatically generated">
+            <a:extLst>
+              <a:ext uri="{FF2B5EF4-FFF2-40B4-BE49-F238E27FC236}">
+                <a16:creationId xmlns:a16="http://schemas.microsoft.com/office/drawing/2014/main" id="{B01572A9-D761-FB8E-A112-8236C52A10FE}"/>
+              </a:ext>
+            </a:extLst>
+          </p:cNvPr>
+          <p:cNvPicPr>
+            <a:picLocks noChangeAspect="1"/>
+          </p:cNvPicPr>
+          <p:nvPr/>
+        </p:nvPicPr>
+        <p:blipFill>
+          <a:blip r:embed="rId5">
+            <a:extLst>
+              <a:ext uri="{28A0092B-C50C-407E-A947-70E740481C1C}">
+                <a14:useLocalDpi xmlns:a14="http://schemas.microsoft.com/office/drawing/2010/main" val="0"/>
+              </a:ext>
+            </a:extLst>
+          </a:blip>
+          <a:stretch>
+            <a:fillRect/>
+          </a:stretch>
+        </p:blipFill>
+        <p:spPr>
+          <a:xfrm>
+            <a:off x="6532890" y="391852"/>
+            <a:ext cx="3204938" cy="3173671"/>
+          </a:xfrm>
+          <a:prstGeom prst="rect">
+            <a:avLst/>
+          </a:prstGeom>
+        </p:spPr>
+      </p:pic>
     </p:spTree>
     <p:extLst>
       <p:ext uri="{BB962C8B-B14F-4D97-AF65-F5344CB8AC3E}">
-        <p14:creationId xmlns:p14="http://schemas.microsoft.com/office/powerpoint/2010/main" val="1656859937"/>
+        <p14:creationId xmlns:p14="http://schemas.microsoft.com/office/powerpoint/2010/main" val="2673369498"/>
       </p:ext>
     </p:extLst>
   </p:cSld>
@@ -32932,10 +28337,118 @@
       </p:grpSpPr>
       <p:sp>
         <p:nvSpPr>
-          <p:cNvPr id="21" name="Title 20">
+          <p:cNvPr id="2" name="Footer Placeholder 1">
             <a:extLst>
               <a:ext uri="{FF2B5EF4-FFF2-40B4-BE49-F238E27FC236}">
-                <a16:creationId xmlns:a16="http://schemas.microsoft.com/office/drawing/2014/main" id="{E22BF8A7-E37A-4DA3-B869-04D647B704C3}"/>
+                <a16:creationId xmlns:a16="http://schemas.microsoft.com/office/drawing/2014/main" id="{569B7F27-4962-1431-2D9E-6170FC70E9F7}"/>
+              </a:ext>
+            </a:extLst>
+          </p:cNvPr>
+          <p:cNvSpPr>
+            <a:spLocks noGrp="1"/>
+          </p:cNvSpPr>
+          <p:nvPr>
+            <p:ph type="ftr" sz="quarter" idx="18"/>
+          </p:nvPr>
+        </p:nvSpPr>
+        <p:spPr/>
+        <p:txBody>
+          <a:bodyPr/>
+          <a:lstStyle/>
+          <a:p>
+            <a:r>
+              <a:rPr lang="en-US"/>
+              <a:t>Confidential | Authorized</a:t>
+            </a:r>
+            <a:endParaRPr lang="en-US" dirty="0"/>
+          </a:p>
+        </p:txBody>
+      </p:sp>
+      <p:sp>
+        <p:nvSpPr>
+          <p:cNvPr id="3" name="Slide Number Placeholder 2">
+            <a:extLst>
+              <a:ext uri="{FF2B5EF4-FFF2-40B4-BE49-F238E27FC236}">
+                <a16:creationId xmlns:a16="http://schemas.microsoft.com/office/drawing/2014/main" id="{C379C00B-CC6B-CEC7-334C-C72E3D6BC58C}"/>
+              </a:ext>
+            </a:extLst>
+          </p:cNvPr>
+          <p:cNvSpPr>
+            <a:spLocks noGrp="1"/>
+          </p:cNvSpPr>
+          <p:nvPr>
+            <p:ph type="sldNum" sz="quarter" idx="19"/>
+          </p:nvPr>
+        </p:nvSpPr>
+        <p:spPr/>
+        <p:txBody>
+          <a:bodyPr/>
+          <a:lstStyle/>
+          <a:p>
+            <a:pPr defTabSz="1088421">
+              <a:buFontTx/>
+              <a:buBlip>
+                <a:blip r:embed="rId2"/>
+              </a:buBlip>
+            </a:pPr>
+            <a:fld id="{104FC826-72BB-4AF1-BA01-A94F7396A7DC}" type="slidenum">
+              <a:rPr lang="en-US" smtClean="0"/>
+              <a:pPr defTabSz="1088421">
+                <a:buFontTx/>
+                <a:buBlip>
+                  <a:blip r:embed="rId2"/>
+                </a:buBlip>
+              </a:pPr>
+              <a:t>7</a:t>
+            </a:fld>
+            <a:endParaRPr lang="en-US" dirty="0"/>
+          </a:p>
+        </p:txBody>
+      </p:sp>
+      <p:pic>
+        <p:nvPicPr>
+          <p:cNvPr id="7" name="Content Placeholder 6">
+            <a:extLst>
+              <a:ext uri="{FF2B5EF4-FFF2-40B4-BE49-F238E27FC236}">
+                <a16:creationId xmlns:a16="http://schemas.microsoft.com/office/drawing/2014/main" id="{C1F2E336-FE05-332C-7E5A-C2A9157A69EC}"/>
+              </a:ext>
+            </a:extLst>
+          </p:cNvPr>
+          <p:cNvPicPr>
+            <a:picLocks noGrp="1" noChangeAspect="1"/>
+          </p:cNvPicPr>
+          <p:nvPr>
+            <p:ph idx="1"/>
+          </p:nvPr>
+        </p:nvPicPr>
+        <p:blipFill>
+          <a:blip r:embed="rId3">
+            <a:extLst>
+              <a:ext uri="{28A0092B-C50C-407E-A947-70E740481C1C}">
+                <a14:useLocalDpi xmlns:a14="http://schemas.microsoft.com/office/drawing/2010/main" val="0"/>
+              </a:ext>
+              <a:ext uri="{96DAC541-7B7A-43D3-8B79-37D633B846F1}">
+                <asvg:svgBlip xmlns:asvg="http://schemas.microsoft.com/office/drawing/2016/SVG/main" r:embed="rId4"/>
+              </a:ext>
+            </a:extLst>
+          </a:blip>
+          <a:stretch>
+            <a:fillRect/>
+          </a:stretch>
+        </p:blipFill>
+        <p:spPr>
+          <a:xfrm>
+            <a:off x="1075249" y="1031875"/>
+            <a:ext cx="9431535" cy="5097462"/>
+          </a:xfrm>
+        </p:spPr>
+      </p:pic>
+      <p:sp>
+        <p:nvSpPr>
+          <p:cNvPr id="5" name="Title 4">
+            <a:extLst>
+              <a:ext uri="{FF2B5EF4-FFF2-40B4-BE49-F238E27FC236}">
+                <a16:creationId xmlns:a16="http://schemas.microsoft.com/office/drawing/2014/main" id="{BC88ECA4-435C-20CB-DB63-2572F7AE59B8}"/>
               </a:ext>
             </a:extLst>
           </p:cNvPr>
@@ -32953,191 +28466,239 @@
           <a:p>
             <a:r>
               <a:rPr lang="en-US" dirty="0"/>
-              <a:t>Speed Comparison</a:t>
-            </a:r>
-          </a:p>
-        </p:txBody>
-      </p:sp>
-      <p:pic>
-        <p:nvPicPr>
-          <p:cNvPr id="5" name="Graphic 4">
+              <a:t>Utilizing Chapel’s Parallelism Constructs</a:t>
+            </a:r>
+          </a:p>
+        </p:txBody>
+      </p:sp>
+      <p:sp>
+        <p:nvSpPr>
+          <p:cNvPr id="9" name="Rounded Rectangle 8">
             <a:extLst>
               <a:ext uri="{FF2B5EF4-FFF2-40B4-BE49-F238E27FC236}">
-                <a16:creationId xmlns:a16="http://schemas.microsoft.com/office/drawing/2014/main" id="{67C75969-11E2-042E-E9BE-A5E19A09A14C}"/>
+                <a16:creationId xmlns:a16="http://schemas.microsoft.com/office/drawing/2014/main" id="{F36B48FE-33E0-7335-568C-775649F680BB}"/>
               </a:ext>
             </a:extLst>
           </p:cNvPr>
-          <p:cNvPicPr>
-            <a:picLocks noChangeAspect="1"/>
-          </p:cNvPicPr>
+          <p:cNvSpPr/>
           <p:nvPr/>
-        </p:nvPicPr>
-        <p:blipFill>
-          <a:blip r:embed="rId2">
-            <a:extLst>
-              <a:ext uri="{28A0092B-C50C-407E-A947-70E740481C1C}">
-                <a14:useLocalDpi xmlns:a14="http://schemas.microsoft.com/office/drawing/2010/main" val="0"/>
-              </a:ext>
-              <a:ext uri="{96DAC541-7B7A-43D3-8B79-37D633B846F1}">
-                <asvg:svgBlip xmlns:asvg="http://schemas.microsoft.com/office/drawing/2016/SVG/main" r:embed="rId3"/>
-              </a:ext>
-            </a:extLst>
-          </a:blip>
-          <a:stretch>
-            <a:fillRect/>
-          </a:stretch>
-        </p:blipFill>
-        <p:spPr>
+        </p:nvSpPr>
+        <p:spPr bwMode="ltGray">
           <a:xfrm>
-            <a:off x="7440501" y="2890911"/>
-            <a:ext cx="6249533" cy="3434560"/>
+            <a:off x="3157728" y="793214"/>
+            <a:ext cx="2121408" cy="5508597"/>
           </a:xfrm>
-          <a:prstGeom prst="rect">
-            <a:avLst/>
-          </a:prstGeom>
-        </p:spPr>
-      </p:pic>
-      <p:pic>
-        <p:nvPicPr>
-          <p:cNvPr id="7" name="Picture 6" descr="A graph of dataset size&#10;&#10;Description automatically generated">
-            <a:extLst>
-              <a:ext uri="{FF2B5EF4-FFF2-40B4-BE49-F238E27FC236}">
-                <a16:creationId xmlns:a16="http://schemas.microsoft.com/office/drawing/2014/main" id="{0668BE0C-125B-5DCC-A63E-64F9D0A62F31}"/>
-              </a:ext>
-            </a:extLst>
-          </p:cNvPr>
-          <p:cNvPicPr>
-            <a:picLocks noChangeAspect="1"/>
-          </p:cNvPicPr>
-          <p:nvPr/>
-        </p:nvPicPr>
-        <p:blipFill>
-          <a:blip r:embed="rId4">
-            <a:extLst>
-              <a:ext uri="{28A0092B-C50C-407E-A947-70E740481C1C}">
-                <a14:useLocalDpi xmlns:a14="http://schemas.microsoft.com/office/drawing/2010/main" val="0"/>
-              </a:ext>
-            </a:extLst>
-          </a:blip>
-          <a:stretch>
-            <a:fillRect/>
-          </a:stretch>
-        </p:blipFill>
-        <p:spPr>
-          <a:xfrm>
-            <a:off x="285743" y="1306252"/>
-            <a:ext cx="6028702" cy="4557932"/>
-          </a:xfrm>
-          <a:prstGeom prst="rect">
-            <a:avLst/>
-          </a:prstGeom>
-        </p:spPr>
-      </p:pic>
-      <p:sp>
-        <p:nvSpPr>
-          <p:cNvPr id="8" name="TextBox 7">
-            <a:extLst>
-              <a:ext uri="{FF2B5EF4-FFF2-40B4-BE49-F238E27FC236}">
-                <a16:creationId xmlns:a16="http://schemas.microsoft.com/office/drawing/2014/main" id="{96EEAD66-AF11-4349-65FE-30339FEF83F3}"/>
-              </a:ext>
-            </a:extLst>
-          </p:cNvPr>
-          <p:cNvSpPr txBox="1"/>
-          <p:nvPr/>
-        </p:nvSpPr>
-        <p:spPr>
-          <a:xfrm>
-            <a:off x="6096000" y="4608191"/>
-            <a:ext cx="3515399" cy="914400"/>
-          </a:xfrm>
-          <a:prstGeom prst="rect">
+          <a:prstGeom prst="roundRect">
             <a:avLst/>
           </a:prstGeom>
           <a:noFill/>
           <a:ln w="57150">
-            <a:noFill/>
-            <a:miter lim="800000"/>
+            <a:solidFill>
+              <a:schemeClr val="accent1"/>
+            </a:solidFill>
           </a:ln>
         </p:spPr>
-        <p:txBody>
-          <a:bodyPr wrap="none" lIns="90000" tIns="90000" rIns="90000" bIns="90000" rtlCol="0" anchor="ctr" anchorCtr="0">
-            <a:noAutofit/>
-          </a:bodyPr>
+        <p:style>
+          <a:lnRef idx="2">
+            <a:schemeClr val="accent1">
+              <a:shade val="50000"/>
+            </a:schemeClr>
+          </a:lnRef>
+          <a:fillRef idx="1">
+            <a:schemeClr val="accent1"/>
+          </a:fillRef>
+          <a:effectRef idx="0">
+            <a:schemeClr val="accent1"/>
+          </a:effectRef>
+          <a:fontRef idx="minor">
+            <a:schemeClr val="lt1"/>
+          </a:fontRef>
+        </p:style>
+        <p:txBody>
+          <a:bodyPr tIns="91440" bIns="91440" rtlCol="0" anchor="ctr"/>
           <a:lstStyle/>
           <a:p>
-            <a:pPr marL="0" indent="0" algn="ctr">
-              <a:lnSpc>
-                <a:spcPct val="90000"/>
-              </a:lnSpc>
-              <a:spcBef>
-                <a:spcPts val="400"/>
-              </a:spcBef>
-              <a:buFont typeface="MetricHPE" panose="020B0503030202060203" pitchFamily="34" charset="0"/>
-              <a:buNone/>
-            </a:pPr>
-            <a:r>
-              <a:rPr lang="en-US" dirty="0"/>
-              <a:t>Input: N samples from [0,2] x [0,2]</a:t>
-            </a:r>
-          </a:p>
-          <a:p>
-            <a:pPr marL="0" indent="0" algn="ctr">
-              <a:lnSpc>
-                <a:spcPct val="90000"/>
-              </a:lnSpc>
-              <a:spcBef>
-                <a:spcPts val="400"/>
-              </a:spcBef>
-              <a:buFont typeface="MetricHPE" panose="020B0503030202060203" pitchFamily="34" charset="0"/>
-              <a:buNone/>
-            </a:pPr>
-            <a:r>
-              <a:rPr lang="en-US" dirty="0"/>
-              <a:t>Output: 3</a:t>
-            </a:r>
-          </a:p>
-        </p:txBody>
-      </p:sp>
-      <p:pic>
-        <p:nvPicPr>
-          <p:cNvPr id="10" name="Picture 9" descr="A graph of a circle with red dots&#10;&#10;Description automatically generated">
+            <a:pPr algn="ctr"/>
+            <a:endParaRPr lang="en-US" dirty="0" err="1">
+              <a:solidFill>
+                <a:schemeClr val="tx1"/>
+              </a:solidFill>
+            </a:endParaRPr>
+          </a:p>
+        </p:txBody>
+      </p:sp>
+      <p:sp>
+        <p:nvSpPr>
+          <p:cNvPr id="10" name="Rounded Rectangle 9">
             <a:extLst>
               <a:ext uri="{FF2B5EF4-FFF2-40B4-BE49-F238E27FC236}">
-                <a16:creationId xmlns:a16="http://schemas.microsoft.com/office/drawing/2014/main" id="{B01572A9-D761-FB8E-A112-8236C52A10FE}"/>
+                <a16:creationId xmlns:a16="http://schemas.microsoft.com/office/drawing/2014/main" id="{1FEFBF13-27B1-4640-4CD0-D83F93FA4F39}"/>
               </a:ext>
             </a:extLst>
           </p:cNvPr>
-          <p:cNvPicPr>
-            <a:picLocks noChangeAspect="1"/>
-          </p:cNvPicPr>
+          <p:cNvSpPr/>
           <p:nvPr/>
-        </p:nvPicPr>
-        <p:blipFill>
-          <a:blip r:embed="rId5">
+        </p:nvSpPr>
+        <p:spPr bwMode="ltGray">
+          <a:xfrm>
+            <a:off x="5443728" y="826530"/>
+            <a:ext cx="2298192" cy="5508597"/>
+          </a:xfrm>
+          <a:prstGeom prst="roundRect">
+            <a:avLst/>
+          </a:prstGeom>
+          <a:noFill/>
+          <a:ln w="57150">
+            <a:solidFill>
+              <a:schemeClr val="accent1"/>
+            </a:solidFill>
+          </a:ln>
+        </p:spPr>
+        <p:style>
+          <a:lnRef idx="2">
+            <a:schemeClr val="accent1">
+              <a:shade val="50000"/>
+            </a:schemeClr>
+          </a:lnRef>
+          <a:fillRef idx="1">
+            <a:schemeClr val="accent1"/>
+          </a:fillRef>
+          <a:effectRef idx="0">
+            <a:schemeClr val="accent1"/>
+          </a:effectRef>
+          <a:fontRef idx="minor">
+            <a:schemeClr val="lt1"/>
+          </a:fontRef>
+        </p:style>
+        <p:txBody>
+          <a:bodyPr tIns="91440" bIns="91440" rtlCol="0" anchor="ctr"/>
+          <a:lstStyle/>
+          <a:p>
+            <a:pPr algn="ctr"/>
+            <a:endParaRPr lang="en-US" dirty="0" err="1">
+              <a:solidFill>
+                <a:schemeClr val="tx1"/>
+              </a:solidFill>
+            </a:endParaRPr>
+          </a:p>
+        </p:txBody>
+      </p:sp>
+      <p:sp>
+        <p:nvSpPr>
+          <p:cNvPr id="11" name="Rounded Rectangle 10">
             <a:extLst>
-              <a:ext uri="{28A0092B-C50C-407E-A947-70E740481C1C}">
-                <a14:useLocalDpi xmlns:a14="http://schemas.microsoft.com/office/drawing/2010/main" val="0"/>
+              <a:ext uri="{FF2B5EF4-FFF2-40B4-BE49-F238E27FC236}">
+                <a16:creationId xmlns:a16="http://schemas.microsoft.com/office/drawing/2014/main" id="{7A9CD804-9D1B-303C-7ACD-DD867AEA39FF}"/>
               </a:ext>
             </a:extLst>
-          </a:blip>
-          <a:stretch>
-            <a:fillRect/>
-          </a:stretch>
-        </p:blipFill>
-        <p:spPr>
+          </p:cNvPr>
+          <p:cNvSpPr/>
+          <p:nvPr/>
+        </p:nvSpPr>
+        <p:spPr bwMode="ltGray">
           <a:xfrm>
-            <a:off x="6967762" y="1135162"/>
-            <a:ext cx="2664622" cy="2638626"/>
+            <a:off x="7522464" y="826307"/>
+            <a:ext cx="1511808" cy="5508597"/>
           </a:xfrm>
-          <a:prstGeom prst="rect">
+          <a:prstGeom prst="roundRect">
             <a:avLst/>
           </a:prstGeom>
+          <a:noFill/>
+          <a:ln w="57150">
+            <a:solidFill>
+              <a:schemeClr val="accent1"/>
+            </a:solidFill>
+          </a:ln>
         </p:spPr>
-      </p:pic>
+        <p:style>
+          <a:lnRef idx="2">
+            <a:schemeClr val="accent1">
+              <a:shade val="50000"/>
+            </a:schemeClr>
+          </a:lnRef>
+          <a:fillRef idx="1">
+            <a:schemeClr val="accent1"/>
+          </a:fillRef>
+          <a:effectRef idx="0">
+            <a:schemeClr val="accent1"/>
+          </a:effectRef>
+          <a:fontRef idx="minor">
+            <a:schemeClr val="lt1"/>
+          </a:fontRef>
+        </p:style>
+        <p:txBody>
+          <a:bodyPr tIns="91440" bIns="91440" rtlCol="0" anchor="ctr"/>
+          <a:lstStyle/>
+          <a:p>
+            <a:pPr algn="ctr"/>
+            <a:endParaRPr lang="en-US" dirty="0" err="1">
+              <a:solidFill>
+                <a:schemeClr val="tx1"/>
+              </a:solidFill>
+            </a:endParaRPr>
+          </a:p>
+        </p:txBody>
+      </p:sp>
+      <p:sp>
+        <p:nvSpPr>
+          <p:cNvPr id="12" name="Rounded Rectangle 11">
+            <a:extLst>
+              <a:ext uri="{FF2B5EF4-FFF2-40B4-BE49-F238E27FC236}">
+                <a16:creationId xmlns:a16="http://schemas.microsoft.com/office/drawing/2014/main" id="{04DE318B-7BB3-996B-C373-29B048A2F076}"/>
+              </a:ext>
+            </a:extLst>
+          </p:cNvPr>
+          <p:cNvSpPr/>
+          <p:nvPr/>
+        </p:nvSpPr>
+        <p:spPr bwMode="ltGray">
+          <a:xfrm>
+            <a:off x="8904664" y="859400"/>
+            <a:ext cx="1602120" cy="5508597"/>
+          </a:xfrm>
+          <a:prstGeom prst="roundRect">
+            <a:avLst/>
+          </a:prstGeom>
+          <a:noFill/>
+          <a:ln w="57150">
+            <a:solidFill>
+              <a:schemeClr val="accent1"/>
+            </a:solidFill>
+          </a:ln>
+        </p:spPr>
+        <p:style>
+          <a:lnRef idx="2">
+            <a:schemeClr val="accent1">
+              <a:shade val="50000"/>
+            </a:schemeClr>
+          </a:lnRef>
+          <a:fillRef idx="1">
+            <a:schemeClr val="accent1"/>
+          </a:fillRef>
+          <a:effectRef idx="0">
+            <a:schemeClr val="accent1"/>
+          </a:effectRef>
+          <a:fontRef idx="minor">
+            <a:schemeClr val="lt1"/>
+          </a:fontRef>
+        </p:style>
+        <p:txBody>
+          <a:bodyPr tIns="91440" bIns="91440" rtlCol="0" anchor="ctr"/>
+          <a:lstStyle/>
+          <a:p>
+            <a:pPr algn="ctr"/>
+            <a:endParaRPr lang="en-US" dirty="0" err="1">
+              <a:solidFill>
+                <a:schemeClr val="tx1"/>
+              </a:solidFill>
+            </a:endParaRPr>
+          </a:p>
+        </p:txBody>
+      </p:sp>
     </p:spTree>
     <p:extLst>
       <p:ext uri="{BB962C8B-B14F-4D97-AF65-F5344CB8AC3E}">
-        <p14:creationId xmlns:p14="http://schemas.microsoft.com/office/powerpoint/2010/main" val="2673369498"/>
+        <p14:creationId xmlns:p14="http://schemas.microsoft.com/office/powerpoint/2010/main" val="1027702064"/>
       </p:ext>
     </p:extLst>
   </p:cSld>
@@ -33156,6 +28717,438 @@
       </p:transition>
     </mc:Fallback>
   </mc:AlternateContent>
+  <p:timing>
+    <p:tnLst>
+      <p:par>
+        <p:cTn id="1" dur="indefinite" restart="never" nodeType="tmRoot">
+          <p:childTnLst>
+            <p:seq concurrent="1" nextAc="seek">
+              <p:cTn id="2" dur="indefinite" nodeType="mainSeq">
+                <p:childTnLst>
+                  <p:par>
+                    <p:cTn id="3" fill="hold">
+                      <p:stCondLst>
+                        <p:cond delay="indefinite"/>
+                      </p:stCondLst>
+                      <p:childTnLst>
+                        <p:par>
+                          <p:cTn id="4" fill="hold">
+                            <p:stCondLst>
+                              <p:cond delay="0"/>
+                            </p:stCondLst>
+                            <p:childTnLst>
+                              <p:par>
+                                <p:cTn id="5" presetID="1" presetClass="entr" presetSubtype="0" fill="hold" grpId="0" nodeType="clickEffect">
+                                  <p:stCondLst>
+                                    <p:cond delay="0"/>
+                                  </p:stCondLst>
+                                  <p:childTnLst>
+                                    <p:set>
+                                      <p:cBhvr>
+                                        <p:cTn id="6" dur="1" fill="hold">
+                                          <p:stCondLst>
+                                            <p:cond delay="0"/>
+                                          </p:stCondLst>
+                                        </p:cTn>
+                                        <p:tgtEl>
+                                          <p:spTgt spid="9"/>
+                                        </p:tgtEl>
+                                        <p:attrNameLst>
+                                          <p:attrName>style.visibility</p:attrName>
+                                        </p:attrNameLst>
+                                      </p:cBhvr>
+                                      <p:to>
+                                        <p:strVal val="visible"/>
+                                      </p:to>
+                                    </p:set>
+                                  </p:childTnLst>
+                                </p:cTn>
+                              </p:par>
+                            </p:childTnLst>
+                          </p:cTn>
+                        </p:par>
+                      </p:childTnLst>
+                    </p:cTn>
+                  </p:par>
+                  <p:par>
+                    <p:cTn id="7" fill="hold">
+                      <p:stCondLst>
+                        <p:cond delay="indefinite"/>
+                      </p:stCondLst>
+                      <p:childTnLst>
+                        <p:par>
+                          <p:cTn id="8" fill="hold">
+                            <p:stCondLst>
+                              <p:cond delay="0"/>
+                            </p:stCondLst>
+                            <p:childTnLst>
+                              <p:par>
+                                <p:cTn id="9" presetID="10" presetClass="exit" presetSubtype="0" fill="hold" grpId="1" nodeType="clickEffect">
+                                  <p:stCondLst>
+                                    <p:cond delay="0"/>
+                                  </p:stCondLst>
+                                  <p:childTnLst>
+                                    <p:animEffect transition="out" filter="fade">
+                                      <p:cBhvr>
+                                        <p:cTn id="10" dur="500"/>
+                                        <p:tgtEl>
+                                          <p:spTgt spid="9"/>
+                                        </p:tgtEl>
+                                      </p:cBhvr>
+                                    </p:animEffect>
+                                    <p:set>
+                                      <p:cBhvr>
+                                        <p:cTn id="11" dur="1" fill="hold">
+                                          <p:stCondLst>
+                                            <p:cond delay="499"/>
+                                          </p:stCondLst>
+                                        </p:cTn>
+                                        <p:tgtEl>
+                                          <p:spTgt spid="9"/>
+                                        </p:tgtEl>
+                                        <p:attrNameLst>
+                                          <p:attrName>style.visibility</p:attrName>
+                                        </p:attrNameLst>
+                                      </p:cBhvr>
+                                      <p:to>
+                                        <p:strVal val="hidden"/>
+                                      </p:to>
+                                    </p:set>
+                                  </p:childTnLst>
+                                </p:cTn>
+                              </p:par>
+                            </p:childTnLst>
+                          </p:cTn>
+                        </p:par>
+                      </p:childTnLst>
+                    </p:cTn>
+                  </p:par>
+                  <p:par>
+                    <p:cTn id="12" fill="hold">
+                      <p:stCondLst>
+                        <p:cond delay="indefinite"/>
+                      </p:stCondLst>
+                      <p:childTnLst>
+                        <p:par>
+                          <p:cTn id="13" fill="hold">
+                            <p:stCondLst>
+                              <p:cond delay="0"/>
+                            </p:stCondLst>
+                            <p:childTnLst>
+                              <p:par>
+                                <p:cTn id="14" presetID="1" presetClass="entr" presetSubtype="0" fill="hold" grpId="1" nodeType="clickEffect">
+                                  <p:stCondLst>
+                                    <p:cond delay="0"/>
+                                  </p:stCondLst>
+                                  <p:childTnLst>
+                                    <p:set>
+                                      <p:cBhvr>
+                                        <p:cTn id="15" dur="1" fill="hold">
+                                          <p:stCondLst>
+                                            <p:cond delay="0"/>
+                                          </p:stCondLst>
+                                        </p:cTn>
+                                        <p:tgtEl>
+                                          <p:spTgt spid="10"/>
+                                        </p:tgtEl>
+                                        <p:attrNameLst>
+                                          <p:attrName>style.visibility</p:attrName>
+                                        </p:attrNameLst>
+                                      </p:cBhvr>
+                                      <p:to>
+                                        <p:strVal val="visible"/>
+                                      </p:to>
+                                    </p:set>
+                                  </p:childTnLst>
+                                </p:cTn>
+                              </p:par>
+                            </p:childTnLst>
+                          </p:cTn>
+                        </p:par>
+                      </p:childTnLst>
+                    </p:cTn>
+                  </p:par>
+                  <p:par>
+                    <p:cTn id="16" fill="hold">
+                      <p:stCondLst>
+                        <p:cond delay="indefinite"/>
+                      </p:stCondLst>
+                      <p:childTnLst>
+                        <p:par>
+                          <p:cTn id="17" fill="hold">
+                            <p:stCondLst>
+                              <p:cond delay="0"/>
+                            </p:stCondLst>
+                            <p:childTnLst>
+                              <p:par>
+                                <p:cTn id="18" presetID="10" presetClass="exit" presetSubtype="0" fill="hold" grpId="0" nodeType="clickEffect">
+                                  <p:stCondLst>
+                                    <p:cond delay="0"/>
+                                  </p:stCondLst>
+                                  <p:childTnLst>
+                                    <p:animEffect transition="out" filter="fade">
+                                      <p:cBhvr>
+                                        <p:cTn id="19" dur="500"/>
+                                        <p:tgtEl>
+                                          <p:spTgt spid="10"/>
+                                        </p:tgtEl>
+                                      </p:cBhvr>
+                                    </p:animEffect>
+                                    <p:set>
+                                      <p:cBhvr>
+                                        <p:cTn id="20" dur="1" fill="hold">
+                                          <p:stCondLst>
+                                            <p:cond delay="499"/>
+                                          </p:stCondLst>
+                                        </p:cTn>
+                                        <p:tgtEl>
+                                          <p:spTgt spid="10"/>
+                                        </p:tgtEl>
+                                        <p:attrNameLst>
+                                          <p:attrName>style.visibility</p:attrName>
+                                        </p:attrNameLst>
+                                      </p:cBhvr>
+                                      <p:to>
+                                        <p:strVal val="hidden"/>
+                                      </p:to>
+                                    </p:set>
+                                  </p:childTnLst>
+                                </p:cTn>
+                              </p:par>
+                            </p:childTnLst>
+                          </p:cTn>
+                        </p:par>
+                      </p:childTnLst>
+                    </p:cTn>
+                  </p:par>
+                  <p:par>
+                    <p:cTn id="21" fill="hold">
+                      <p:stCondLst>
+                        <p:cond delay="indefinite"/>
+                      </p:stCondLst>
+                      <p:childTnLst>
+                        <p:par>
+                          <p:cTn id="22" fill="hold">
+                            <p:stCondLst>
+                              <p:cond delay="0"/>
+                            </p:stCondLst>
+                            <p:childTnLst>
+                              <p:par>
+                                <p:cTn id="23" presetID="1" presetClass="entr" presetSubtype="0" fill="hold" grpId="1" nodeType="clickEffect">
+                                  <p:stCondLst>
+                                    <p:cond delay="0"/>
+                                  </p:stCondLst>
+                                  <p:childTnLst>
+                                    <p:set>
+                                      <p:cBhvr>
+                                        <p:cTn id="24" dur="1" fill="hold">
+                                          <p:stCondLst>
+                                            <p:cond delay="0"/>
+                                          </p:stCondLst>
+                                        </p:cTn>
+                                        <p:tgtEl>
+                                          <p:spTgt spid="11"/>
+                                        </p:tgtEl>
+                                        <p:attrNameLst>
+                                          <p:attrName>style.visibility</p:attrName>
+                                        </p:attrNameLst>
+                                      </p:cBhvr>
+                                      <p:to>
+                                        <p:strVal val="visible"/>
+                                      </p:to>
+                                    </p:set>
+                                  </p:childTnLst>
+                                </p:cTn>
+                              </p:par>
+                            </p:childTnLst>
+                          </p:cTn>
+                        </p:par>
+                      </p:childTnLst>
+                    </p:cTn>
+                  </p:par>
+                  <p:par>
+                    <p:cTn id="25" fill="hold">
+                      <p:stCondLst>
+                        <p:cond delay="indefinite"/>
+                      </p:stCondLst>
+                      <p:childTnLst>
+                        <p:par>
+                          <p:cTn id="26" fill="hold">
+                            <p:stCondLst>
+                              <p:cond delay="0"/>
+                            </p:stCondLst>
+                            <p:childTnLst>
+                              <p:par>
+                                <p:cTn id="27" presetID="10" presetClass="exit" presetSubtype="0" fill="hold" grpId="0" nodeType="clickEffect">
+                                  <p:stCondLst>
+                                    <p:cond delay="0"/>
+                                  </p:stCondLst>
+                                  <p:childTnLst>
+                                    <p:animEffect transition="out" filter="fade">
+                                      <p:cBhvr>
+                                        <p:cTn id="28" dur="500"/>
+                                        <p:tgtEl>
+                                          <p:spTgt spid="11"/>
+                                        </p:tgtEl>
+                                      </p:cBhvr>
+                                    </p:animEffect>
+                                    <p:set>
+                                      <p:cBhvr>
+                                        <p:cTn id="29" dur="1" fill="hold">
+                                          <p:stCondLst>
+                                            <p:cond delay="499"/>
+                                          </p:stCondLst>
+                                        </p:cTn>
+                                        <p:tgtEl>
+                                          <p:spTgt spid="11"/>
+                                        </p:tgtEl>
+                                        <p:attrNameLst>
+                                          <p:attrName>style.visibility</p:attrName>
+                                        </p:attrNameLst>
+                                      </p:cBhvr>
+                                      <p:to>
+                                        <p:strVal val="hidden"/>
+                                      </p:to>
+                                    </p:set>
+                                  </p:childTnLst>
+                                </p:cTn>
+                              </p:par>
+                            </p:childTnLst>
+                          </p:cTn>
+                        </p:par>
+                      </p:childTnLst>
+                    </p:cTn>
+                  </p:par>
+                  <p:par>
+                    <p:cTn id="30" fill="hold">
+                      <p:stCondLst>
+                        <p:cond delay="indefinite"/>
+                      </p:stCondLst>
+                      <p:childTnLst>
+                        <p:par>
+                          <p:cTn id="31" fill="hold">
+                            <p:stCondLst>
+                              <p:cond delay="0"/>
+                            </p:stCondLst>
+                            <p:childTnLst>
+                              <p:par>
+                                <p:cTn id="32" presetID="1" presetClass="entr" presetSubtype="0" fill="hold" grpId="0" nodeType="clickEffect">
+                                  <p:stCondLst>
+                                    <p:cond delay="0"/>
+                                  </p:stCondLst>
+                                  <p:childTnLst>
+                                    <p:set>
+                                      <p:cBhvr>
+                                        <p:cTn id="33" dur="1" fill="hold">
+                                          <p:stCondLst>
+                                            <p:cond delay="0"/>
+                                          </p:stCondLst>
+                                        </p:cTn>
+                                        <p:tgtEl>
+                                          <p:spTgt spid="12"/>
+                                        </p:tgtEl>
+                                        <p:attrNameLst>
+                                          <p:attrName>style.visibility</p:attrName>
+                                        </p:attrNameLst>
+                                      </p:cBhvr>
+                                      <p:to>
+                                        <p:strVal val="visible"/>
+                                      </p:to>
+                                    </p:set>
+                                  </p:childTnLst>
+                                </p:cTn>
+                              </p:par>
+                            </p:childTnLst>
+                          </p:cTn>
+                        </p:par>
+                      </p:childTnLst>
+                    </p:cTn>
+                  </p:par>
+                  <p:par>
+                    <p:cTn id="34" fill="hold">
+                      <p:stCondLst>
+                        <p:cond delay="indefinite"/>
+                      </p:stCondLst>
+                      <p:childTnLst>
+                        <p:par>
+                          <p:cTn id="35" fill="hold">
+                            <p:stCondLst>
+                              <p:cond delay="0"/>
+                            </p:stCondLst>
+                            <p:childTnLst>
+                              <p:par>
+                                <p:cTn id="36" presetID="10" presetClass="exit" presetSubtype="0" fill="hold" grpId="1" nodeType="clickEffect">
+                                  <p:stCondLst>
+                                    <p:cond delay="0"/>
+                                  </p:stCondLst>
+                                  <p:childTnLst>
+                                    <p:animEffect transition="out" filter="fade">
+                                      <p:cBhvr>
+                                        <p:cTn id="37" dur="500"/>
+                                        <p:tgtEl>
+                                          <p:spTgt spid="12"/>
+                                        </p:tgtEl>
+                                      </p:cBhvr>
+                                    </p:animEffect>
+                                    <p:set>
+                                      <p:cBhvr>
+                                        <p:cTn id="38" dur="1" fill="hold">
+                                          <p:stCondLst>
+                                            <p:cond delay="499"/>
+                                          </p:stCondLst>
+                                        </p:cTn>
+                                        <p:tgtEl>
+                                          <p:spTgt spid="12"/>
+                                        </p:tgtEl>
+                                        <p:attrNameLst>
+                                          <p:attrName>style.visibility</p:attrName>
+                                        </p:attrNameLst>
+                                      </p:cBhvr>
+                                      <p:to>
+                                        <p:strVal val="hidden"/>
+                                      </p:to>
+                                    </p:set>
+                                  </p:childTnLst>
+                                </p:cTn>
+                              </p:par>
+                            </p:childTnLst>
+                          </p:cTn>
+                        </p:par>
+                      </p:childTnLst>
+                    </p:cTn>
+                  </p:par>
+                </p:childTnLst>
+              </p:cTn>
+              <p:prevCondLst>
+                <p:cond evt="onPrev" delay="0">
+                  <p:tgtEl>
+                    <p:sldTgt/>
+                  </p:tgtEl>
+                </p:cond>
+              </p:prevCondLst>
+              <p:nextCondLst>
+                <p:cond evt="onNext" delay="0">
+                  <p:tgtEl>
+                    <p:sldTgt/>
+                  </p:tgtEl>
+                </p:cond>
+              </p:nextCondLst>
+            </p:seq>
+          </p:childTnLst>
+        </p:cTn>
+      </p:par>
+    </p:tnLst>
+    <p:bldLst>
+      <p:bldP spid="9" grpId="0" animBg="1"/>
+      <p:bldP spid="9" grpId="1" animBg="1"/>
+      <p:bldP spid="10" grpId="0" animBg="1"/>
+      <p:bldP spid="10" grpId="1" animBg="1"/>
+      <p:bldP spid="11" grpId="0" animBg="1"/>
+      <p:bldP spid="11" grpId="1" animBg="1"/>
+      <p:bldP spid="12" grpId="0" animBg="1"/>
+      <p:bldP spid="12" grpId="1" animBg="1"/>
+    </p:bldLst>
+  </p:timing>
 </p:sld>
 </file>
 
@@ -33176,31 +29169,43 @@
           <a:chExt cx="0" cy="0"/>
         </a:xfrm>
       </p:grpSpPr>
-      <p:sp>
-        <p:nvSpPr>
-          <p:cNvPr id="22" name="Content Placeholder 21">
+      <p:pic>
+        <p:nvPicPr>
+          <p:cNvPr id="3" name="Content Placeholder 2">
             <a:extLst>
               <a:ext uri="{FF2B5EF4-FFF2-40B4-BE49-F238E27FC236}">
-                <a16:creationId xmlns:a16="http://schemas.microsoft.com/office/drawing/2014/main" id="{0D133FAF-811B-408A-B501-743027382189}"/>
+                <a16:creationId xmlns:a16="http://schemas.microsoft.com/office/drawing/2014/main" id="{1CE18448-2D47-CACD-7EBF-5E2A512A264A}"/>
               </a:ext>
             </a:extLst>
           </p:cNvPr>
-          <p:cNvSpPr>
-            <a:spLocks noGrp="1"/>
-          </p:cNvSpPr>
+          <p:cNvPicPr>
+            <a:picLocks noGrp="1" noChangeAspect="1"/>
+          </p:cNvPicPr>
           <p:nvPr>
             <p:ph idx="1"/>
           </p:nvPr>
-        </p:nvSpPr>
-        <p:spPr/>
-        <p:txBody>
-          <a:bodyPr/>
-          <a:lstStyle/>
-          <a:p>
-            <a:endParaRPr lang="en-US" dirty="0"/>
-          </a:p>
-        </p:txBody>
-      </p:sp>
+        </p:nvPicPr>
+        <p:blipFill rotWithShape="1">
+          <a:blip r:embed="rId2">
+            <a:extLst>
+              <a:ext uri="{28A0092B-C50C-407E-A947-70E740481C1C}">
+                <a14:useLocalDpi xmlns:a14="http://schemas.microsoft.com/office/drawing/2010/main" val="0"/>
+              </a:ext>
+              <a:ext uri="{96DAC541-7B7A-43D3-8B79-37D633B846F1}">
+                <asvg:svgBlip xmlns:asvg="http://schemas.microsoft.com/office/drawing/2016/SVG/main" r:embed="rId3"/>
+              </a:ext>
+            </a:extLst>
+          </a:blip>
+          <a:srcRect l="32465" t="18812" r="12081" b="14735"/>
+          <a:stretch/>
+        </p:blipFill>
+        <p:spPr>
+          <a:xfrm>
+            <a:off x="6463146" y="1205346"/>
+            <a:ext cx="5143500" cy="3387436"/>
+          </a:xfrm>
+        </p:spPr>
+      </p:pic>
       <p:sp>
         <p:nvSpPr>
           <p:cNvPr id="21" name="Title 20">
@@ -33222,10 +29227,225 @@
           <a:bodyPr/>
           <a:lstStyle/>
           <a:p>
-            <a:endParaRPr lang="en-US" dirty="0"/>
-          </a:p>
-        </p:txBody>
-      </p:sp>
+            <a:r>
+              <a:rPr lang="en-US" dirty="0"/>
+              <a:t>Speed Comparison (MNIST Classification)</a:t>
+            </a:r>
+          </a:p>
+        </p:txBody>
+      </p:sp>
+      <p:grpSp>
+        <p:nvGrpSpPr>
+          <p:cNvPr id="9" name="Group 8">
+            <a:extLst>
+              <a:ext uri="{FF2B5EF4-FFF2-40B4-BE49-F238E27FC236}">
+                <a16:creationId xmlns:a16="http://schemas.microsoft.com/office/drawing/2014/main" id="{2C6F66A9-D9A7-5858-2777-60A4180E344C}"/>
+              </a:ext>
+            </a:extLst>
+          </p:cNvPr>
+          <p:cNvGrpSpPr/>
+          <p:nvPr/>
+        </p:nvGrpSpPr>
+        <p:grpSpPr>
+          <a:xfrm>
+            <a:off x="4611865" y="793214"/>
+            <a:ext cx="2968270" cy="1835686"/>
+            <a:chOff x="3629207" y="823412"/>
+            <a:chExt cx="2968270" cy="1835686"/>
+          </a:xfrm>
+        </p:grpSpPr>
+        <p:grpSp>
+          <p:nvGrpSpPr>
+            <p:cNvPr id="7" name="Group 6">
+              <a:extLst>
+                <a:ext uri="{FF2B5EF4-FFF2-40B4-BE49-F238E27FC236}">
+                  <a16:creationId xmlns:a16="http://schemas.microsoft.com/office/drawing/2014/main" id="{CFCC4B76-CC7C-4721-7CFD-7ECD26C49F3F}"/>
+                </a:ext>
+              </a:extLst>
+            </p:cNvPr>
+            <p:cNvGrpSpPr/>
+            <p:nvPr/>
+          </p:nvGrpSpPr>
+          <p:grpSpPr>
+            <a:xfrm>
+              <a:off x="3629207" y="823412"/>
+              <a:ext cx="2968270" cy="891088"/>
+              <a:chOff x="3629207" y="823412"/>
+              <a:chExt cx="2968270" cy="891088"/>
+            </a:xfrm>
+          </p:grpSpPr>
+          <p:pic>
+            <p:nvPicPr>
+              <p:cNvPr id="4" name="Picture 3" descr="A white letter l on a black background&#10;&#10;Description automatically generated">
+                <a:extLst>
+                  <a:ext uri="{FF2B5EF4-FFF2-40B4-BE49-F238E27FC236}">
+                    <a16:creationId xmlns:a16="http://schemas.microsoft.com/office/drawing/2014/main" id="{661FFF21-BAEF-833D-4E53-1EE91883168E}"/>
+                  </a:ext>
+                </a:extLst>
+              </p:cNvPr>
+              <p:cNvPicPr>
+                <a:picLocks noChangeAspect="1"/>
+              </p:cNvPicPr>
+              <p:nvPr/>
+            </p:nvPicPr>
+            <p:blipFill>
+              <a:blip r:embed="rId4">
+                <a:extLst>
+                  <a:ext uri="{28A0092B-C50C-407E-A947-70E740481C1C}">
+                    <a14:useLocalDpi xmlns:a14="http://schemas.microsoft.com/office/drawing/2010/main" val="0"/>
+                  </a:ext>
+                </a:extLst>
+              </a:blip>
+              <a:stretch>
+                <a:fillRect/>
+              </a:stretch>
+            </p:blipFill>
+            <p:spPr>
+              <a:xfrm>
+                <a:off x="5728855" y="823414"/>
+                <a:ext cx="868622" cy="891086"/>
+              </a:xfrm>
+              <a:prstGeom prst="rect">
+                <a:avLst/>
+              </a:prstGeom>
+            </p:spPr>
+          </p:pic>
+          <p:pic>
+            <p:nvPicPr>
+              <p:cNvPr id="5" name="Picture 4" descr="A white lightning bolt on a black background&#10;&#10;Description automatically generated">
+                <a:extLst>
+                  <a:ext uri="{FF2B5EF4-FFF2-40B4-BE49-F238E27FC236}">
+                    <a16:creationId xmlns:a16="http://schemas.microsoft.com/office/drawing/2014/main" id="{4393870F-B755-0A5E-AE0E-03F1B32584F2}"/>
+                  </a:ext>
+                </a:extLst>
+              </p:cNvPr>
+              <p:cNvPicPr>
+                <a:picLocks noChangeAspect="1"/>
+              </p:cNvPicPr>
+              <p:nvPr/>
+            </p:nvPicPr>
+            <p:blipFill>
+              <a:blip r:embed="rId5">
+                <a:extLst>
+                  <a:ext uri="{28A0092B-C50C-407E-A947-70E740481C1C}">
+                    <a14:useLocalDpi xmlns:a14="http://schemas.microsoft.com/office/drawing/2010/main" val="0"/>
+                  </a:ext>
+                </a:extLst>
+              </a:blip>
+              <a:stretch>
+                <a:fillRect/>
+              </a:stretch>
+            </p:blipFill>
+            <p:spPr>
+              <a:xfrm>
+                <a:off x="4463258" y="823412"/>
+                <a:ext cx="898452" cy="891088"/>
+              </a:xfrm>
+              <a:prstGeom prst="rect">
+                <a:avLst/>
+              </a:prstGeom>
+            </p:spPr>
+          </p:pic>
+          <p:sp>
+            <p:nvSpPr>
+              <p:cNvPr id="6" name="TextBox 5">
+                <a:extLst>
+                  <a:ext uri="{FF2B5EF4-FFF2-40B4-BE49-F238E27FC236}">
+                    <a16:creationId xmlns:a16="http://schemas.microsoft.com/office/drawing/2014/main" id="{D1586C1B-6A99-8611-EC71-941358927AD1}"/>
+                  </a:ext>
+                </a:extLst>
+              </p:cNvPr>
+              <p:cNvSpPr txBox="1"/>
+              <p:nvPr/>
+            </p:nvSpPr>
+            <p:spPr>
+              <a:xfrm>
+                <a:off x="3629207" y="1184564"/>
+                <a:ext cx="566667" cy="401362"/>
+              </a:xfrm>
+              <a:prstGeom prst="rect">
+                <a:avLst/>
+              </a:prstGeom>
+              <a:noFill/>
+              <a:ln w="57150">
+                <a:noFill/>
+                <a:miter lim="800000"/>
+              </a:ln>
+            </p:spPr>
+            <p:txBody>
+              <a:bodyPr wrap="none" lIns="90000" tIns="90000" rIns="90000" bIns="90000" rtlCol="0" anchor="ctr" anchorCtr="0">
+                <a:noAutofit/>
+              </a:bodyPr>
+              <a:lstStyle/>
+              <a:p>
+                <a:pPr marL="0" indent="0" algn="ctr">
+                  <a:lnSpc>
+                    <a:spcPct val="90000"/>
+                  </a:lnSpc>
+                  <a:spcBef>
+                    <a:spcPts val="400"/>
+                  </a:spcBef>
+                  <a:buFont typeface="MetricHPE" panose="020B0503030202060203" pitchFamily="34" charset="0"/>
+                  <a:buNone/>
+                </a:pPr>
+                <a:r>
+                  <a:rPr lang="en-US" dirty="0"/>
+                  <a:t>Input: </a:t>
+                </a:r>
+              </a:p>
+            </p:txBody>
+          </p:sp>
+        </p:grpSp>
+        <p:sp>
+          <p:nvSpPr>
+            <p:cNvPr id="8" name="TextBox 7">
+              <a:extLst>
+                <a:ext uri="{FF2B5EF4-FFF2-40B4-BE49-F238E27FC236}">
+                  <a16:creationId xmlns:a16="http://schemas.microsoft.com/office/drawing/2014/main" id="{7A1B5ECE-8692-A1D4-E998-7E42038B11D9}"/>
+                </a:ext>
+              </a:extLst>
+            </p:cNvPr>
+            <p:cNvSpPr txBox="1"/>
+            <p:nvPr/>
+          </p:nvSpPr>
+          <p:spPr>
+            <a:xfrm>
+              <a:off x="3962079" y="1744698"/>
+              <a:ext cx="914400" cy="914400"/>
+            </a:xfrm>
+            <a:prstGeom prst="rect">
+              <a:avLst/>
+            </a:prstGeom>
+            <a:noFill/>
+            <a:ln w="57150">
+              <a:noFill/>
+              <a:miter lim="800000"/>
+            </a:ln>
+          </p:spPr>
+          <p:txBody>
+            <a:bodyPr wrap="none" lIns="90000" tIns="90000" rIns="90000" bIns="90000" rtlCol="0" anchor="ctr" anchorCtr="0">
+              <a:noAutofit/>
+            </a:bodyPr>
+            <a:lstStyle/>
+            <a:p>
+              <a:pPr marL="0" indent="0" algn="ctr">
+                <a:lnSpc>
+                  <a:spcPct val="90000"/>
+                </a:lnSpc>
+                <a:spcBef>
+                  <a:spcPts val="400"/>
+                </a:spcBef>
+                <a:buFont typeface="MetricHPE" panose="020B0503030202060203" pitchFamily="34" charset="0"/>
+                <a:buNone/>
+              </a:pPr>
+              <a:r>
+                <a:rPr lang="en-US" dirty="0"/>
+                <a:t>Output: 0,1,2,3,…,9</a:t>
+              </a:r>
+            </a:p>
+          </p:txBody>
+        </p:sp>
+      </p:grpSp>
     </p:spTree>
     <p:extLst>
       <p:ext uri="{BB962C8B-B14F-4D97-AF65-F5344CB8AC3E}">
